--- a/doc/CS408-progress-presentation.pptx
+++ b/doc/CS408-progress-presentation.pptx
@@ -4,21 +4,22 @@
   <p:sldMasterIdLst>
     <p:sldMasterId id="2147483648" r:id="rId2"/>
     <p:sldMasterId id="2147483661" r:id="rId3"/>
+    <p:sldMasterId id="2147483674" r:id="rId4"/>
   </p:sldMasterIdLst>
   <p:sldIdLst>
-    <p:sldId id="256" r:id="rId4"/>
-    <p:sldId id="257" r:id="rId5"/>
-    <p:sldId id="258" r:id="rId6"/>
-    <p:sldId id="259" r:id="rId7"/>
-    <p:sldId id="260" r:id="rId8"/>
-    <p:sldId id="261" r:id="rId9"/>
+    <p:sldId id="256" r:id="rId5"/>
+    <p:sldId id="257" r:id="rId6"/>
+    <p:sldId id="258" r:id="rId7"/>
+    <p:sldId id="259" r:id="rId8"/>
+    <p:sldId id="260" r:id="rId9"/>
+    <p:sldId id="261" r:id="rId10"/>
   </p:sldIdLst>
   <p:sldSz cx="10080625" cy="5670550"/>
   <p:notesSz cx="7772400" cy="10058400"/>
 </p:presentation>
 </file>
 
-<file path=ppt/charts/chart1.xml><?xml version="1.0" encoding="utf-8"?>
+<file path=ppt/charts/chart8.xml><?xml version="1.0" encoding="utf-8"?>
 <c:chartSpace xmlns:c="http://schemas.openxmlformats.org/drawingml/2006/chart" xmlns:a="http://schemas.openxmlformats.org/drawingml/2006/main" xmlns:r="http://schemas.openxmlformats.org/officeDocument/2006/relationships">
   <c:lang val="en-US"/>
   <c:roundedCorners val="0"/>
@@ -33,11 +34,11 @@
           <c:order val="0"/>
           <c:tx>
             <c:strRef>
-              <c:f>label 1</c:f>
+              <c:f>label 0</c:f>
               <c:strCache>
                 <c:ptCount val="1"/>
                 <c:pt idx="0">
-                  <c:v>Plane</c:v>
+                  <c:v>Plan</c:v>
                 </c:pt>
               </c:strCache>
             </c:strRef>
@@ -59,11 +60,16 @@
               <a:p>
                 <a:pPr>
                   <a:defRPr b="0" sz="1000" spc="-1" strike="noStrike">
+                    <a:solidFill>
+                      <a:srgbClr val="000000"/>
+                    </a:solidFill>
                     <a:latin typeface="Nimbus Sans"/>
+                    <a:ea typeface="DejaVu Sans"/>
                   </a:defRPr>
                 </a:pPr>
               </a:p>
             </c:txPr>
+            <c:dLblPos val="outEnd"/>
             <c:showLegendKey val="0"/>
             <c:showVal val="0"/>
             <c:showCatName val="0"/>
@@ -84,7 +90,7 @@
           </c:cat>
           <c:val>
             <c:numRef>
-              <c:f>1</c:f>
+              <c:f>0</c:f>
               <c:numCache>
                 <c:formatCode>General</c:formatCode>
                 <c:ptCount val="1"/>
@@ -100,7 +106,7 @@
           <c:order val="1"/>
           <c:tx>
             <c:strRef>
-              <c:f>label 0</c:f>
+              <c:f>label 1</c:f>
               <c:strCache>
                 <c:ptCount val="1"/>
                 <c:pt idx="0">
@@ -126,11 +132,16 @@
               <a:p>
                 <a:pPr>
                   <a:defRPr b="0" sz="1000" spc="-1" strike="noStrike">
+                    <a:solidFill>
+                      <a:srgbClr val="000000"/>
+                    </a:solidFill>
                     <a:latin typeface="Nimbus Sans"/>
+                    <a:ea typeface="DejaVu Sans"/>
                   </a:defRPr>
                 </a:pPr>
               </a:p>
             </c:txPr>
+            <c:dLblPos val="outEnd"/>
             <c:showLegendKey val="0"/>
             <c:showVal val="0"/>
             <c:showCatName val="0"/>
@@ -151,7 +162,7 @@
           </c:cat>
           <c:val>
             <c:numRef>
-              <c:f>0</c:f>
+              <c:f>1</c:f>
               <c:numCache>
                 <c:formatCode>General</c:formatCode>
                 <c:ptCount val="1"/>
@@ -193,11 +204,16 @@
               <a:p>
                 <a:pPr>
                   <a:defRPr b="0" sz="1000" spc="-1" strike="noStrike">
+                    <a:solidFill>
+                      <a:srgbClr val="000000"/>
+                    </a:solidFill>
                     <a:latin typeface="Nimbus Sans"/>
+                    <a:ea typeface="DejaVu Sans"/>
                   </a:defRPr>
                 </a:pPr>
               </a:p>
             </c:txPr>
+            <c:dLblPos val="outEnd"/>
             <c:showLegendKey val="0"/>
             <c:showVal val="0"/>
             <c:showCatName val="0"/>
@@ -260,11 +276,16 @@
               <a:p>
                 <a:pPr>
                   <a:defRPr b="0" sz="1000" spc="-1" strike="noStrike">
+                    <a:solidFill>
+                      <a:srgbClr val="000000"/>
+                    </a:solidFill>
                     <a:latin typeface="Nimbus Sans"/>
+                    <a:ea typeface="DejaVu Sans"/>
                   </a:defRPr>
                 </a:pPr>
               </a:p>
             </c:txPr>
+            <c:dLblPos val="outEnd"/>
             <c:showLegendKey val="0"/>
             <c:showVal val="0"/>
             <c:showCatName val="0"/>
@@ -298,11 +319,11 @@
         </c:ser>
         <c:gapWidth val="100"/>
         <c:overlap val="0"/>
-        <c:axId val="19607561"/>
-        <c:axId val="50271302"/>
+        <c:axId val="14738301"/>
+        <c:axId val="2234488"/>
       </c:barChart>
       <c:catAx>
-        <c:axId val="19607561"/>
+        <c:axId val="14738301"/>
         <c:scaling>
           <c:orientation val="minMax"/>
         </c:scaling>
@@ -313,10 +334,11 @@
         <c:minorTickMark val="none"/>
         <c:tickLblPos val="nextTo"/>
         <c:spPr>
-          <a:ln>
+          <a:ln w="9360">
             <a:solidFill>
               <a:srgbClr val="b3b3b3"/>
             </a:solidFill>
+            <a:round/>
           </a:ln>
         </c:spPr>
         <c:txPr>
@@ -325,19 +347,23 @@
           <a:p>
             <a:pPr>
               <a:defRPr b="0" sz="1000" spc="-1" strike="noStrike">
+                <a:solidFill>
+                  <a:srgbClr val="000000"/>
+                </a:solidFill>
                 <a:latin typeface="Nimbus Sans"/>
+                <a:ea typeface="DejaVu Sans"/>
               </a:defRPr>
             </a:pPr>
           </a:p>
         </c:txPr>
-        <c:crossAx val="50271302"/>
+        <c:crossAx val="2234488"/>
         <c:crosses val="autoZero"/>
         <c:auto val="1"/>
         <c:lblAlgn val="ctr"/>
         <c:lblOffset val="100"/>
       </c:catAx>
       <c:valAx>
-        <c:axId val="50271302"/>
+        <c:axId val="2234488"/>
         <c:scaling>
           <c:orientation val="minMax"/>
           <c:max val="4"/>
@@ -346,10 +372,11 @@
         <c:axPos val="l"/>
         <c:majorGridlines>
           <c:spPr>
-            <a:ln>
+            <a:ln w="9360">
               <a:solidFill>
                 <a:srgbClr val="b3b3b3"/>
               </a:solidFill>
+              <a:round/>
             </a:ln>
           </c:spPr>
         </c:majorGridlines>
@@ -361,12 +388,20 @@
               <a:p>
                 <a:pPr>
                   <a:defRPr b="0" sz="900" spc="-1" strike="noStrike">
+                    <a:solidFill>
+                      <a:srgbClr val="000000"/>
+                    </a:solidFill>
                     <a:latin typeface="Nimbus Sans"/>
+                    <a:ea typeface="DejaVu Sans"/>
                   </a:defRPr>
                 </a:pPr>
                 <a:r>
                   <a:rPr b="0" sz="900" spc="-1" strike="noStrike">
+                    <a:solidFill>
+                      <a:srgbClr val="000000"/>
+                    </a:solidFill>
                     <a:latin typeface="Nimbus Sans"/>
+                    <a:ea typeface="DejaVu Sans"/>
                   </a:rPr>
                   <a:t>1 = RAM
 2 = ROM
@@ -380,8 +415,8 @@
             <c:manualLayout>
               <c:xMode val="edge"/>
               <c:yMode val="edge"/>
-              <c:x val="0.0138250542339229"/>
-              <c:y val="0.42647300180535"/>
+              <c:x val="0.0138623326959847"/>
+              <c:y val="0.426425933524826"/>
             </c:manualLayout>
           </c:layout>
           <c:overlay val="0"/>
@@ -392,15 +427,16 @@
             </a:ln>
           </c:spPr>
         </c:title>
-        <c:numFmt formatCode="General" sourceLinked="1"/>
+        <c:numFmt formatCode="General" sourceLinked="0"/>
         <c:majorTickMark val="out"/>
         <c:minorTickMark val="none"/>
         <c:tickLblPos val="nextTo"/>
         <c:spPr>
-          <a:ln>
+          <a:ln w="9360">
             <a:solidFill>
               <a:srgbClr val="b3b3b3"/>
             </a:solidFill>
+            <a:round/>
           </a:ln>
         </c:spPr>
         <c:txPr>
@@ -409,12 +445,16 @@
           <a:p>
             <a:pPr>
               <a:defRPr b="0" sz="1000" spc="-1" strike="noStrike">
+                <a:solidFill>
+                  <a:srgbClr val="000000"/>
+                </a:solidFill>
                 <a:latin typeface="Nimbus Sans"/>
+                <a:ea typeface="DejaVu Sans"/>
               </a:defRPr>
             </a:pPr>
           </a:p>
         </c:txPr>
-        <c:crossAx val="19607561"/>
+        <c:crossAx val="14738301"/>
         <c:crossesAt val="1"/>
         <c:majorUnit val="1"/>
       </c:valAx>
@@ -442,7 +482,11 @@
         <a:p>
           <a:pPr>
             <a:defRPr b="0" sz="1000" spc="-1" strike="noStrike">
-              <a:latin typeface="Nimbus Sans"/>
+              <a:solidFill>
+                <a:srgbClr val="000000"/>
+              </a:solidFill>
+              <a:latin typeface="Nimbus Sans"/>
+              <a:ea typeface="DejaVu Sans"/>
             </a:defRPr>
           </a:pPr>
         </a:p>
@@ -501,7 +545,7 @@
       </p:grpSpPr>
       <p:sp>
         <p:nvSpPr>
-          <p:cNvPr id="28" name="PlaceHolder 1"/>
+          <p:cNvPr id="25" name="PlaceHolder 1"/>
           <p:cNvSpPr>
             <a:spLocks noGrp="1"/>
           </p:cNvSpPr>
@@ -511,8 +555,8 @@
         </p:nvSpPr>
         <p:spPr>
           <a:xfrm>
-            <a:off x="0" y="1755720"/>
-            <a:ext cx="9071640" cy="946440"/>
+            <a:off x="0" y="1755360"/>
+            <a:ext cx="9071280" cy="946800"/>
           </a:xfrm>
           <a:prstGeom prst="rect">
             <a:avLst/>
@@ -524,18 +568,15 @@
           </a:bodyPr>
           <a:p>
             <a:pPr algn="ctr"/>
-            <a:endParaRPr b="0" lang="en-GB" sz="3110" spc="-1" strike="noStrike">
-              <a:solidFill>
-                <a:srgbClr val="006699"/>
-              </a:solidFill>
-              <a:latin typeface="Arial"/>
-            </a:endParaRPr>
-          </a:p>
-        </p:txBody>
-      </p:sp>
-      <p:sp>
-        <p:nvSpPr>
-          <p:cNvPr id="29" name="PlaceHolder 2"/>
+            <a:endParaRPr b="0" lang="en-GB" sz="4400" spc="-1" strike="noStrike">
+              <a:latin typeface="Nimbus Sans"/>
+            </a:endParaRPr>
+          </a:p>
+        </p:txBody>
+      </p:sp>
+      <p:sp>
+        <p:nvSpPr>
+          <p:cNvPr id="26" name="PlaceHolder 2"/>
           <p:cNvSpPr>
             <a:spLocks noGrp="1"/>
           </p:cNvSpPr>
@@ -546,7 +587,7 @@
         <p:spPr>
           <a:xfrm>
             <a:off x="504000" y="1326600"/>
-            <a:ext cx="9071640" cy="1568160"/>
+            <a:ext cx="9071280" cy="1568160"/>
           </a:xfrm>
           <a:prstGeom prst="rect">
             <a:avLst/>
@@ -557,15 +598,15 @@
             <a:normAutofit/>
           </a:bodyPr>
           <a:p>
-            <a:endParaRPr b="0" lang="en-GB" sz="2400" spc="-1" strike="noStrike">
-              <a:latin typeface="Arial"/>
-            </a:endParaRPr>
-          </a:p>
-        </p:txBody>
-      </p:sp>
-      <p:sp>
-        <p:nvSpPr>
-          <p:cNvPr id="30" name="PlaceHolder 3"/>
+            <a:endParaRPr b="0" lang="en-GB" sz="3200" spc="-1" strike="noStrike">
+              <a:latin typeface="Nimbus Sans"/>
+            </a:endParaRPr>
+          </a:p>
+        </p:txBody>
+      </p:sp>
+      <p:sp>
+        <p:nvSpPr>
+          <p:cNvPr id="27" name="PlaceHolder 3"/>
           <p:cNvSpPr>
             <a:spLocks noGrp="1"/>
           </p:cNvSpPr>
@@ -576,7 +617,7 @@
         <p:spPr>
           <a:xfrm>
             <a:off x="504000" y="3044160"/>
-            <a:ext cx="9071640" cy="1568160"/>
+            <a:ext cx="9071280" cy="1568160"/>
           </a:xfrm>
           <a:prstGeom prst="rect">
             <a:avLst/>
@@ -587,8 +628,8 @@
             <a:normAutofit/>
           </a:bodyPr>
           <a:p>
-            <a:endParaRPr b="0" lang="en-GB" sz="2400" spc="-1" strike="noStrike">
-              <a:latin typeface="Arial"/>
+            <a:endParaRPr b="0" lang="en-GB" sz="3200" spc="-1" strike="noStrike">
+              <a:latin typeface="Nimbus Sans"/>
             </a:endParaRPr>
           </a:p>
         </p:txBody>
@@ -617,7 +658,7 @@
       </p:grpSpPr>
       <p:sp>
         <p:nvSpPr>
-          <p:cNvPr id="31" name="PlaceHolder 1"/>
+          <p:cNvPr id="28" name="PlaceHolder 1"/>
           <p:cNvSpPr>
             <a:spLocks noGrp="1"/>
           </p:cNvSpPr>
@@ -627,8 +668,8 @@
         </p:nvSpPr>
         <p:spPr>
           <a:xfrm>
-            <a:off x="0" y="1755720"/>
-            <a:ext cx="9071640" cy="946440"/>
+            <a:off x="0" y="1755360"/>
+            <a:ext cx="9071280" cy="946800"/>
           </a:xfrm>
           <a:prstGeom prst="rect">
             <a:avLst/>
@@ -640,18 +681,15 @@
           </a:bodyPr>
           <a:p>
             <a:pPr algn="ctr"/>
-            <a:endParaRPr b="0" lang="en-GB" sz="3110" spc="-1" strike="noStrike">
-              <a:solidFill>
-                <a:srgbClr val="006699"/>
-              </a:solidFill>
-              <a:latin typeface="Arial"/>
-            </a:endParaRPr>
-          </a:p>
-        </p:txBody>
-      </p:sp>
-      <p:sp>
-        <p:nvSpPr>
-          <p:cNvPr id="32" name="PlaceHolder 2"/>
+            <a:endParaRPr b="0" lang="en-GB" sz="4400" spc="-1" strike="noStrike">
+              <a:latin typeface="Nimbus Sans"/>
+            </a:endParaRPr>
+          </a:p>
+        </p:txBody>
+      </p:sp>
+      <p:sp>
+        <p:nvSpPr>
+          <p:cNvPr id="29" name="PlaceHolder 2"/>
           <p:cNvSpPr>
             <a:spLocks noGrp="1"/>
           </p:cNvSpPr>
@@ -662,7 +700,7 @@
         <p:spPr>
           <a:xfrm>
             <a:off x="504000" y="1326600"/>
-            <a:ext cx="4426920" cy="1568160"/>
+            <a:ext cx="4426560" cy="1568160"/>
           </a:xfrm>
           <a:prstGeom prst="rect">
             <a:avLst/>
@@ -673,15 +711,15 @@
             <a:normAutofit/>
           </a:bodyPr>
           <a:p>
-            <a:endParaRPr b="0" lang="en-GB" sz="2400" spc="-1" strike="noStrike">
-              <a:latin typeface="Arial"/>
-            </a:endParaRPr>
-          </a:p>
-        </p:txBody>
-      </p:sp>
-      <p:sp>
-        <p:nvSpPr>
-          <p:cNvPr id="33" name="PlaceHolder 3"/>
+            <a:endParaRPr b="0" lang="en-GB" sz="3200" spc="-1" strike="noStrike">
+              <a:latin typeface="Nimbus Sans"/>
+            </a:endParaRPr>
+          </a:p>
+        </p:txBody>
+      </p:sp>
+      <p:sp>
+        <p:nvSpPr>
+          <p:cNvPr id="30" name="PlaceHolder 3"/>
           <p:cNvSpPr>
             <a:spLocks noGrp="1"/>
           </p:cNvSpPr>
@@ -691,8 +729,8 @@
         </p:nvSpPr>
         <p:spPr>
           <a:xfrm>
-            <a:off x="5152680" y="1326600"/>
-            <a:ext cx="4426920" cy="1568160"/>
+            <a:off x="5152320" y="1326600"/>
+            <a:ext cx="4426560" cy="1568160"/>
           </a:xfrm>
           <a:prstGeom prst="rect">
             <a:avLst/>
@@ -703,15 +741,15 @@
             <a:normAutofit/>
           </a:bodyPr>
           <a:p>
-            <a:endParaRPr b="0" lang="en-GB" sz="2400" spc="-1" strike="noStrike">
-              <a:latin typeface="Arial"/>
-            </a:endParaRPr>
-          </a:p>
-        </p:txBody>
-      </p:sp>
-      <p:sp>
-        <p:nvSpPr>
-          <p:cNvPr id="34" name="PlaceHolder 4"/>
+            <a:endParaRPr b="0" lang="en-GB" sz="3200" spc="-1" strike="noStrike">
+              <a:latin typeface="Nimbus Sans"/>
+            </a:endParaRPr>
+          </a:p>
+        </p:txBody>
+      </p:sp>
+      <p:sp>
+        <p:nvSpPr>
+          <p:cNvPr id="31" name="PlaceHolder 4"/>
           <p:cNvSpPr>
             <a:spLocks noGrp="1"/>
           </p:cNvSpPr>
@@ -722,7 +760,7 @@
         <p:spPr>
           <a:xfrm>
             <a:off x="504000" y="3044160"/>
-            <a:ext cx="4426920" cy="1568160"/>
+            <a:ext cx="4426560" cy="1568160"/>
           </a:xfrm>
           <a:prstGeom prst="rect">
             <a:avLst/>
@@ -733,15 +771,15 @@
             <a:normAutofit/>
           </a:bodyPr>
           <a:p>
-            <a:endParaRPr b="0" lang="en-GB" sz="2400" spc="-1" strike="noStrike">
-              <a:latin typeface="Arial"/>
-            </a:endParaRPr>
-          </a:p>
-        </p:txBody>
-      </p:sp>
-      <p:sp>
-        <p:nvSpPr>
-          <p:cNvPr id="35" name="PlaceHolder 5"/>
+            <a:endParaRPr b="0" lang="en-GB" sz="3200" spc="-1" strike="noStrike">
+              <a:latin typeface="Nimbus Sans"/>
+            </a:endParaRPr>
+          </a:p>
+        </p:txBody>
+      </p:sp>
+      <p:sp>
+        <p:nvSpPr>
+          <p:cNvPr id="32" name="PlaceHolder 5"/>
           <p:cNvSpPr>
             <a:spLocks noGrp="1"/>
           </p:cNvSpPr>
@@ -751,8 +789,8 @@
         </p:nvSpPr>
         <p:spPr>
           <a:xfrm>
-            <a:off x="5152680" y="3044160"/>
-            <a:ext cx="4426920" cy="1568160"/>
+            <a:off x="5152320" y="3044160"/>
+            <a:ext cx="4426560" cy="1568160"/>
           </a:xfrm>
           <a:prstGeom prst="rect">
             <a:avLst/>
@@ -763,8 +801,8 @@
             <a:normAutofit/>
           </a:bodyPr>
           <a:p>
-            <a:endParaRPr b="0" lang="en-GB" sz="2400" spc="-1" strike="noStrike">
-              <a:latin typeface="Arial"/>
+            <a:endParaRPr b="0" lang="en-GB" sz="3200" spc="-1" strike="noStrike">
+              <a:latin typeface="Nimbus Sans"/>
             </a:endParaRPr>
           </a:p>
         </p:txBody>
@@ -793,7 +831,7 @@
       </p:grpSpPr>
       <p:sp>
         <p:nvSpPr>
-          <p:cNvPr id="36" name="PlaceHolder 1"/>
+          <p:cNvPr id="33" name="PlaceHolder 1"/>
           <p:cNvSpPr>
             <a:spLocks noGrp="1"/>
           </p:cNvSpPr>
@@ -803,8 +841,8 @@
         </p:nvSpPr>
         <p:spPr>
           <a:xfrm>
-            <a:off x="0" y="1755720"/>
-            <a:ext cx="9071640" cy="946440"/>
+            <a:off x="0" y="1755360"/>
+            <a:ext cx="9071280" cy="946800"/>
           </a:xfrm>
           <a:prstGeom prst="rect">
             <a:avLst/>
@@ -816,18 +854,15 @@
           </a:bodyPr>
           <a:p>
             <a:pPr algn="ctr"/>
-            <a:endParaRPr b="0" lang="en-GB" sz="3110" spc="-1" strike="noStrike">
-              <a:solidFill>
-                <a:srgbClr val="006699"/>
-              </a:solidFill>
-              <a:latin typeface="Arial"/>
-            </a:endParaRPr>
-          </a:p>
-        </p:txBody>
-      </p:sp>
-      <p:sp>
-        <p:nvSpPr>
-          <p:cNvPr id="37" name="PlaceHolder 2"/>
+            <a:endParaRPr b="0" lang="en-GB" sz="4400" spc="-1" strike="noStrike">
+              <a:latin typeface="Nimbus Sans"/>
+            </a:endParaRPr>
+          </a:p>
+        </p:txBody>
+      </p:sp>
+      <p:sp>
+        <p:nvSpPr>
+          <p:cNvPr id="34" name="PlaceHolder 2"/>
           <p:cNvSpPr>
             <a:spLocks noGrp="1"/>
           </p:cNvSpPr>
@@ -849,15 +884,15 @@
             <a:normAutofit/>
           </a:bodyPr>
           <a:p>
-            <a:endParaRPr b="0" lang="en-GB" sz="2400" spc="-1" strike="noStrike">
-              <a:latin typeface="Arial"/>
-            </a:endParaRPr>
-          </a:p>
-        </p:txBody>
-      </p:sp>
-      <p:sp>
-        <p:nvSpPr>
-          <p:cNvPr id="38" name="PlaceHolder 3"/>
+            <a:endParaRPr b="0" lang="en-GB" sz="3200" spc="-1" strike="noStrike">
+              <a:latin typeface="Nimbus Sans"/>
+            </a:endParaRPr>
+          </a:p>
+        </p:txBody>
+      </p:sp>
+      <p:sp>
+        <p:nvSpPr>
+          <p:cNvPr id="35" name="PlaceHolder 3"/>
           <p:cNvSpPr>
             <a:spLocks noGrp="1"/>
           </p:cNvSpPr>
@@ -879,15 +914,15 @@
             <a:normAutofit/>
           </a:bodyPr>
           <a:p>
-            <a:endParaRPr b="0" lang="en-GB" sz="2400" spc="-1" strike="noStrike">
-              <a:latin typeface="Arial"/>
-            </a:endParaRPr>
-          </a:p>
-        </p:txBody>
-      </p:sp>
-      <p:sp>
-        <p:nvSpPr>
-          <p:cNvPr id="39" name="PlaceHolder 4"/>
+            <a:endParaRPr b="0" lang="en-GB" sz="3200" spc="-1" strike="noStrike">
+              <a:latin typeface="Nimbus Sans"/>
+            </a:endParaRPr>
+          </a:p>
+        </p:txBody>
+      </p:sp>
+      <p:sp>
+        <p:nvSpPr>
+          <p:cNvPr id="36" name="PlaceHolder 4"/>
           <p:cNvSpPr>
             <a:spLocks noGrp="1"/>
           </p:cNvSpPr>
@@ -909,15 +944,15 @@
             <a:normAutofit/>
           </a:bodyPr>
           <a:p>
-            <a:endParaRPr b="0" lang="en-GB" sz="2400" spc="-1" strike="noStrike">
-              <a:latin typeface="Arial"/>
-            </a:endParaRPr>
-          </a:p>
-        </p:txBody>
-      </p:sp>
-      <p:sp>
-        <p:nvSpPr>
-          <p:cNvPr id="40" name="PlaceHolder 5"/>
+            <a:endParaRPr b="0" lang="en-GB" sz="3200" spc="-1" strike="noStrike">
+              <a:latin typeface="Nimbus Sans"/>
+            </a:endParaRPr>
+          </a:p>
+        </p:txBody>
+      </p:sp>
+      <p:sp>
+        <p:nvSpPr>
+          <p:cNvPr id="37" name="PlaceHolder 5"/>
           <p:cNvSpPr>
             <a:spLocks noGrp="1"/>
           </p:cNvSpPr>
@@ -939,15 +974,15 @@
             <a:normAutofit/>
           </a:bodyPr>
           <a:p>
-            <a:endParaRPr b="0" lang="en-GB" sz="2400" spc="-1" strike="noStrike">
-              <a:latin typeface="Arial"/>
-            </a:endParaRPr>
-          </a:p>
-        </p:txBody>
-      </p:sp>
-      <p:sp>
-        <p:nvSpPr>
-          <p:cNvPr id="41" name="PlaceHolder 6"/>
+            <a:endParaRPr b="0" lang="en-GB" sz="3200" spc="-1" strike="noStrike">
+              <a:latin typeface="Nimbus Sans"/>
+            </a:endParaRPr>
+          </a:p>
+        </p:txBody>
+      </p:sp>
+      <p:sp>
+        <p:nvSpPr>
+          <p:cNvPr id="38" name="PlaceHolder 6"/>
           <p:cNvSpPr>
             <a:spLocks noGrp="1"/>
           </p:cNvSpPr>
@@ -969,15 +1004,15 @@
             <a:normAutofit/>
           </a:bodyPr>
           <a:p>
-            <a:endParaRPr b="0" lang="en-GB" sz="2400" spc="-1" strike="noStrike">
-              <a:latin typeface="Arial"/>
-            </a:endParaRPr>
-          </a:p>
-        </p:txBody>
-      </p:sp>
-      <p:sp>
-        <p:nvSpPr>
-          <p:cNvPr id="42" name="PlaceHolder 7"/>
+            <a:endParaRPr b="0" lang="en-GB" sz="3200" spc="-1" strike="noStrike">
+              <a:latin typeface="Nimbus Sans"/>
+            </a:endParaRPr>
+          </a:p>
+        </p:txBody>
+      </p:sp>
+      <p:sp>
+        <p:nvSpPr>
+          <p:cNvPr id="39" name="PlaceHolder 7"/>
           <p:cNvSpPr>
             <a:spLocks noGrp="1"/>
           </p:cNvSpPr>
@@ -999,8 +1034,8 @@
             <a:normAutofit/>
           </a:bodyPr>
           <a:p>
-            <a:endParaRPr b="0" lang="en-GB" sz="2400" spc="-1" strike="noStrike">
-              <a:latin typeface="Arial"/>
+            <a:endParaRPr b="0" lang="en-GB" sz="3200" spc="-1" strike="noStrike">
+              <a:latin typeface="Nimbus Sans"/>
             </a:endParaRPr>
           </a:p>
         </p:txBody>
@@ -1051,7 +1086,7 @@
       </p:grpSpPr>
       <p:sp>
         <p:nvSpPr>
-          <p:cNvPr id="48" name="PlaceHolder 1"/>
+          <p:cNvPr id="44" name="PlaceHolder 1"/>
           <p:cNvSpPr>
             <a:spLocks noGrp="1"/>
           </p:cNvSpPr>
@@ -1061,8 +1096,8 @@
         </p:nvSpPr>
         <p:spPr>
           <a:xfrm>
-            <a:off x="0" y="1755720"/>
-            <a:ext cx="9071640" cy="946440"/>
+            <a:off x="0" y="1755360"/>
+            <a:ext cx="9071280" cy="946800"/>
           </a:xfrm>
           <a:prstGeom prst="rect">
             <a:avLst/>
@@ -1074,18 +1109,15 @@
           </a:bodyPr>
           <a:p>
             <a:pPr algn="ctr"/>
-            <a:endParaRPr b="0" lang="en-GB" sz="3110" spc="-1" strike="noStrike">
-              <a:solidFill>
-                <a:srgbClr val="006699"/>
-              </a:solidFill>
-              <a:latin typeface="Arial"/>
-            </a:endParaRPr>
-          </a:p>
-        </p:txBody>
-      </p:sp>
-      <p:sp>
-        <p:nvSpPr>
-          <p:cNvPr id="49" name="PlaceHolder 2"/>
+            <a:endParaRPr b="0" lang="en-GB" sz="4400" spc="-1" strike="noStrike">
+              <a:latin typeface="Nimbus Sans"/>
+            </a:endParaRPr>
+          </a:p>
+        </p:txBody>
+      </p:sp>
+      <p:sp>
+        <p:nvSpPr>
+          <p:cNvPr id="45" name="PlaceHolder 2"/>
           <p:cNvSpPr>
             <a:spLocks noGrp="1"/>
           </p:cNvSpPr>
@@ -1096,7 +1128,7 @@
         <p:spPr>
           <a:xfrm>
             <a:off x="504000" y="1326600"/>
-            <a:ext cx="9071640" cy="3288240"/>
+            <a:ext cx="9071280" cy="3287880"/>
           </a:xfrm>
           <a:prstGeom prst="rect">
             <a:avLst/>
@@ -1108,8 +1140,8 @@
           </a:bodyPr>
           <a:p>
             <a:pPr algn="ctr"/>
-            <a:endParaRPr b="0" lang="en-GB" sz="1600" spc="-1" strike="noStrike">
-              <a:latin typeface="Arial"/>
+            <a:endParaRPr b="0" lang="en-GB" sz="3200" spc="-1" strike="noStrike">
+              <a:latin typeface="Nimbus Sans"/>
             </a:endParaRPr>
           </a:p>
         </p:txBody>
@@ -1138,7 +1170,7 @@
       </p:grpSpPr>
       <p:sp>
         <p:nvSpPr>
-          <p:cNvPr id="50" name="PlaceHolder 1"/>
+          <p:cNvPr id="46" name="PlaceHolder 1"/>
           <p:cNvSpPr>
             <a:spLocks noGrp="1"/>
           </p:cNvSpPr>
@@ -1148,8 +1180,8 @@
         </p:nvSpPr>
         <p:spPr>
           <a:xfrm>
-            <a:off x="0" y="1755720"/>
-            <a:ext cx="9071640" cy="946440"/>
+            <a:off x="0" y="1755360"/>
+            <a:ext cx="9071280" cy="946800"/>
           </a:xfrm>
           <a:prstGeom prst="rect">
             <a:avLst/>
@@ -1161,18 +1193,15 @@
           </a:bodyPr>
           <a:p>
             <a:pPr algn="ctr"/>
-            <a:endParaRPr b="0" lang="en-GB" sz="3110" spc="-1" strike="noStrike">
-              <a:solidFill>
-                <a:srgbClr val="006699"/>
-              </a:solidFill>
-              <a:latin typeface="Arial"/>
-            </a:endParaRPr>
-          </a:p>
-        </p:txBody>
-      </p:sp>
-      <p:sp>
-        <p:nvSpPr>
-          <p:cNvPr id="51" name="PlaceHolder 2"/>
+            <a:endParaRPr b="0" lang="en-GB" sz="4400" spc="-1" strike="noStrike">
+              <a:latin typeface="Nimbus Sans"/>
+            </a:endParaRPr>
+          </a:p>
+        </p:txBody>
+      </p:sp>
+      <p:sp>
+        <p:nvSpPr>
+          <p:cNvPr id="47" name="PlaceHolder 2"/>
           <p:cNvSpPr>
             <a:spLocks noGrp="1"/>
           </p:cNvSpPr>
@@ -1183,7 +1212,7 @@
         <p:spPr>
           <a:xfrm>
             <a:off x="504000" y="1326600"/>
-            <a:ext cx="9071640" cy="3288240"/>
+            <a:ext cx="9071280" cy="3287880"/>
           </a:xfrm>
           <a:prstGeom prst="rect">
             <a:avLst/>
@@ -1194,8 +1223,8 @@
             <a:normAutofit/>
           </a:bodyPr>
           <a:p>
-            <a:endParaRPr b="0" lang="en-GB" sz="2400" spc="-1" strike="noStrike">
-              <a:latin typeface="Arial"/>
+            <a:endParaRPr b="0" lang="en-GB" sz="3200" spc="-1" strike="noStrike">
+              <a:latin typeface="Nimbus Sans"/>
             </a:endParaRPr>
           </a:p>
         </p:txBody>
@@ -1224,7 +1253,7 @@
       </p:grpSpPr>
       <p:sp>
         <p:nvSpPr>
-          <p:cNvPr id="52" name="PlaceHolder 1"/>
+          <p:cNvPr id="48" name="PlaceHolder 1"/>
           <p:cNvSpPr>
             <a:spLocks noGrp="1"/>
           </p:cNvSpPr>
@@ -1234,8 +1263,8 @@
         </p:nvSpPr>
         <p:spPr>
           <a:xfrm>
-            <a:off x="0" y="1755720"/>
-            <a:ext cx="9071640" cy="946440"/>
+            <a:off x="0" y="1755360"/>
+            <a:ext cx="9071280" cy="946800"/>
           </a:xfrm>
           <a:prstGeom prst="rect">
             <a:avLst/>
@@ -1247,18 +1276,15 @@
           </a:bodyPr>
           <a:p>
             <a:pPr algn="ctr"/>
-            <a:endParaRPr b="0" lang="en-GB" sz="3110" spc="-1" strike="noStrike">
-              <a:solidFill>
-                <a:srgbClr val="006699"/>
-              </a:solidFill>
-              <a:latin typeface="Arial"/>
-            </a:endParaRPr>
-          </a:p>
-        </p:txBody>
-      </p:sp>
-      <p:sp>
-        <p:nvSpPr>
-          <p:cNvPr id="53" name="PlaceHolder 2"/>
+            <a:endParaRPr b="0" lang="en-GB" sz="4400" spc="-1" strike="noStrike">
+              <a:latin typeface="Nimbus Sans"/>
+            </a:endParaRPr>
+          </a:p>
+        </p:txBody>
+      </p:sp>
+      <p:sp>
+        <p:nvSpPr>
+          <p:cNvPr id="49" name="PlaceHolder 2"/>
           <p:cNvSpPr>
             <a:spLocks noGrp="1"/>
           </p:cNvSpPr>
@@ -1269,7 +1295,7 @@
         <p:spPr>
           <a:xfrm>
             <a:off x="504000" y="1326600"/>
-            <a:ext cx="4426920" cy="3288240"/>
+            <a:ext cx="4426560" cy="3287880"/>
           </a:xfrm>
           <a:prstGeom prst="rect">
             <a:avLst/>
@@ -1280,15 +1306,15 @@
             <a:normAutofit/>
           </a:bodyPr>
           <a:p>
-            <a:endParaRPr b="0" lang="en-GB" sz="2400" spc="-1" strike="noStrike">
-              <a:latin typeface="Arial"/>
-            </a:endParaRPr>
-          </a:p>
-        </p:txBody>
-      </p:sp>
-      <p:sp>
-        <p:nvSpPr>
-          <p:cNvPr id="54" name="PlaceHolder 3"/>
+            <a:endParaRPr b="0" lang="en-GB" sz="3200" spc="-1" strike="noStrike">
+              <a:latin typeface="Nimbus Sans"/>
+            </a:endParaRPr>
+          </a:p>
+        </p:txBody>
+      </p:sp>
+      <p:sp>
+        <p:nvSpPr>
+          <p:cNvPr id="50" name="PlaceHolder 3"/>
           <p:cNvSpPr>
             <a:spLocks noGrp="1"/>
           </p:cNvSpPr>
@@ -1298,8 +1324,8 @@
         </p:nvSpPr>
         <p:spPr>
           <a:xfrm>
-            <a:off x="5152680" y="1326600"/>
-            <a:ext cx="4426920" cy="3288240"/>
+            <a:off x="5152320" y="1326600"/>
+            <a:ext cx="4426560" cy="3287880"/>
           </a:xfrm>
           <a:prstGeom prst="rect">
             <a:avLst/>
@@ -1310,8 +1336,8 @@
             <a:normAutofit/>
           </a:bodyPr>
           <a:p>
-            <a:endParaRPr b="0" lang="en-GB" sz="2400" spc="-1" strike="noStrike">
-              <a:latin typeface="Arial"/>
+            <a:endParaRPr b="0" lang="en-GB" sz="3200" spc="-1" strike="noStrike">
+              <a:latin typeface="Nimbus Sans"/>
             </a:endParaRPr>
           </a:p>
         </p:txBody>
@@ -1340,7 +1366,7 @@
       </p:grpSpPr>
       <p:sp>
         <p:nvSpPr>
-          <p:cNvPr id="55" name="PlaceHolder 1"/>
+          <p:cNvPr id="51" name="PlaceHolder 1"/>
           <p:cNvSpPr>
             <a:spLocks noGrp="1"/>
           </p:cNvSpPr>
@@ -1350,8 +1376,8 @@
         </p:nvSpPr>
         <p:spPr>
           <a:xfrm>
-            <a:off x="0" y="1755720"/>
-            <a:ext cx="9071640" cy="946440"/>
+            <a:off x="0" y="1755360"/>
+            <a:ext cx="9071280" cy="946800"/>
           </a:xfrm>
           <a:prstGeom prst="rect">
             <a:avLst/>
@@ -1363,11 +1389,8 @@
           </a:bodyPr>
           <a:p>
             <a:pPr algn="ctr"/>
-            <a:endParaRPr b="0" lang="en-GB" sz="3110" spc="-1" strike="noStrike">
-              <a:solidFill>
-                <a:srgbClr val="006699"/>
-              </a:solidFill>
-              <a:latin typeface="Arial"/>
+            <a:endParaRPr b="0" lang="en-GB" sz="4400" spc="-1" strike="noStrike">
+              <a:latin typeface="Nimbus Sans"/>
             </a:endParaRPr>
           </a:p>
         </p:txBody>
@@ -1396,7 +1419,7 @@
       </p:grpSpPr>
       <p:sp>
         <p:nvSpPr>
-          <p:cNvPr id="56" name="PlaceHolder 1"/>
+          <p:cNvPr id="52" name="PlaceHolder 1"/>
           <p:cNvSpPr>
             <a:spLocks noGrp="1"/>
           </p:cNvSpPr>
@@ -1406,8 +1429,8 @@
         </p:nvSpPr>
         <p:spPr>
           <a:xfrm>
-            <a:off x="0" y="1755720"/>
-            <a:ext cx="9071640" cy="4388400"/>
+            <a:off x="0" y="1755360"/>
+            <a:ext cx="9071280" cy="4390200"/>
           </a:xfrm>
           <a:prstGeom prst="rect">
             <a:avLst/>
@@ -1419,8 +1442,8 @@
           </a:bodyPr>
           <a:p>
             <a:pPr algn="ctr"/>
-            <a:endParaRPr b="0" lang="en-GB" sz="1600" spc="-1" strike="noStrike">
-              <a:latin typeface="Arial"/>
+            <a:endParaRPr b="0" lang="en-GB" sz="3200" spc="-1" strike="noStrike">
+              <a:latin typeface="Nimbus Sans"/>
             </a:endParaRPr>
           </a:p>
         </p:txBody>
@@ -1449,7 +1472,7 @@
       </p:grpSpPr>
       <p:sp>
         <p:nvSpPr>
-          <p:cNvPr id="57" name="PlaceHolder 1"/>
+          <p:cNvPr id="53" name="PlaceHolder 1"/>
           <p:cNvSpPr>
             <a:spLocks noGrp="1"/>
           </p:cNvSpPr>
@@ -1459,8 +1482,8 @@
         </p:nvSpPr>
         <p:spPr>
           <a:xfrm>
-            <a:off x="0" y="1755720"/>
-            <a:ext cx="9071640" cy="946440"/>
+            <a:off x="0" y="1755360"/>
+            <a:ext cx="9071280" cy="946800"/>
           </a:xfrm>
           <a:prstGeom prst="rect">
             <a:avLst/>
@@ -1472,18 +1495,15 @@
           </a:bodyPr>
           <a:p>
             <a:pPr algn="ctr"/>
-            <a:endParaRPr b="0" lang="en-GB" sz="3110" spc="-1" strike="noStrike">
-              <a:solidFill>
-                <a:srgbClr val="006699"/>
-              </a:solidFill>
-              <a:latin typeface="Arial"/>
-            </a:endParaRPr>
-          </a:p>
-        </p:txBody>
-      </p:sp>
-      <p:sp>
-        <p:nvSpPr>
-          <p:cNvPr id="58" name="PlaceHolder 2"/>
+            <a:endParaRPr b="0" lang="en-GB" sz="4400" spc="-1" strike="noStrike">
+              <a:latin typeface="Nimbus Sans"/>
+            </a:endParaRPr>
+          </a:p>
+        </p:txBody>
+      </p:sp>
+      <p:sp>
+        <p:nvSpPr>
+          <p:cNvPr id="54" name="PlaceHolder 2"/>
           <p:cNvSpPr>
             <a:spLocks noGrp="1"/>
           </p:cNvSpPr>
@@ -1494,7 +1514,7 @@
         <p:spPr>
           <a:xfrm>
             <a:off x="504000" y="1326600"/>
-            <a:ext cx="4426920" cy="1568160"/>
+            <a:ext cx="4426560" cy="1568160"/>
           </a:xfrm>
           <a:prstGeom prst="rect">
             <a:avLst/>
@@ -1505,15 +1525,15 @@
             <a:normAutofit/>
           </a:bodyPr>
           <a:p>
-            <a:endParaRPr b="0" lang="en-GB" sz="2400" spc="-1" strike="noStrike">
-              <a:latin typeface="Arial"/>
-            </a:endParaRPr>
-          </a:p>
-        </p:txBody>
-      </p:sp>
-      <p:sp>
-        <p:nvSpPr>
-          <p:cNvPr id="59" name="PlaceHolder 3"/>
+            <a:endParaRPr b="0" lang="en-GB" sz="3200" spc="-1" strike="noStrike">
+              <a:latin typeface="Nimbus Sans"/>
+            </a:endParaRPr>
+          </a:p>
+        </p:txBody>
+      </p:sp>
+      <p:sp>
+        <p:nvSpPr>
+          <p:cNvPr id="55" name="PlaceHolder 3"/>
           <p:cNvSpPr>
             <a:spLocks noGrp="1"/>
           </p:cNvSpPr>
@@ -1523,8 +1543,8 @@
         </p:nvSpPr>
         <p:spPr>
           <a:xfrm>
-            <a:off x="5152680" y="1326600"/>
-            <a:ext cx="4426920" cy="3288240"/>
+            <a:off x="5152320" y="1326600"/>
+            <a:ext cx="4426560" cy="3287880"/>
           </a:xfrm>
           <a:prstGeom prst="rect">
             <a:avLst/>
@@ -1535,15 +1555,15 @@
             <a:normAutofit/>
           </a:bodyPr>
           <a:p>
-            <a:endParaRPr b="0" lang="en-GB" sz="2400" spc="-1" strike="noStrike">
-              <a:latin typeface="Arial"/>
-            </a:endParaRPr>
-          </a:p>
-        </p:txBody>
-      </p:sp>
-      <p:sp>
-        <p:nvSpPr>
-          <p:cNvPr id="60" name="PlaceHolder 4"/>
+            <a:endParaRPr b="0" lang="en-GB" sz="3200" spc="-1" strike="noStrike">
+              <a:latin typeface="Nimbus Sans"/>
+            </a:endParaRPr>
+          </a:p>
+        </p:txBody>
+      </p:sp>
+      <p:sp>
+        <p:nvSpPr>
+          <p:cNvPr id="56" name="PlaceHolder 4"/>
           <p:cNvSpPr>
             <a:spLocks noGrp="1"/>
           </p:cNvSpPr>
@@ -1554,7 +1574,7 @@
         <p:spPr>
           <a:xfrm>
             <a:off x="504000" y="3044160"/>
-            <a:ext cx="4426920" cy="1568160"/>
+            <a:ext cx="4426560" cy="1568160"/>
           </a:xfrm>
           <a:prstGeom prst="rect">
             <a:avLst/>
@@ -1565,8 +1585,8 @@
             <a:normAutofit/>
           </a:bodyPr>
           <a:p>
-            <a:endParaRPr b="0" lang="en-GB" sz="2400" spc="-1" strike="noStrike">
-              <a:latin typeface="Arial"/>
+            <a:endParaRPr b="0" lang="en-GB" sz="3200" spc="-1" strike="noStrike">
+              <a:latin typeface="Nimbus Sans"/>
             </a:endParaRPr>
           </a:p>
         </p:txBody>
@@ -1595,7 +1615,7 @@
       </p:grpSpPr>
       <p:sp>
         <p:nvSpPr>
-          <p:cNvPr id="7" name="PlaceHolder 1"/>
+          <p:cNvPr id="4" name="PlaceHolder 1"/>
           <p:cNvSpPr>
             <a:spLocks noGrp="1"/>
           </p:cNvSpPr>
@@ -1605,8 +1625,8 @@
         </p:nvSpPr>
         <p:spPr>
           <a:xfrm>
-            <a:off x="0" y="1755720"/>
-            <a:ext cx="9071640" cy="946440"/>
+            <a:off x="0" y="1755360"/>
+            <a:ext cx="9071280" cy="946800"/>
           </a:xfrm>
           <a:prstGeom prst="rect">
             <a:avLst/>
@@ -1618,18 +1638,15 @@
           </a:bodyPr>
           <a:p>
             <a:pPr algn="ctr"/>
-            <a:endParaRPr b="0" lang="en-GB" sz="3110" spc="-1" strike="noStrike">
-              <a:solidFill>
-                <a:srgbClr val="006699"/>
-              </a:solidFill>
-              <a:latin typeface="Arial"/>
-            </a:endParaRPr>
-          </a:p>
-        </p:txBody>
-      </p:sp>
-      <p:sp>
-        <p:nvSpPr>
-          <p:cNvPr id="8" name="PlaceHolder 2"/>
+            <a:endParaRPr b="0" lang="en-GB" sz="4400" spc="-1" strike="noStrike">
+              <a:latin typeface="Nimbus Sans"/>
+            </a:endParaRPr>
+          </a:p>
+        </p:txBody>
+      </p:sp>
+      <p:sp>
+        <p:nvSpPr>
+          <p:cNvPr id="5" name="PlaceHolder 2"/>
           <p:cNvSpPr>
             <a:spLocks noGrp="1"/>
           </p:cNvSpPr>
@@ -1640,7 +1657,7 @@
         <p:spPr>
           <a:xfrm>
             <a:off x="504000" y="1326600"/>
-            <a:ext cx="9071640" cy="3288240"/>
+            <a:ext cx="9071280" cy="3287880"/>
           </a:xfrm>
           <a:prstGeom prst="rect">
             <a:avLst/>
@@ -1652,8 +1669,8 @@
           </a:bodyPr>
           <a:p>
             <a:pPr algn="ctr"/>
-            <a:endParaRPr b="0" lang="en-GB" sz="1600" spc="-1" strike="noStrike">
-              <a:latin typeface="Arial"/>
+            <a:endParaRPr b="0" lang="en-GB" sz="3200" spc="-1" strike="noStrike">
+              <a:latin typeface="Nimbus Sans"/>
             </a:endParaRPr>
           </a:p>
         </p:txBody>
@@ -1682,7 +1699,7 @@
       </p:grpSpPr>
       <p:sp>
         <p:nvSpPr>
-          <p:cNvPr id="61" name="PlaceHolder 1"/>
+          <p:cNvPr id="57" name="PlaceHolder 1"/>
           <p:cNvSpPr>
             <a:spLocks noGrp="1"/>
           </p:cNvSpPr>
@@ -1692,8 +1709,8 @@
         </p:nvSpPr>
         <p:spPr>
           <a:xfrm>
-            <a:off x="0" y="1755720"/>
-            <a:ext cx="9071640" cy="946440"/>
+            <a:off x="0" y="1755360"/>
+            <a:ext cx="9071280" cy="946800"/>
           </a:xfrm>
           <a:prstGeom prst="rect">
             <a:avLst/>
@@ -1705,18 +1722,15 @@
           </a:bodyPr>
           <a:p>
             <a:pPr algn="ctr"/>
-            <a:endParaRPr b="0" lang="en-GB" sz="3110" spc="-1" strike="noStrike">
-              <a:solidFill>
-                <a:srgbClr val="006699"/>
-              </a:solidFill>
-              <a:latin typeface="Arial"/>
-            </a:endParaRPr>
-          </a:p>
-        </p:txBody>
-      </p:sp>
-      <p:sp>
-        <p:nvSpPr>
-          <p:cNvPr id="62" name="PlaceHolder 2"/>
+            <a:endParaRPr b="0" lang="en-GB" sz="4400" spc="-1" strike="noStrike">
+              <a:latin typeface="Nimbus Sans"/>
+            </a:endParaRPr>
+          </a:p>
+        </p:txBody>
+      </p:sp>
+      <p:sp>
+        <p:nvSpPr>
+          <p:cNvPr id="58" name="PlaceHolder 2"/>
           <p:cNvSpPr>
             <a:spLocks noGrp="1"/>
           </p:cNvSpPr>
@@ -1727,7 +1741,7 @@
         <p:spPr>
           <a:xfrm>
             <a:off x="504000" y="1326600"/>
-            <a:ext cx="4426920" cy="3288240"/>
+            <a:ext cx="4426560" cy="3287880"/>
           </a:xfrm>
           <a:prstGeom prst="rect">
             <a:avLst/>
@@ -1738,15 +1752,15 @@
             <a:normAutofit/>
           </a:bodyPr>
           <a:p>
-            <a:endParaRPr b="0" lang="en-GB" sz="2400" spc="-1" strike="noStrike">
-              <a:latin typeface="Arial"/>
-            </a:endParaRPr>
-          </a:p>
-        </p:txBody>
-      </p:sp>
-      <p:sp>
-        <p:nvSpPr>
-          <p:cNvPr id="63" name="PlaceHolder 3"/>
+            <a:endParaRPr b="0" lang="en-GB" sz="3200" spc="-1" strike="noStrike">
+              <a:latin typeface="Nimbus Sans"/>
+            </a:endParaRPr>
+          </a:p>
+        </p:txBody>
+      </p:sp>
+      <p:sp>
+        <p:nvSpPr>
+          <p:cNvPr id="59" name="PlaceHolder 3"/>
           <p:cNvSpPr>
             <a:spLocks noGrp="1"/>
           </p:cNvSpPr>
@@ -1756,8 +1770,8 @@
         </p:nvSpPr>
         <p:spPr>
           <a:xfrm>
-            <a:off x="5152680" y="1326600"/>
-            <a:ext cx="4426920" cy="1568160"/>
+            <a:off x="5152320" y="1326600"/>
+            <a:ext cx="4426560" cy="1568160"/>
           </a:xfrm>
           <a:prstGeom prst="rect">
             <a:avLst/>
@@ -1768,15 +1782,15 @@
             <a:normAutofit/>
           </a:bodyPr>
           <a:p>
-            <a:endParaRPr b="0" lang="en-GB" sz="2400" spc="-1" strike="noStrike">
-              <a:latin typeface="Arial"/>
-            </a:endParaRPr>
-          </a:p>
-        </p:txBody>
-      </p:sp>
-      <p:sp>
-        <p:nvSpPr>
-          <p:cNvPr id="64" name="PlaceHolder 4"/>
+            <a:endParaRPr b="0" lang="en-GB" sz="3200" spc="-1" strike="noStrike">
+              <a:latin typeface="Nimbus Sans"/>
+            </a:endParaRPr>
+          </a:p>
+        </p:txBody>
+      </p:sp>
+      <p:sp>
+        <p:nvSpPr>
+          <p:cNvPr id="60" name="PlaceHolder 4"/>
           <p:cNvSpPr>
             <a:spLocks noGrp="1"/>
           </p:cNvSpPr>
@@ -1786,8 +1800,8 @@
         </p:nvSpPr>
         <p:spPr>
           <a:xfrm>
-            <a:off x="5152680" y="3044160"/>
-            <a:ext cx="4426920" cy="1568160"/>
+            <a:off x="5152320" y="3044160"/>
+            <a:ext cx="4426560" cy="1568160"/>
           </a:xfrm>
           <a:prstGeom prst="rect">
             <a:avLst/>
@@ -1798,8 +1812,8 @@
             <a:normAutofit/>
           </a:bodyPr>
           <a:p>
-            <a:endParaRPr b="0" lang="en-GB" sz="2400" spc="-1" strike="noStrike">
-              <a:latin typeface="Arial"/>
+            <a:endParaRPr b="0" lang="en-GB" sz="3200" spc="-1" strike="noStrike">
+              <a:latin typeface="Nimbus Sans"/>
             </a:endParaRPr>
           </a:p>
         </p:txBody>
@@ -1828,7 +1842,7 @@
       </p:grpSpPr>
       <p:sp>
         <p:nvSpPr>
-          <p:cNvPr id="65" name="PlaceHolder 1"/>
+          <p:cNvPr id="61" name="PlaceHolder 1"/>
           <p:cNvSpPr>
             <a:spLocks noGrp="1"/>
           </p:cNvSpPr>
@@ -1838,8 +1852,8 @@
         </p:nvSpPr>
         <p:spPr>
           <a:xfrm>
-            <a:off x="0" y="1755720"/>
-            <a:ext cx="9071640" cy="946440"/>
+            <a:off x="0" y="1755360"/>
+            <a:ext cx="9071280" cy="946800"/>
           </a:xfrm>
           <a:prstGeom prst="rect">
             <a:avLst/>
@@ -1851,18 +1865,15 @@
           </a:bodyPr>
           <a:p>
             <a:pPr algn="ctr"/>
-            <a:endParaRPr b="0" lang="en-GB" sz="3110" spc="-1" strike="noStrike">
-              <a:solidFill>
-                <a:srgbClr val="006699"/>
-              </a:solidFill>
-              <a:latin typeface="Arial"/>
-            </a:endParaRPr>
-          </a:p>
-        </p:txBody>
-      </p:sp>
-      <p:sp>
-        <p:nvSpPr>
-          <p:cNvPr id="66" name="PlaceHolder 2"/>
+            <a:endParaRPr b="0" lang="en-GB" sz="4400" spc="-1" strike="noStrike">
+              <a:latin typeface="Nimbus Sans"/>
+            </a:endParaRPr>
+          </a:p>
+        </p:txBody>
+      </p:sp>
+      <p:sp>
+        <p:nvSpPr>
+          <p:cNvPr id="62" name="PlaceHolder 2"/>
           <p:cNvSpPr>
             <a:spLocks noGrp="1"/>
           </p:cNvSpPr>
@@ -1873,7 +1884,7 @@
         <p:spPr>
           <a:xfrm>
             <a:off x="504000" y="1326600"/>
-            <a:ext cx="4426920" cy="1568160"/>
+            <a:ext cx="4426560" cy="1568160"/>
           </a:xfrm>
           <a:prstGeom prst="rect">
             <a:avLst/>
@@ -1884,15 +1895,15 @@
             <a:normAutofit/>
           </a:bodyPr>
           <a:p>
-            <a:endParaRPr b="0" lang="en-GB" sz="2400" spc="-1" strike="noStrike">
-              <a:latin typeface="Arial"/>
-            </a:endParaRPr>
-          </a:p>
-        </p:txBody>
-      </p:sp>
-      <p:sp>
-        <p:nvSpPr>
-          <p:cNvPr id="67" name="PlaceHolder 3"/>
+            <a:endParaRPr b="0" lang="en-GB" sz="3200" spc="-1" strike="noStrike">
+              <a:latin typeface="Nimbus Sans"/>
+            </a:endParaRPr>
+          </a:p>
+        </p:txBody>
+      </p:sp>
+      <p:sp>
+        <p:nvSpPr>
+          <p:cNvPr id="63" name="PlaceHolder 3"/>
           <p:cNvSpPr>
             <a:spLocks noGrp="1"/>
           </p:cNvSpPr>
@@ -1902,8 +1913,8 @@
         </p:nvSpPr>
         <p:spPr>
           <a:xfrm>
-            <a:off x="5152680" y="1326600"/>
-            <a:ext cx="4426920" cy="1568160"/>
+            <a:off x="5152320" y="1326600"/>
+            <a:ext cx="4426560" cy="1568160"/>
           </a:xfrm>
           <a:prstGeom prst="rect">
             <a:avLst/>
@@ -1914,15 +1925,15 @@
             <a:normAutofit/>
           </a:bodyPr>
           <a:p>
-            <a:endParaRPr b="0" lang="en-GB" sz="2400" spc="-1" strike="noStrike">
-              <a:latin typeface="Arial"/>
-            </a:endParaRPr>
-          </a:p>
-        </p:txBody>
-      </p:sp>
-      <p:sp>
-        <p:nvSpPr>
-          <p:cNvPr id="68" name="PlaceHolder 4"/>
+            <a:endParaRPr b="0" lang="en-GB" sz="3200" spc="-1" strike="noStrike">
+              <a:latin typeface="Nimbus Sans"/>
+            </a:endParaRPr>
+          </a:p>
+        </p:txBody>
+      </p:sp>
+      <p:sp>
+        <p:nvSpPr>
+          <p:cNvPr id="64" name="PlaceHolder 4"/>
           <p:cNvSpPr>
             <a:spLocks noGrp="1"/>
           </p:cNvSpPr>
@@ -1933,7 +1944,7 @@
         <p:spPr>
           <a:xfrm>
             <a:off x="504000" y="3044160"/>
-            <a:ext cx="9071640" cy="1568160"/>
+            <a:ext cx="9071280" cy="1568160"/>
           </a:xfrm>
           <a:prstGeom prst="rect">
             <a:avLst/>
@@ -1944,8 +1955,8 @@
             <a:normAutofit/>
           </a:bodyPr>
           <a:p>
-            <a:endParaRPr b="0" lang="en-GB" sz="2400" spc="-1" strike="noStrike">
-              <a:latin typeface="Arial"/>
+            <a:endParaRPr b="0" lang="en-GB" sz="3200" spc="-1" strike="noStrike">
+              <a:latin typeface="Nimbus Sans"/>
             </a:endParaRPr>
           </a:p>
         </p:txBody>
@@ -1974,7 +1985,7 @@
       </p:grpSpPr>
       <p:sp>
         <p:nvSpPr>
-          <p:cNvPr id="69" name="PlaceHolder 1"/>
+          <p:cNvPr id="65" name="PlaceHolder 1"/>
           <p:cNvSpPr>
             <a:spLocks noGrp="1"/>
           </p:cNvSpPr>
@@ -1984,8 +1995,8 @@
         </p:nvSpPr>
         <p:spPr>
           <a:xfrm>
-            <a:off x="0" y="1755720"/>
-            <a:ext cx="9071640" cy="946440"/>
+            <a:off x="0" y="1755360"/>
+            <a:ext cx="9071280" cy="946800"/>
           </a:xfrm>
           <a:prstGeom prst="rect">
             <a:avLst/>
@@ -1997,18 +2008,15 @@
           </a:bodyPr>
           <a:p>
             <a:pPr algn="ctr"/>
-            <a:endParaRPr b="0" lang="en-GB" sz="3110" spc="-1" strike="noStrike">
-              <a:solidFill>
-                <a:srgbClr val="006699"/>
-              </a:solidFill>
-              <a:latin typeface="Arial"/>
-            </a:endParaRPr>
-          </a:p>
-        </p:txBody>
-      </p:sp>
-      <p:sp>
-        <p:nvSpPr>
-          <p:cNvPr id="70" name="PlaceHolder 2"/>
+            <a:endParaRPr b="0" lang="en-GB" sz="4400" spc="-1" strike="noStrike">
+              <a:latin typeface="Nimbus Sans"/>
+            </a:endParaRPr>
+          </a:p>
+        </p:txBody>
+      </p:sp>
+      <p:sp>
+        <p:nvSpPr>
+          <p:cNvPr id="66" name="PlaceHolder 2"/>
           <p:cNvSpPr>
             <a:spLocks noGrp="1"/>
           </p:cNvSpPr>
@@ -2019,7 +2027,7 @@
         <p:spPr>
           <a:xfrm>
             <a:off x="504000" y="1326600"/>
-            <a:ext cx="9071640" cy="1568160"/>
+            <a:ext cx="9071280" cy="1568160"/>
           </a:xfrm>
           <a:prstGeom prst="rect">
             <a:avLst/>
@@ -2030,15 +2038,15 @@
             <a:normAutofit/>
           </a:bodyPr>
           <a:p>
-            <a:endParaRPr b="0" lang="en-GB" sz="2400" spc="-1" strike="noStrike">
-              <a:latin typeface="Arial"/>
-            </a:endParaRPr>
-          </a:p>
-        </p:txBody>
-      </p:sp>
-      <p:sp>
-        <p:nvSpPr>
-          <p:cNvPr id="71" name="PlaceHolder 3"/>
+            <a:endParaRPr b="0" lang="en-GB" sz="3200" spc="-1" strike="noStrike">
+              <a:latin typeface="Nimbus Sans"/>
+            </a:endParaRPr>
+          </a:p>
+        </p:txBody>
+      </p:sp>
+      <p:sp>
+        <p:nvSpPr>
+          <p:cNvPr id="67" name="PlaceHolder 3"/>
           <p:cNvSpPr>
             <a:spLocks noGrp="1"/>
           </p:cNvSpPr>
@@ -2049,7 +2057,7 @@
         <p:spPr>
           <a:xfrm>
             <a:off x="504000" y="3044160"/>
-            <a:ext cx="9071640" cy="1568160"/>
+            <a:ext cx="9071280" cy="1568160"/>
           </a:xfrm>
           <a:prstGeom prst="rect">
             <a:avLst/>
@@ -2060,8 +2068,8 @@
             <a:normAutofit/>
           </a:bodyPr>
           <a:p>
-            <a:endParaRPr b="0" lang="en-GB" sz="2400" spc="-1" strike="noStrike">
-              <a:latin typeface="Arial"/>
+            <a:endParaRPr b="0" lang="en-GB" sz="3200" spc="-1" strike="noStrike">
+              <a:latin typeface="Nimbus Sans"/>
             </a:endParaRPr>
           </a:p>
         </p:txBody>
@@ -2090,7 +2098,7 @@
       </p:grpSpPr>
       <p:sp>
         <p:nvSpPr>
-          <p:cNvPr id="72" name="PlaceHolder 1"/>
+          <p:cNvPr id="68" name="PlaceHolder 1"/>
           <p:cNvSpPr>
             <a:spLocks noGrp="1"/>
           </p:cNvSpPr>
@@ -2100,8 +2108,8 @@
         </p:nvSpPr>
         <p:spPr>
           <a:xfrm>
-            <a:off x="0" y="1755720"/>
-            <a:ext cx="9071640" cy="946440"/>
+            <a:off x="0" y="1755360"/>
+            <a:ext cx="9071280" cy="946800"/>
           </a:xfrm>
           <a:prstGeom prst="rect">
             <a:avLst/>
@@ -2113,18 +2121,15 @@
           </a:bodyPr>
           <a:p>
             <a:pPr algn="ctr"/>
-            <a:endParaRPr b="0" lang="en-GB" sz="3110" spc="-1" strike="noStrike">
-              <a:solidFill>
-                <a:srgbClr val="006699"/>
-              </a:solidFill>
-              <a:latin typeface="Arial"/>
-            </a:endParaRPr>
-          </a:p>
-        </p:txBody>
-      </p:sp>
-      <p:sp>
-        <p:nvSpPr>
-          <p:cNvPr id="73" name="PlaceHolder 2"/>
+            <a:endParaRPr b="0" lang="en-GB" sz="4400" spc="-1" strike="noStrike">
+              <a:latin typeface="Nimbus Sans"/>
+            </a:endParaRPr>
+          </a:p>
+        </p:txBody>
+      </p:sp>
+      <p:sp>
+        <p:nvSpPr>
+          <p:cNvPr id="69" name="PlaceHolder 2"/>
           <p:cNvSpPr>
             <a:spLocks noGrp="1"/>
           </p:cNvSpPr>
@@ -2135,7 +2140,7 @@
         <p:spPr>
           <a:xfrm>
             <a:off x="504000" y="1326600"/>
-            <a:ext cx="4426920" cy="1568160"/>
+            <a:ext cx="4426560" cy="1568160"/>
           </a:xfrm>
           <a:prstGeom prst="rect">
             <a:avLst/>
@@ -2146,15 +2151,15 @@
             <a:normAutofit/>
           </a:bodyPr>
           <a:p>
-            <a:endParaRPr b="0" lang="en-GB" sz="2400" spc="-1" strike="noStrike">
-              <a:latin typeface="Arial"/>
-            </a:endParaRPr>
-          </a:p>
-        </p:txBody>
-      </p:sp>
-      <p:sp>
-        <p:nvSpPr>
-          <p:cNvPr id="74" name="PlaceHolder 3"/>
+            <a:endParaRPr b="0" lang="en-GB" sz="3200" spc="-1" strike="noStrike">
+              <a:latin typeface="Nimbus Sans"/>
+            </a:endParaRPr>
+          </a:p>
+        </p:txBody>
+      </p:sp>
+      <p:sp>
+        <p:nvSpPr>
+          <p:cNvPr id="70" name="PlaceHolder 3"/>
           <p:cNvSpPr>
             <a:spLocks noGrp="1"/>
           </p:cNvSpPr>
@@ -2164,8 +2169,8 @@
         </p:nvSpPr>
         <p:spPr>
           <a:xfrm>
-            <a:off x="5152680" y="1326600"/>
-            <a:ext cx="4426920" cy="1568160"/>
+            <a:off x="5152320" y="1326600"/>
+            <a:ext cx="4426560" cy="1568160"/>
           </a:xfrm>
           <a:prstGeom prst="rect">
             <a:avLst/>
@@ -2176,15 +2181,15 @@
             <a:normAutofit/>
           </a:bodyPr>
           <a:p>
-            <a:endParaRPr b="0" lang="en-GB" sz="2400" spc="-1" strike="noStrike">
-              <a:latin typeface="Arial"/>
-            </a:endParaRPr>
-          </a:p>
-        </p:txBody>
-      </p:sp>
-      <p:sp>
-        <p:nvSpPr>
-          <p:cNvPr id="75" name="PlaceHolder 4"/>
+            <a:endParaRPr b="0" lang="en-GB" sz="3200" spc="-1" strike="noStrike">
+              <a:latin typeface="Nimbus Sans"/>
+            </a:endParaRPr>
+          </a:p>
+        </p:txBody>
+      </p:sp>
+      <p:sp>
+        <p:nvSpPr>
+          <p:cNvPr id="71" name="PlaceHolder 4"/>
           <p:cNvSpPr>
             <a:spLocks noGrp="1"/>
           </p:cNvSpPr>
@@ -2195,7 +2200,7 @@
         <p:spPr>
           <a:xfrm>
             <a:off x="504000" y="3044160"/>
-            <a:ext cx="4426920" cy="1568160"/>
+            <a:ext cx="4426560" cy="1568160"/>
           </a:xfrm>
           <a:prstGeom prst="rect">
             <a:avLst/>
@@ -2206,15 +2211,15 @@
             <a:normAutofit/>
           </a:bodyPr>
           <a:p>
-            <a:endParaRPr b="0" lang="en-GB" sz="2400" spc="-1" strike="noStrike">
-              <a:latin typeface="Arial"/>
-            </a:endParaRPr>
-          </a:p>
-        </p:txBody>
-      </p:sp>
-      <p:sp>
-        <p:nvSpPr>
-          <p:cNvPr id="76" name="PlaceHolder 5"/>
+            <a:endParaRPr b="0" lang="en-GB" sz="3200" spc="-1" strike="noStrike">
+              <a:latin typeface="Nimbus Sans"/>
+            </a:endParaRPr>
+          </a:p>
+        </p:txBody>
+      </p:sp>
+      <p:sp>
+        <p:nvSpPr>
+          <p:cNvPr id="72" name="PlaceHolder 5"/>
           <p:cNvSpPr>
             <a:spLocks noGrp="1"/>
           </p:cNvSpPr>
@@ -2224,8 +2229,8 @@
         </p:nvSpPr>
         <p:spPr>
           <a:xfrm>
-            <a:off x="5152680" y="3044160"/>
-            <a:ext cx="4426920" cy="1568160"/>
+            <a:off x="5152320" y="3044160"/>
+            <a:ext cx="4426560" cy="1568160"/>
           </a:xfrm>
           <a:prstGeom prst="rect">
             <a:avLst/>
@@ -2236,8 +2241,8 @@
             <a:normAutofit/>
           </a:bodyPr>
           <a:p>
-            <a:endParaRPr b="0" lang="en-GB" sz="2400" spc="-1" strike="noStrike">
-              <a:latin typeface="Arial"/>
+            <a:endParaRPr b="0" lang="en-GB" sz="3200" spc="-1" strike="noStrike">
+              <a:latin typeface="Nimbus Sans"/>
             </a:endParaRPr>
           </a:p>
         </p:txBody>
@@ -2266,7 +2271,7 @@
       </p:grpSpPr>
       <p:sp>
         <p:nvSpPr>
-          <p:cNvPr id="77" name="PlaceHolder 1"/>
+          <p:cNvPr id="73" name="PlaceHolder 1"/>
           <p:cNvSpPr>
             <a:spLocks noGrp="1"/>
           </p:cNvSpPr>
@@ -2276,8 +2281,8 @@
         </p:nvSpPr>
         <p:spPr>
           <a:xfrm>
-            <a:off x="0" y="1755720"/>
-            <a:ext cx="9071640" cy="946440"/>
+            <a:off x="0" y="1755360"/>
+            <a:ext cx="9071280" cy="946800"/>
           </a:xfrm>
           <a:prstGeom prst="rect">
             <a:avLst/>
@@ -2289,18 +2294,15 @@
           </a:bodyPr>
           <a:p>
             <a:pPr algn="ctr"/>
-            <a:endParaRPr b="0" lang="en-GB" sz="3110" spc="-1" strike="noStrike">
-              <a:solidFill>
-                <a:srgbClr val="006699"/>
-              </a:solidFill>
-              <a:latin typeface="Arial"/>
-            </a:endParaRPr>
-          </a:p>
-        </p:txBody>
-      </p:sp>
-      <p:sp>
-        <p:nvSpPr>
-          <p:cNvPr id="78" name="PlaceHolder 2"/>
+            <a:endParaRPr b="0" lang="en-GB" sz="4400" spc="-1" strike="noStrike">
+              <a:latin typeface="Nimbus Sans"/>
+            </a:endParaRPr>
+          </a:p>
+        </p:txBody>
+      </p:sp>
+      <p:sp>
+        <p:nvSpPr>
+          <p:cNvPr id="74" name="PlaceHolder 2"/>
           <p:cNvSpPr>
             <a:spLocks noGrp="1"/>
           </p:cNvSpPr>
@@ -2322,15 +2324,15 @@
             <a:normAutofit/>
           </a:bodyPr>
           <a:p>
-            <a:endParaRPr b="0" lang="en-GB" sz="2400" spc="-1" strike="noStrike">
-              <a:latin typeface="Arial"/>
-            </a:endParaRPr>
-          </a:p>
-        </p:txBody>
-      </p:sp>
-      <p:sp>
-        <p:nvSpPr>
-          <p:cNvPr id="79" name="PlaceHolder 3"/>
+            <a:endParaRPr b="0" lang="en-GB" sz="3200" spc="-1" strike="noStrike">
+              <a:latin typeface="Nimbus Sans"/>
+            </a:endParaRPr>
+          </a:p>
+        </p:txBody>
+      </p:sp>
+      <p:sp>
+        <p:nvSpPr>
+          <p:cNvPr id="75" name="PlaceHolder 3"/>
           <p:cNvSpPr>
             <a:spLocks noGrp="1"/>
           </p:cNvSpPr>
@@ -2352,15 +2354,15 @@
             <a:normAutofit/>
           </a:bodyPr>
           <a:p>
-            <a:endParaRPr b="0" lang="en-GB" sz="2400" spc="-1" strike="noStrike">
-              <a:latin typeface="Arial"/>
-            </a:endParaRPr>
-          </a:p>
-        </p:txBody>
-      </p:sp>
-      <p:sp>
-        <p:nvSpPr>
-          <p:cNvPr id="80" name="PlaceHolder 4"/>
+            <a:endParaRPr b="0" lang="en-GB" sz="3200" spc="-1" strike="noStrike">
+              <a:latin typeface="Nimbus Sans"/>
+            </a:endParaRPr>
+          </a:p>
+        </p:txBody>
+      </p:sp>
+      <p:sp>
+        <p:nvSpPr>
+          <p:cNvPr id="76" name="PlaceHolder 4"/>
           <p:cNvSpPr>
             <a:spLocks noGrp="1"/>
           </p:cNvSpPr>
@@ -2382,15 +2384,15 @@
             <a:normAutofit/>
           </a:bodyPr>
           <a:p>
-            <a:endParaRPr b="0" lang="en-GB" sz="2400" spc="-1" strike="noStrike">
-              <a:latin typeface="Arial"/>
-            </a:endParaRPr>
-          </a:p>
-        </p:txBody>
-      </p:sp>
-      <p:sp>
-        <p:nvSpPr>
-          <p:cNvPr id="81" name="PlaceHolder 5"/>
+            <a:endParaRPr b="0" lang="en-GB" sz="3200" spc="-1" strike="noStrike">
+              <a:latin typeface="Nimbus Sans"/>
+            </a:endParaRPr>
+          </a:p>
+        </p:txBody>
+      </p:sp>
+      <p:sp>
+        <p:nvSpPr>
+          <p:cNvPr id="77" name="PlaceHolder 5"/>
           <p:cNvSpPr>
             <a:spLocks noGrp="1"/>
           </p:cNvSpPr>
@@ -2412,15 +2414,15 @@
             <a:normAutofit/>
           </a:bodyPr>
           <a:p>
-            <a:endParaRPr b="0" lang="en-GB" sz="2400" spc="-1" strike="noStrike">
-              <a:latin typeface="Arial"/>
-            </a:endParaRPr>
-          </a:p>
-        </p:txBody>
-      </p:sp>
-      <p:sp>
-        <p:nvSpPr>
-          <p:cNvPr id="82" name="PlaceHolder 6"/>
+            <a:endParaRPr b="0" lang="en-GB" sz="3200" spc="-1" strike="noStrike">
+              <a:latin typeface="Nimbus Sans"/>
+            </a:endParaRPr>
+          </a:p>
+        </p:txBody>
+      </p:sp>
+      <p:sp>
+        <p:nvSpPr>
+          <p:cNvPr id="78" name="PlaceHolder 6"/>
           <p:cNvSpPr>
             <a:spLocks noGrp="1"/>
           </p:cNvSpPr>
@@ -2442,15 +2444,15 @@
             <a:normAutofit/>
           </a:bodyPr>
           <a:p>
-            <a:endParaRPr b="0" lang="en-GB" sz="2400" spc="-1" strike="noStrike">
-              <a:latin typeface="Arial"/>
-            </a:endParaRPr>
-          </a:p>
-        </p:txBody>
-      </p:sp>
-      <p:sp>
-        <p:nvSpPr>
-          <p:cNvPr id="83" name="PlaceHolder 7"/>
+            <a:endParaRPr b="0" lang="en-GB" sz="3200" spc="-1" strike="noStrike">
+              <a:latin typeface="Nimbus Sans"/>
+            </a:endParaRPr>
+          </a:p>
+        </p:txBody>
+      </p:sp>
+      <p:sp>
+        <p:nvSpPr>
+          <p:cNvPr id="79" name="PlaceHolder 7"/>
           <p:cNvSpPr>
             <a:spLocks noGrp="1"/>
           </p:cNvSpPr>
@@ -2472,8 +2474,363 @@
             <a:normAutofit/>
           </a:bodyPr>
           <a:p>
-            <a:endParaRPr b="0" lang="en-GB" sz="2400" spc="-1" strike="noStrike">
-              <a:latin typeface="Arial"/>
+            <a:endParaRPr b="0" lang="en-GB" sz="3200" spc="-1" strike="noStrike">
+              <a:latin typeface="Nimbus Sans"/>
+            </a:endParaRPr>
+          </a:p>
+        </p:txBody>
+      </p:sp>
+    </p:spTree>
+  </p:cSld>
+</p:sldLayout>
+</file>
+
+<file path=ppt/slideLayouts/slideLayout25.xml><?xml version="1.0" encoding="utf-8"?>
+<p:sldLayout xmlns:a="http://schemas.openxmlformats.org/drawingml/2006/main" xmlns:p="http://schemas.openxmlformats.org/presentationml/2006/main" xmlns:r="http://schemas.openxmlformats.org/officeDocument/2006/relationships" xmlns:p14="http://schemas.microsoft.com/office/powerpoint/2010/main" xmlns:p15="http://schemas.microsoft.com/office/powerpoint/2012/main" xmlns:mc="http://schemas.openxmlformats.org/markup-compatibility/2006" type="blank" preserve="1">
+  <p:cSld name="Blank Slide">
+    <p:spTree>
+      <p:nvGrpSpPr>
+        <p:cNvPr id="1" name=""/>
+        <p:cNvGrpSpPr/>
+        <p:nvPr/>
+      </p:nvGrpSpPr>
+      <p:grpSpPr>
+        <a:xfrm>
+          <a:off x="0" y="0"/>
+          <a:ext cx="0" cy="0"/>
+          <a:chOff x="0" y="0"/>
+          <a:chExt cx="0" cy="0"/>
+        </a:xfrm>
+      </p:grpSpPr>
+    </p:spTree>
+  </p:cSld>
+</p:sldLayout>
+</file>
+
+<file path=ppt/slideLayouts/slideLayout26.xml><?xml version="1.0" encoding="utf-8"?>
+<p:sldLayout xmlns:a="http://schemas.openxmlformats.org/drawingml/2006/main" xmlns:p="http://schemas.openxmlformats.org/presentationml/2006/main" xmlns:r="http://schemas.openxmlformats.org/officeDocument/2006/relationships" xmlns:p14="http://schemas.microsoft.com/office/powerpoint/2010/main" xmlns:p15="http://schemas.microsoft.com/office/powerpoint/2012/main" xmlns:mc="http://schemas.openxmlformats.org/markup-compatibility/2006" type="tx" preserve="1">
+  <p:cSld name="Title Slide">
+    <p:spTree>
+      <p:nvGrpSpPr>
+        <p:cNvPr id="1" name=""/>
+        <p:cNvGrpSpPr/>
+        <p:nvPr/>
+      </p:nvGrpSpPr>
+      <p:grpSpPr>
+        <a:xfrm>
+          <a:off x="0" y="0"/>
+          <a:ext cx="0" cy="0"/>
+          <a:chOff x="0" y="0"/>
+          <a:chExt cx="0" cy="0"/>
+        </a:xfrm>
+      </p:grpSpPr>
+      <p:sp>
+        <p:nvSpPr>
+          <p:cNvPr id="85" name="PlaceHolder 1"/>
+          <p:cNvSpPr>
+            <a:spLocks noGrp="1"/>
+          </p:cNvSpPr>
+          <p:nvPr>
+            <p:ph type="title"/>
+          </p:nvPr>
+        </p:nvSpPr>
+        <p:spPr>
+          <a:xfrm>
+            <a:off x="0" y="1755360"/>
+            <a:ext cx="9071280" cy="946800"/>
+          </a:xfrm>
+          <a:prstGeom prst="rect">
+            <a:avLst/>
+          </a:prstGeom>
+        </p:spPr>
+        <p:txBody>
+          <a:bodyPr lIns="0" rIns="0" tIns="0" bIns="0" anchor="ctr">
+            <a:spAutoFit/>
+          </a:bodyPr>
+          <a:p>
+            <a:pPr algn="ctr"/>
+            <a:endParaRPr b="0" lang="en-GB" sz="4400" spc="-1" strike="noStrike">
+              <a:latin typeface="Nimbus Sans"/>
+            </a:endParaRPr>
+          </a:p>
+        </p:txBody>
+      </p:sp>
+      <p:sp>
+        <p:nvSpPr>
+          <p:cNvPr id="86" name="PlaceHolder 2"/>
+          <p:cNvSpPr>
+            <a:spLocks noGrp="1"/>
+          </p:cNvSpPr>
+          <p:nvPr>
+            <p:ph type="subTitle"/>
+          </p:nvPr>
+        </p:nvSpPr>
+        <p:spPr>
+          <a:xfrm>
+            <a:off x="504000" y="1326600"/>
+            <a:ext cx="9071280" cy="3287880"/>
+          </a:xfrm>
+          <a:prstGeom prst="rect">
+            <a:avLst/>
+          </a:prstGeom>
+        </p:spPr>
+        <p:txBody>
+          <a:bodyPr lIns="0" rIns="0" tIns="0" bIns="0" anchor="ctr">
+            <a:spAutoFit/>
+          </a:bodyPr>
+          <a:p>
+            <a:pPr algn="ctr"/>
+            <a:endParaRPr b="0" lang="en-GB" sz="3200" spc="-1" strike="noStrike">
+              <a:latin typeface="Nimbus Sans"/>
+            </a:endParaRPr>
+          </a:p>
+        </p:txBody>
+      </p:sp>
+    </p:spTree>
+  </p:cSld>
+</p:sldLayout>
+</file>
+
+<file path=ppt/slideLayouts/slideLayout27.xml><?xml version="1.0" encoding="utf-8"?>
+<p:sldLayout xmlns:a="http://schemas.openxmlformats.org/drawingml/2006/main" xmlns:p="http://schemas.openxmlformats.org/presentationml/2006/main" xmlns:r="http://schemas.openxmlformats.org/officeDocument/2006/relationships" xmlns:p14="http://schemas.microsoft.com/office/powerpoint/2010/main" xmlns:p15="http://schemas.microsoft.com/office/powerpoint/2012/main" xmlns:mc="http://schemas.openxmlformats.org/markup-compatibility/2006" type="obj" preserve="1">
+  <p:cSld name="Title, Content">
+    <p:spTree>
+      <p:nvGrpSpPr>
+        <p:cNvPr id="1" name=""/>
+        <p:cNvGrpSpPr/>
+        <p:nvPr/>
+      </p:nvGrpSpPr>
+      <p:grpSpPr>
+        <a:xfrm>
+          <a:off x="0" y="0"/>
+          <a:ext cx="0" cy="0"/>
+          <a:chOff x="0" y="0"/>
+          <a:chExt cx="0" cy="0"/>
+        </a:xfrm>
+      </p:grpSpPr>
+      <p:sp>
+        <p:nvSpPr>
+          <p:cNvPr id="87" name="PlaceHolder 1"/>
+          <p:cNvSpPr>
+            <a:spLocks noGrp="1"/>
+          </p:cNvSpPr>
+          <p:nvPr>
+            <p:ph type="title"/>
+          </p:nvPr>
+        </p:nvSpPr>
+        <p:spPr>
+          <a:xfrm>
+            <a:off x="0" y="1755360"/>
+            <a:ext cx="9071280" cy="946800"/>
+          </a:xfrm>
+          <a:prstGeom prst="rect">
+            <a:avLst/>
+          </a:prstGeom>
+        </p:spPr>
+        <p:txBody>
+          <a:bodyPr lIns="0" rIns="0" tIns="0" bIns="0" anchor="ctr">
+            <a:spAutoFit/>
+          </a:bodyPr>
+          <a:p>
+            <a:pPr algn="ctr"/>
+            <a:endParaRPr b="0" lang="en-GB" sz="4400" spc="-1" strike="noStrike">
+              <a:latin typeface="Nimbus Sans"/>
+            </a:endParaRPr>
+          </a:p>
+        </p:txBody>
+      </p:sp>
+      <p:sp>
+        <p:nvSpPr>
+          <p:cNvPr id="88" name="PlaceHolder 2"/>
+          <p:cNvSpPr>
+            <a:spLocks noGrp="1"/>
+          </p:cNvSpPr>
+          <p:nvPr>
+            <p:ph type="body"/>
+          </p:nvPr>
+        </p:nvSpPr>
+        <p:spPr>
+          <a:xfrm>
+            <a:off x="504000" y="1326600"/>
+            <a:ext cx="9071280" cy="3287880"/>
+          </a:xfrm>
+          <a:prstGeom prst="rect">
+            <a:avLst/>
+          </a:prstGeom>
+        </p:spPr>
+        <p:txBody>
+          <a:bodyPr lIns="0" rIns="0" tIns="0" bIns="0">
+            <a:normAutofit/>
+          </a:bodyPr>
+          <a:p>
+            <a:endParaRPr b="0" lang="en-GB" sz="3200" spc="-1" strike="noStrike">
+              <a:latin typeface="Nimbus Sans"/>
+            </a:endParaRPr>
+          </a:p>
+        </p:txBody>
+      </p:sp>
+    </p:spTree>
+  </p:cSld>
+</p:sldLayout>
+</file>
+
+<file path=ppt/slideLayouts/slideLayout28.xml><?xml version="1.0" encoding="utf-8"?>
+<p:sldLayout xmlns:a="http://schemas.openxmlformats.org/drawingml/2006/main" xmlns:p="http://schemas.openxmlformats.org/presentationml/2006/main" xmlns:r="http://schemas.openxmlformats.org/officeDocument/2006/relationships" xmlns:p14="http://schemas.microsoft.com/office/powerpoint/2010/main" xmlns:p15="http://schemas.microsoft.com/office/powerpoint/2012/main" xmlns:mc="http://schemas.openxmlformats.org/markup-compatibility/2006" type="twoObj" preserve="1">
+  <p:cSld name="Title, 2 Content">
+    <p:spTree>
+      <p:nvGrpSpPr>
+        <p:cNvPr id="1" name=""/>
+        <p:cNvGrpSpPr/>
+        <p:nvPr/>
+      </p:nvGrpSpPr>
+      <p:grpSpPr>
+        <a:xfrm>
+          <a:off x="0" y="0"/>
+          <a:ext cx="0" cy="0"/>
+          <a:chOff x="0" y="0"/>
+          <a:chExt cx="0" cy="0"/>
+        </a:xfrm>
+      </p:grpSpPr>
+      <p:sp>
+        <p:nvSpPr>
+          <p:cNvPr id="89" name="PlaceHolder 1"/>
+          <p:cNvSpPr>
+            <a:spLocks noGrp="1"/>
+          </p:cNvSpPr>
+          <p:nvPr>
+            <p:ph type="title"/>
+          </p:nvPr>
+        </p:nvSpPr>
+        <p:spPr>
+          <a:xfrm>
+            <a:off x="0" y="1755360"/>
+            <a:ext cx="9071280" cy="946800"/>
+          </a:xfrm>
+          <a:prstGeom prst="rect">
+            <a:avLst/>
+          </a:prstGeom>
+        </p:spPr>
+        <p:txBody>
+          <a:bodyPr lIns="0" rIns="0" tIns="0" bIns="0" anchor="ctr">
+            <a:spAutoFit/>
+          </a:bodyPr>
+          <a:p>
+            <a:pPr algn="ctr"/>
+            <a:endParaRPr b="0" lang="en-GB" sz="4400" spc="-1" strike="noStrike">
+              <a:latin typeface="Nimbus Sans"/>
+            </a:endParaRPr>
+          </a:p>
+        </p:txBody>
+      </p:sp>
+      <p:sp>
+        <p:nvSpPr>
+          <p:cNvPr id="90" name="PlaceHolder 2"/>
+          <p:cNvSpPr>
+            <a:spLocks noGrp="1"/>
+          </p:cNvSpPr>
+          <p:nvPr>
+            <p:ph type="body"/>
+          </p:nvPr>
+        </p:nvSpPr>
+        <p:spPr>
+          <a:xfrm>
+            <a:off x="504000" y="1326600"/>
+            <a:ext cx="4426560" cy="3287880"/>
+          </a:xfrm>
+          <a:prstGeom prst="rect">
+            <a:avLst/>
+          </a:prstGeom>
+        </p:spPr>
+        <p:txBody>
+          <a:bodyPr lIns="0" rIns="0" tIns="0" bIns="0">
+            <a:normAutofit/>
+          </a:bodyPr>
+          <a:p>
+            <a:endParaRPr b="0" lang="en-GB" sz="3200" spc="-1" strike="noStrike">
+              <a:latin typeface="Nimbus Sans"/>
+            </a:endParaRPr>
+          </a:p>
+        </p:txBody>
+      </p:sp>
+      <p:sp>
+        <p:nvSpPr>
+          <p:cNvPr id="91" name="PlaceHolder 3"/>
+          <p:cNvSpPr>
+            <a:spLocks noGrp="1"/>
+          </p:cNvSpPr>
+          <p:nvPr>
+            <p:ph type="body"/>
+          </p:nvPr>
+        </p:nvSpPr>
+        <p:spPr>
+          <a:xfrm>
+            <a:off x="5152320" y="1326600"/>
+            <a:ext cx="4426560" cy="3287880"/>
+          </a:xfrm>
+          <a:prstGeom prst="rect">
+            <a:avLst/>
+          </a:prstGeom>
+        </p:spPr>
+        <p:txBody>
+          <a:bodyPr lIns="0" rIns="0" tIns="0" bIns="0">
+            <a:normAutofit/>
+          </a:bodyPr>
+          <a:p>
+            <a:endParaRPr b="0" lang="en-GB" sz="3200" spc="-1" strike="noStrike">
+              <a:latin typeface="Nimbus Sans"/>
+            </a:endParaRPr>
+          </a:p>
+        </p:txBody>
+      </p:sp>
+    </p:spTree>
+  </p:cSld>
+</p:sldLayout>
+</file>
+
+<file path=ppt/slideLayouts/slideLayout29.xml><?xml version="1.0" encoding="utf-8"?>
+<p:sldLayout xmlns:a="http://schemas.openxmlformats.org/drawingml/2006/main" xmlns:p="http://schemas.openxmlformats.org/presentationml/2006/main" xmlns:r="http://schemas.openxmlformats.org/officeDocument/2006/relationships" xmlns:p14="http://schemas.microsoft.com/office/powerpoint/2010/main" xmlns:p15="http://schemas.microsoft.com/office/powerpoint/2012/main" xmlns:mc="http://schemas.openxmlformats.org/markup-compatibility/2006" type="titleOnly" preserve="1">
+  <p:cSld name="Title Only">
+    <p:spTree>
+      <p:nvGrpSpPr>
+        <p:cNvPr id="1" name=""/>
+        <p:cNvGrpSpPr/>
+        <p:nvPr/>
+      </p:nvGrpSpPr>
+      <p:grpSpPr>
+        <a:xfrm>
+          <a:off x="0" y="0"/>
+          <a:ext cx="0" cy="0"/>
+          <a:chOff x="0" y="0"/>
+          <a:chExt cx="0" cy="0"/>
+        </a:xfrm>
+      </p:grpSpPr>
+      <p:sp>
+        <p:nvSpPr>
+          <p:cNvPr id="92" name="PlaceHolder 1"/>
+          <p:cNvSpPr>
+            <a:spLocks noGrp="1"/>
+          </p:cNvSpPr>
+          <p:nvPr>
+            <p:ph type="title"/>
+          </p:nvPr>
+        </p:nvSpPr>
+        <p:spPr>
+          <a:xfrm>
+            <a:off x="0" y="1755360"/>
+            <a:ext cx="9071280" cy="946800"/>
+          </a:xfrm>
+          <a:prstGeom prst="rect">
+            <a:avLst/>
+          </a:prstGeom>
+        </p:spPr>
+        <p:txBody>
+          <a:bodyPr lIns="0" rIns="0" tIns="0" bIns="0" anchor="ctr">
+            <a:spAutoFit/>
+          </a:bodyPr>
+          <a:p>
+            <a:pPr algn="ctr"/>
+            <a:endParaRPr b="0" lang="en-GB" sz="4400" spc="-1" strike="noStrike">
+              <a:latin typeface="Nimbus Sans"/>
             </a:endParaRPr>
           </a:p>
         </p:txBody>
@@ -2502,7 +2859,7 @@
       </p:grpSpPr>
       <p:sp>
         <p:nvSpPr>
-          <p:cNvPr id="9" name="PlaceHolder 1"/>
+          <p:cNvPr id="6" name="PlaceHolder 1"/>
           <p:cNvSpPr>
             <a:spLocks noGrp="1"/>
           </p:cNvSpPr>
@@ -2512,8 +2869,8 @@
         </p:nvSpPr>
         <p:spPr>
           <a:xfrm>
-            <a:off x="0" y="1755720"/>
-            <a:ext cx="9071640" cy="946440"/>
+            <a:off x="0" y="1755360"/>
+            <a:ext cx="9071280" cy="946800"/>
           </a:xfrm>
           <a:prstGeom prst="rect">
             <a:avLst/>
@@ -2525,18 +2882,15 @@
           </a:bodyPr>
           <a:p>
             <a:pPr algn="ctr"/>
-            <a:endParaRPr b="0" lang="en-GB" sz="3110" spc="-1" strike="noStrike">
-              <a:solidFill>
-                <a:srgbClr val="006699"/>
-              </a:solidFill>
-              <a:latin typeface="Arial"/>
-            </a:endParaRPr>
-          </a:p>
-        </p:txBody>
-      </p:sp>
-      <p:sp>
-        <p:nvSpPr>
-          <p:cNvPr id="10" name="PlaceHolder 2"/>
+            <a:endParaRPr b="0" lang="en-GB" sz="4400" spc="-1" strike="noStrike">
+              <a:latin typeface="Nimbus Sans"/>
+            </a:endParaRPr>
+          </a:p>
+        </p:txBody>
+      </p:sp>
+      <p:sp>
+        <p:nvSpPr>
+          <p:cNvPr id="7" name="PlaceHolder 2"/>
           <p:cNvSpPr>
             <a:spLocks noGrp="1"/>
           </p:cNvSpPr>
@@ -2547,7 +2901,7 @@
         <p:spPr>
           <a:xfrm>
             <a:off x="504000" y="1326600"/>
-            <a:ext cx="9071640" cy="3288240"/>
+            <a:ext cx="9071280" cy="3287880"/>
           </a:xfrm>
           <a:prstGeom prst="rect">
             <a:avLst/>
@@ -2558,8 +2912,1009 @@
             <a:normAutofit/>
           </a:bodyPr>
           <a:p>
-            <a:endParaRPr b="0" lang="en-GB" sz="2400" spc="-1" strike="noStrike">
-              <a:latin typeface="Arial"/>
+            <a:endParaRPr b="0" lang="en-GB" sz="3200" spc="-1" strike="noStrike">
+              <a:latin typeface="Nimbus Sans"/>
+            </a:endParaRPr>
+          </a:p>
+        </p:txBody>
+      </p:sp>
+    </p:spTree>
+  </p:cSld>
+</p:sldLayout>
+</file>
+
+<file path=ppt/slideLayouts/slideLayout30.xml><?xml version="1.0" encoding="utf-8"?>
+<p:sldLayout xmlns:a="http://schemas.openxmlformats.org/drawingml/2006/main" xmlns:p="http://schemas.openxmlformats.org/presentationml/2006/main" xmlns:r="http://schemas.openxmlformats.org/officeDocument/2006/relationships" xmlns:p14="http://schemas.microsoft.com/office/powerpoint/2010/main" xmlns:p15="http://schemas.microsoft.com/office/powerpoint/2012/main" xmlns:mc="http://schemas.openxmlformats.org/markup-compatibility/2006" type="objOnly" preserve="1">
+  <p:cSld name="Centered Text">
+    <p:spTree>
+      <p:nvGrpSpPr>
+        <p:cNvPr id="1" name=""/>
+        <p:cNvGrpSpPr/>
+        <p:nvPr/>
+      </p:nvGrpSpPr>
+      <p:grpSpPr>
+        <a:xfrm>
+          <a:off x="0" y="0"/>
+          <a:ext cx="0" cy="0"/>
+          <a:chOff x="0" y="0"/>
+          <a:chExt cx="0" cy="0"/>
+        </a:xfrm>
+      </p:grpSpPr>
+      <p:sp>
+        <p:nvSpPr>
+          <p:cNvPr id="93" name="PlaceHolder 1"/>
+          <p:cNvSpPr>
+            <a:spLocks noGrp="1"/>
+          </p:cNvSpPr>
+          <p:nvPr>
+            <p:ph type="subTitle"/>
+          </p:nvPr>
+        </p:nvSpPr>
+        <p:spPr>
+          <a:xfrm>
+            <a:off x="0" y="1755360"/>
+            <a:ext cx="9071280" cy="4390200"/>
+          </a:xfrm>
+          <a:prstGeom prst="rect">
+            <a:avLst/>
+          </a:prstGeom>
+        </p:spPr>
+        <p:txBody>
+          <a:bodyPr lIns="0" rIns="0" tIns="0" bIns="0" anchor="ctr">
+            <a:spAutoFit/>
+          </a:bodyPr>
+          <a:p>
+            <a:pPr algn="ctr"/>
+            <a:endParaRPr b="0" lang="en-GB" sz="3200" spc="-1" strike="noStrike">
+              <a:latin typeface="Nimbus Sans"/>
+            </a:endParaRPr>
+          </a:p>
+        </p:txBody>
+      </p:sp>
+    </p:spTree>
+  </p:cSld>
+</p:sldLayout>
+</file>
+
+<file path=ppt/slideLayouts/slideLayout31.xml><?xml version="1.0" encoding="utf-8"?>
+<p:sldLayout xmlns:a="http://schemas.openxmlformats.org/drawingml/2006/main" xmlns:p="http://schemas.openxmlformats.org/presentationml/2006/main" xmlns:r="http://schemas.openxmlformats.org/officeDocument/2006/relationships" xmlns:p14="http://schemas.microsoft.com/office/powerpoint/2010/main" xmlns:p15="http://schemas.microsoft.com/office/powerpoint/2012/main" xmlns:mc="http://schemas.openxmlformats.org/markup-compatibility/2006" type="twoObjAndObj" preserve="1">
+  <p:cSld name="Title, 2 Content and Content">
+    <p:spTree>
+      <p:nvGrpSpPr>
+        <p:cNvPr id="1" name=""/>
+        <p:cNvGrpSpPr/>
+        <p:nvPr/>
+      </p:nvGrpSpPr>
+      <p:grpSpPr>
+        <a:xfrm>
+          <a:off x="0" y="0"/>
+          <a:ext cx="0" cy="0"/>
+          <a:chOff x="0" y="0"/>
+          <a:chExt cx="0" cy="0"/>
+        </a:xfrm>
+      </p:grpSpPr>
+      <p:sp>
+        <p:nvSpPr>
+          <p:cNvPr id="94" name="PlaceHolder 1"/>
+          <p:cNvSpPr>
+            <a:spLocks noGrp="1"/>
+          </p:cNvSpPr>
+          <p:nvPr>
+            <p:ph type="title"/>
+          </p:nvPr>
+        </p:nvSpPr>
+        <p:spPr>
+          <a:xfrm>
+            <a:off x="0" y="1755360"/>
+            <a:ext cx="9071280" cy="946800"/>
+          </a:xfrm>
+          <a:prstGeom prst="rect">
+            <a:avLst/>
+          </a:prstGeom>
+        </p:spPr>
+        <p:txBody>
+          <a:bodyPr lIns="0" rIns="0" tIns="0" bIns="0" anchor="ctr">
+            <a:spAutoFit/>
+          </a:bodyPr>
+          <a:p>
+            <a:pPr algn="ctr"/>
+            <a:endParaRPr b="0" lang="en-GB" sz="4400" spc="-1" strike="noStrike">
+              <a:latin typeface="Nimbus Sans"/>
+            </a:endParaRPr>
+          </a:p>
+        </p:txBody>
+      </p:sp>
+      <p:sp>
+        <p:nvSpPr>
+          <p:cNvPr id="95" name="PlaceHolder 2"/>
+          <p:cNvSpPr>
+            <a:spLocks noGrp="1"/>
+          </p:cNvSpPr>
+          <p:nvPr>
+            <p:ph type="body"/>
+          </p:nvPr>
+        </p:nvSpPr>
+        <p:spPr>
+          <a:xfrm>
+            <a:off x="504000" y="1326600"/>
+            <a:ext cx="4426560" cy="1568160"/>
+          </a:xfrm>
+          <a:prstGeom prst="rect">
+            <a:avLst/>
+          </a:prstGeom>
+        </p:spPr>
+        <p:txBody>
+          <a:bodyPr lIns="0" rIns="0" tIns="0" bIns="0">
+            <a:normAutofit/>
+          </a:bodyPr>
+          <a:p>
+            <a:endParaRPr b="0" lang="en-GB" sz="3200" spc="-1" strike="noStrike">
+              <a:latin typeface="Nimbus Sans"/>
+            </a:endParaRPr>
+          </a:p>
+        </p:txBody>
+      </p:sp>
+      <p:sp>
+        <p:nvSpPr>
+          <p:cNvPr id="96" name="PlaceHolder 3"/>
+          <p:cNvSpPr>
+            <a:spLocks noGrp="1"/>
+          </p:cNvSpPr>
+          <p:nvPr>
+            <p:ph type="body"/>
+          </p:nvPr>
+        </p:nvSpPr>
+        <p:spPr>
+          <a:xfrm>
+            <a:off x="5152320" y="1326600"/>
+            <a:ext cx="4426560" cy="3287880"/>
+          </a:xfrm>
+          <a:prstGeom prst="rect">
+            <a:avLst/>
+          </a:prstGeom>
+        </p:spPr>
+        <p:txBody>
+          <a:bodyPr lIns="0" rIns="0" tIns="0" bIns="0">
+            <a:normAutofit/>
+          </a:bodyPr>
+          <a:p>
+            <a:endParaRPr b="0" lang="en-GB" sz="3200" spc="-1" strike="noStrike">
+              <a:latin typeface="Nimbus Sans"/>
+            </a:endParaRPr>
+          </a:p>
+        </p:txBody>
+      </p:sp>
+      <p:sp>
+        <p:nvSpPr>
+          <p:cNvPr id="97" name="PlaceHolder 4"/>
+          <p:cNvSpPr>
+            <a:spLocks noGrp="1"/>
+          </p:cNvSpPr>
+          <p:nvPr>
+            <p:ph type="body"/>
+          </p:nvPr>
+        </p:nvSpPr>
+        <p:spPr>
+          <a:xfrm>
+            <a:off x="504000" y="3044160"/>
+            <a:ext cx="4426560" cy="1568160"/>
+          </a:xfrm>
+          <a:prstGeom prst="rect">
+            <a:avLst/>
+          </a:prstGeom>
+        </p:spPr>
+        <p:txBody>
+          <a:bodyPr lIns="0" rIns="0" tIns="0" bIns="0">
+            <a:normAutofit/>
+          </a:bodyPr>
+          <a:p>
+            <a:endParaRPr b="0" lang="en-GB" sz="3200" spc="-1" strike="noStrike">
+              <a:latin typeface="Nimbus Sans"/>
+            </a:endParaRPr>
+          </a:p>
+        </p:txBody>
+      </p:sp>
+    </p:spTree>
+  </p:cSld>
+</p:sldLayout>
+</file>
+
+<file path=ppt/slideLayouts/slideLayout32.xml><?xml version="1.0" encoding="utf-8"?>
+<p:sldLayout xmlns:a="http://schemas.openxmlformats.org/drawingml/2006/main" xmlns:p="http://schemas.openxmlformats.org/presentationml/2006/main" xmlns:r="http://schemas.openxmlformats.org/officeDocument/2006/relationships" xmlns:p14="http://schemas.microsoft.com/office/powerpoint/2010/main" xmlns:p15="http://schemas.microsoft.com/office/powerpoint/2012/main" xmlns:mc="http://schemas.openxmlformats.org/markup-compatibility/2006" type="objAndTwoObj" preserve="1">
+  <p:cSld name="Title Content and 2 Content">
+    <p:spTree>
+      <p:nvGrpSpPr>
+        <p:cNvPr id="1" name=""/>
+        <p:cNvGrpSpPr/>
+        <p:nvPr/>
+      </p:nvGrpSpPr>
+      <p:grpSpPr>
+        <a:xfrm>
+          <a:off x="0" y="0"/>
+          <a:ext cx="0" cy="0"/>
+          <a:chOff x="0" y="0"/>
+          <a:chExt cx="0" cy="0"/>
+        </a:xfrm>
+      </p:grpSpPr>
+      <p:sp>
+        <p:nvSpPr>
+          <p:cNvPr id="98" name="PlaceHolder 1"/>
+          <p:cNvSpPr>
+            <a:spLocks noGrp="1"/>
+          </p:cNvSpPr>
+          <p:nvPr>
+            <p:ph type="title"/>
+          </p:nvPr>
+        </p:nvSpPr>
+        <p:spPr>
+          <a:xfrm>
+            <a:off x="0" y="1755360"/>
+            <a:ext cx="9071280" cy="946800"/>
+          </a:xfrm>
+          <a:prstGeom prst="rect">
+            <a:avLst/>
+          </a:prstGeom>
+        </p:spPr>
+        <p:txBody>
+          <a:bodyPr lIns="0" rIns="0" tIns="0" bIns="0" anchor="ctr">
+            <a:spAutoFit/>
+          </a:bodyPr>
+          <a:p>
+            <a:pPr algn="ctr"/>
+            <a:endParaRPr b="0" lang="en-GB" sz="4400" spc="-1" strike="noStrike">
+              <a:latin typeface="Nimbus Sans"/>
+            </a:endParaRPr>
+          </a:p>
+        </p:txBody>
+      </p:sp>
+      <p:sp>
+        <p:nvSpPr>
+          <p:cNvPr id="99" name="PlaceHolder 2"/>
+          <p:cNvSpPr>
+            <a:spLocks noGrp="1"/>
+          </p:cNvSpPr>
+          <p:nvPr>
+            <p:ph type="body"/>
+          </p:nvPr>
+        </p:nvSpPr>
+        <p:spPr>
+          <a:xfrm>
+            <a:off x="504000" y="1326600"/>
+            <a:ext cx="4426560" cy="3287880"/>
+          </a:xfrm>
+          <a:prstGeom prst="rect">
+            <a:avLst/>
+          </a:prstGeom>
+        </p:spPr>
+        <p:txBody>
+          <a:bodyPr lIns="0" rIns="0" tIns="0" bIns="0">
+            <a:normAutofit/>
+          </a:bodyPr>
+          <a:p>
+            <a:endParaRPr b="0" lang="en-GB" sz="3200" spc="-1" strike="noStrike">
+              <a:latin typeface="Nimbus Sans"/>
+            </a:endParaRPr>
+          </a:p>
+        </p:txBody>
+      </p:sp>
+      <p:sp>
+        <p:nvSpPr>
+          <p:cNvPr id="100" name="PlaceHolder 3"/>
+          <p:cNvSpPr>
+            <a:spLocks noGrp="1"/>
+          </p:cNvSpPr>
+          <p:nvPr>
+            <p:ph type="body"/>
+          </p:nvPr>
+        </p:nvSpPr>
+        <p:spPr>
+          <a:xfrm>
+            <a:off x="5152320" y="1326600"/>
+            <a:ext cx="4426560" cy="1568160"/>
+          </a:xfrm>
+          <a:prstGeom prst="rect">
+            <a:avLst/>
+          </a:prstGeom>
+        </p:spPr>
+        <p:txBody>
+          <a:bodyPr lIns="0" rIns="0" tIns="0" bIns="0">
+            <a:normAutofit/>
+          </a:bodyPr>
+          <a:p>
+            <a:endParaRPr b="0" lang="en-GB" sz="3200" spc="-1" strike="noStrike">
+              <a:latin typeface="Nimbus Sans"/>
+            </a:endParaRPr>
+          </a:p>
+        </p:txBody>
+      </p:sp>
+      <p:sp>
+        <p:nvSpPr>
+          <p:cNvPr id="101" name="PlaceHolder 4"/>
+          <p:cNvSpPr>
+            <a:spLocks noGrp="1"/>
+          </p:cNvSpPr>
+          <p:nvPr>
+            <p:ph type="body"/>
+          </p:nvPr>
+        </p:nvSpPr>
+        <p:spPr>
+          <a:xfrm>
+            <a:off x="5152320" y="3044160"/>
+            <a:ext cx="4426560" cy="1568160"/>
+          </a:xfrm>
+          <a:prstGeom prst="rect">
+            <a:avLst/>
+          </a:prstGeom>
+        </p:spPr>
+        <p:txBody>
+          <a:bodyPr lIns="0" rIns="0" tIns="0" bIns="0">
+            <a:normAutofit/>
+          </a:bodyPr>
+          <a:p>
+            <a:endParaRPr b="0" lang="en-GB" sz="3200" spc="-1" strike="noStrike">
+              <a:latin typeface="Nimbus Sans"/>
+            </a:endParaRPr>
+          </a:p>
+        </p:txBody>
+      </p:sp>
+    </p:spTree>
+  </p:cSld>
+</p:sldLayout>
+</file>
+
+<file path=ppt/slideLayouts/slideLayout33.xml><?xml version="1.0" encoding="utf-8"?>
+<p:sldLayout xmlns:a="http://schemas.openxmlformats.org/drawingml/2006/main" xmlns:p="http://schemas.openxmlformats.org/presentationml/2006/main" xmlns:r="http://schemas.openxmlformats.org/officeDocument/2006/relationships" xmlns:p14="http://schemas.microsoft.com/office/powerpoint/2010/main" xmlns:p15="http://schemas.microsoft.com/office/powerpoint/2012/main" xmlns:mc="http://schemas.openxmlformats.org/markup-compatibility/2006" type="twoObjOverTx" preserve="1">
+  <p:cSld name="Title, 2 Content over Content">
+    <p:spTree>
+      <p:nvGrpSpPr>
+        <p:cNvPr id="1" name=""/>
+        <p:cNvGrpSpPr/>
+        <p:nvPr/>
+      </p:nvGrpSpPr>
+      <p:grpSpPr>
+        <a:xfrm>
+          <a:off x="0" y="0"/>
+          <a:ext cx="0" cy="0"/>
+          <a:chOff x="0" y="0"/>
+          <a:chExt cx="0" cy="0"/>
+        </a:xfrm>
+      </p:grpSpPr>
+      <p:sp>
+        <p:nvSpPr>
+          <p:cNvPr id="102" name="PlaceHolder 1"/>
+          <p:cNvSpPr>
+            <a:spLocks noGrp="1"/>
+          </p:cNvSpPr>
+          <p:nvPr>
+            <p:ph type="title"/>
+          </p:nvPr>
+        </p:nvSpPr>
+        <p:spPr>
+          <a:xfrm>
+            <a:off x="0" y="1755360"/>
+            <a:ext cx="9071280" cy="946800"/>
+          </a:xfrm>
+          <a:prstGeom prst="rect">
+            <a:avLst/>
+          </a:prstGeom>
+        </p:spPr>
+        <p:txBody>
+          <a:bodyPr lIns="0" rIns="0" tIns="0" bIns="0" anchor="ctr">
+            <a:spAutoFit/>
+          </a:bodyPr>
+          <a:p>
+            <a:pPr algn="ctr"/>
+            <a:endParaRPr b="0" lang="en-GB" sz="4400" spc="-1" strike="noStrike">
+              <a:latin typeface="Nimbus Sans"/>
+            </a:endParaRPr>
+          </a:p>
+        </p:txBody>
+      </p:sp>
+      <p:sp>
+        <p:nvSpPr>
+          <p:cNvPr id="103" name="PlaceHolder 2"/>
+          <p:cNvSpPr>
+            <a:spLocks noGrp="1"/>
+          </p:cNvSpPr>
+          <p:nvPr>
+            <p:ph type="body"/>
+          </p:nvPr>
+        </p:nvSpPr>
+        <p:spPr>
+          <a:xfrm>
+            <a:off x="504000" y="1326600"/>
+            <a:ext cx="4426560" cy="1568160"/>
+          </a:xfrm>
+          <a:prstGeom prst="rect">
+            <a:avLst/>
+          </a:prstGeom>
+        </p:spPr>
+        <p:txBody>
+          <a:bodyPr lIns="0" rIns="0" tIns="0" bIns="0">
+            <a:normAutofit/>
+          </a:bodyPr>
+          <a:p>
+            <a:endParaRPr b="0" lang="en-GB" sz="3200" spc="-1" strike="noStrike">
+              <a:latin typeface="Nimbus Sans"/>
+            </a:endParaRPr>
+          </a:p>
+        </p:txBody>
+      </p:sp>
+      <p:sp>
+        <p:nvSpPr>
+          <p:cNvPr id="104" name="PlaceHolder 3"/>
+          <p:cNvSpPr>
+            <a:spLocks noGrp="1"/>
+          </p:cNvSpPr>
+          <p:nvPr>
+            <p:ph type="body"/>
+          </p:nvPr>
+        </p:nvSpPr>
+        <p:spPr>
+          <a:xfrm>
+            <a:off x="5152320" y="1326600"/>
+            <a:ext cx="4426560" cy="1568160"/>
+          </a:xfrm>
+          <a:prstGeom prst="rect">
+            <a:avLst/>
+          </a:prstGeom>
+        </p:spPr>
+        <p:txBody>
+          <a:bodyPr lIns="0" rIns="0" tIns="0" bIns="0">
+            <a:normAutofit/>
+          </a:bodyPr>
+          <a:p>
+            <a:endParaRPr b="0" lang="en-GB" sz="3200" spc="-1" strike="noStrike">
+              <a:latin typeface="Nimbus Sans"/>
+            </a:endParaRPr>
+          </a:p>
+        </p:txBody>
+      </p:sp>
+      <p:sp>
+        <p:nvSpPr>
+          <p:cNvPr id="105" name="PlaceHolder 4"/>
+          <p:cNvSpPr>
+            <a:spLocks noGrp="1"/>
+          </p:cNvSpPr>
+          <p:nvPr>
+            <p:ph type="body"/>
+          </p:nvPr>
+        </p:nvSpPr>
+        <p:spPr>
+          <a:xfrm>
+            <a:off x="504000" y="3044160"/>
+            <a:ext cx="9071280" cy="1568160"/>
+          </a:xfrm>
+          <a:prstGeom prst="rect">
+            <a:avLst/>
+          </a:prstGeom>
+        </p:spPr>
+        <p:txBody>
+          <a:bodyPr lIns="0" rIns="0" tIns="0" bIns="0">
+            <a:normAutofit/>
+          </a:bodyPr>
+          <a:p>
+            <a:endParaRPr b="0" lang="en-GB" sz="3200" spc="-1" strike="noStrike">
+              <a:latin typeface="Nimbus Sans"/>
+            </a:endParaRPr>
+          </a:p>
+        </p:txBody>
+      </p:sp>
+    </p:spTree>
+  </p:cSld>
+</p:sldLayout>
+</file>
+
+<file path=ppt/slideLayouts/slideLayout34.xml><?xml version="1.0" encoding="utf-8"?>
+<p:sldLayout xmlns:a="http://schemas.openxmlformats.org/drawingml/2006/main" xmlns:p="http://schemas.openxmlformats.org/presentationml/2006/main" xmlns:r="http://schemas.openxmlformats.org/officeDocument/2006/relationships" xmlns:p14="http://schemas.microsoft.com/office/powerpoint/2010/main" xmlns:p15="http://schemas.microsoft.com/office/powerpoint/2012/main" xmlns:mc="http://schemas.openxmlformats.org/markup-compatibility/2006" type="objOverTx" preserve="1">
+  <p:cSld name="Title, Content over Content">
+    <p:spTree>
+      <p:nvGrpSpPr>
+        <p:cNvPr id="1" name=""/>
+        <p:cNvGrpSpPr/>
+        <p:nvPr/>
+      </p:nvGrpSpPr>
+      <p:grpSpPr>
+        <a:xfrm>
+          <a:off x="0" y="0"/>
+          <a:ext cx="0" cy="0"/>
+          <a:chOff x="0" y="0"/>
+          <a:chExt cx="0" cy="0"/>
+        </a:xfrm>
+      </p:grpSpPr>
+      <p:sp>
+        <p:nvSpPr>
+          <p:cNvPr id="106" name="PlaceHolder 1"/>
+          <p:cNvSpPr>
+            <a:spLocks noGrp="1"/>
+          </p:cNvSpPr>
+          <p:nvPr>
+            <p:ph type="title"/>
+          </p:nvPr>
+        </p:nvSpPr>
+        <p:spPr>
+          <a:xfrm>
+            <a:off x="0" y="1755360"/>
+            <a:ext cx="9071280" cy="946800"/>
+          </a:xfrm>
+          <a:prstGeom prst="rect">
+            <a:avLst/>
+          </a:prstGeom>
+        </p:spPr>
+        <p:txBody>
+          <a:bodyPr lIns="0" rIns="0" tIns="0" bIns="0" anchor="ctr">
+            <a:spAutoFit/>
+          </a:bodyPr>
+          <a:p>
+            <a:pPr algn="ctr"/>
+            <a:endParaRPr b="0" lang="en-GB" sz="4400" spc="-1" strike="noStrike">
+              <a:latin typeface="Nimbus Sans"/>
+            </a:endParaRPr>
+          </a:p>
+        </p:txBody>
+      </p:sp>
+      <p:sp>
+        <p:nvSpPr>
+          <p:cNvPr id="107" name="PlaceHolder 2"/>
+          <p:cNvSpPr>
+            <a:spLocks noGrp="1"/>
+          </p:cNvSpPr>
+          <p:nvPr>
+            <p:ph type="body"/>
+          </p:nvPr>
+        </p:nvSpPr>
+        <p:spPr>
+          <a:xfrm>
+            <a:off x="504000" y="1326600"/>
+            <a:ext cx="9071280" cy="1568160"/>
+          </a:xfrm>
+          <a:prstGeom prst="rect">
+            <a:avLst/>
+          </a:prstGeom>
+        </p:spPr>
+        <p:txBody>
+          <a:bodyPr lIns="0" rIns="0" tIns="0" bIns="0">
+            <a:normAutofit/>
+          </a:bodyPr>
+          <a:p>
+            <a:endParaRPr b="0" lang="en-GB" sz="3200" spc="-1" strike="noStrike">
+              <a:latin typeface="Nimbus Sans"/>
+            </a:endParaRPr>
+          </a:p>
+        </p:txBody>
+      </p:sp>
+      <p:sp>
+        <p:nvSpPr>
+          <p:cNvPr id="108" name="PlaceHolder 3"/>
+          <p:cNvSpPr>
+            <a:spLocks noGrp="1"/>
+          </p:cNvSpPr>
+          <p:nvPr>
+            <p:ph type="body"/>
+          </p:nvPr>
+        </p:nvSpPr>
+        <p:spPr>
+          <a:xfrm>
+            <a:off x="504000" y="3044160"/>
+            <a:ext cx="9071280" cy="1568160"/>
+          </a:xfrm>
+          <a:prstGeom prst="rect">
+            <a:avLst/>
+          </a:prstGeom>
+        </p:spPr>
+        <p:txBody>
+          <a:bodyPr lIns="0" rIns="0" tIns="0" bIns="0">
+            <a:normAutofit/>
+          </a:bodyPr>
+          <a:p>
+            <a:endParaRPr b="0" lang="en-GB" sz="3200" spc="-1" strike="noStrike">
+              <a:latin typeface="Nimbus Sans"/>
+            </a:endParaRPr>
+          </a:p>
+        </p:txBody>
+      </p:sp>
+    </p:spTree>
+  </p:cSld>
+</p:sldLayout>
+</file>
+
+<file path=ppt/slideLayouts/slideLayout35.xml><?xml version="1.0" encoding="utf-8"?>
+<p:sldLayout xmlns:a="http://schemas.openxmlformats.org/drawingml/2006/main" xmlns:p="http://schemas.openxmlformats.org/presentationml/2006/main" xmlns:r="http://schemas.openxmlformats.org/officeDocument/2006/relationships" xmlns:p14="http://schemas.microsoft.com/office/powerpoint/2010/main" xmlns:p15="http://schemas.microsoft.com/office/powerpoint/2012/main" xmlns:mc="http://schemas.openxmlformats.org/markup-compatibility/2006" type="fourObj" preserve="1">
+  <p:cSld name="Title, 4 Content">
+    <p:spTree>
+      <p:nvGrpSpPr>
+        <p:cNvPr id="1" name=""/>
+        <p:cNvGrpSpPr/>
+        <p:nvPr/>
+      </p:nvGrpSpPr>
+      <p:grpSpPr>
+        <a:xfrm>
+          <a:off x="0" y="0"/>
+          <a:ext cx="0" cy="0"/>
+          <a:chOff x="0" y="0"/>
+          <a:chExt cx="0" cy="0"/>
+        </a:xfrm>
+      </p:grpSpPr>
+      <p:sp>
+        <p:nvSpPr>
+          <p:cNvPr id="109" name="PlaceHolder 1"/>
+          <p:cNvSpPr>
+            <a:spLocks noGrp="1"/>
+          </p:cNvSpPr>
+          <p:nvPr>
+            <p:ph type="title"/>
+          </p:nvPr>
+        </p:nvSpPr>
+        <p:spPr>
+          <a:xfrm>
+            <a:off x="0" y="1755360"/>
+            <a:ext cx="9071280" cy="946800"/>
+          </a:xfrm>
+          <a:prstGeom prst="rect">
+            <a:avLst/>
+          </a:prstGeom>
+        </p:spPr>
+        <p:txBody>
+          <a:bodyPr lIns="0" rIns="0" tIns="0" bIns="0" anchor="ctr">
+            <a:spAutoFit/>
+          </a:bodyPr>
+          <a:p>
+            <a:pPr algn="ctr"/>
+            <a:endParaRPr b="0" lang="en-GB" sz="4400" spc="-1" strike="noStrike">
+              <a:latin typeface="Nimbus Sans"/>
+            </a:endParaRPr>
+          </a:p>
+        </p:txBody>
+      </p:sp>
+      <p:sp>
+        <p:nvSpPr>
+          <p:cNvPr id="110" name="PlaceHolder 2"/>
+          <p:cNvSpPr>
+            <a:spLocks noGrp="1"/>
+          </p:cNvSpPr>
+          <p:nvPr>
+            <p:ph type="body"/>
+          </p:nvPr>
+        </p:nvSpPr>
+        <p:spPr>
+          <a:xfrm>
+            <a:off x="504000" y="1326600"/>
+            <a:ext cx="4426560" cy="1568160"/>
+          </a:xfrm>
+          <a:prstGeom prst="rect">
+            <a:avLst/>
+          </a:prstGeom>
+        </p:spPr>
+        <p:txBody>
+          <a:bodyPr lIns="0" rIns="0" tIns="0" bIns="0">
+            <a:normAutofit/>
+          </a:bodyPr>
+          <a:p>
+            <a:endParaRPr b="0" lang="en-GB" sz="3200" spc="-1" strike="noStrike">
+              <a:latin typeface="Nimbus Sans"/>
+            </a:endParaRPr>
+          </a:p>
+        </p:txBody>
+      </p:sp>
+      <p:sp>
+        <p:nvSpPr>
+          <p:cNvPr id="111" name="PlaceHolder 3"/>
+          <p:cNvSpPr>
+            <a:spLocks noGrp="1"/>
+          </p:cNvSpPr>
+          <p:nvPr>
+            <p:ph type="body"/>
+          </p:nvPr>
+        </p:nvSpPr>
+        <p:spPr>
+          <a:xfrm>
+            <a:off x="5152320" y="1326600"/>
+            <a:ext cx="4426560" cy="1568160"/>
+          </a:xfrm>
+          <a:prstGeom prst="rect">
+            <a:avLst/>
+          </a:prstGeom>
+        </p:spPr>
+        <p:txBody>
+          <a:bodyPr lIns="0" rIns="0" tIns="0" bIns="0">
+            <a:normAutofit/>
+          </a:bodyPr>
+          <a:p>
+            <a:endParaRPr b="0" lang="en-GB" sz="3200" spc="-1" strike="noStrike">
+              <a:latin typeface="Nimbus Sans"/>
+            </a:endParaRPr>
+          </a:p>
+        </p:txBody>
+      </p:sp>
+      <p:sp>
+        <p:nvSpPr>
+          <p:cNvPr id="112" name="PlaceHolder 4"/>
+          <p:cNvSpPr>
+            <a:spLocks noGrp="1"/>
+          </p:cNvSpPr>
+          <p:nvPr>
+            <p:ph type="body"/>
+          </p:nvPr>
+        </p:nvSpPr>
+        <p:spPr>
+          <a:xfrm>
+            <a:off x="504000" y="3044160"/>
+            <a:ext cx="4426560" cy="1568160"/>
+          </a:xfrm>
+          <a:prstGeom prst="rect">
+            <a:avLst/>
+          </a:prstGeom>
+        </p:spPr>
+        <p:txBody>
+          <a:bodyPr lIns="0" rIns="0" tIns="0" bIns="0">
+            <a:normAutofit/>
+          </a:bodyPr>
+          <a:p>
+            <a:endParaRPr b="0" lang="en-GB" sz="3200" spc="-1" strike="noStrike">
+              <a:latin typeface="Nimbus Sans"/>
+            </a:endParaRPr>
+          </a:p>
+        </p:txBody>
+      </p:sp>
+      <p:sp>
+        <p:nvSpPr>
+          <p:cNvPr id="113" name="PlaceHolder 5"/>
+          <p:cNvSpPr>
+            <a:spLocks noGrp="1"/>
+          </p:cNvSpPr>
+          <p:nvPr>
+            <p:ph type="body"/>
+          </p:nvPr>
+        </p:nvSpPr>
+        <p:spPr>
+          <a:xfrm>
+            <a:off x="5152320" y="3044160"/>
+            <a:ext cx="4426560" cy="1568160"/>
+          </a:xfrm>
+          <a:prstGeom prst="rect">
+            <a:avLst/>
+          </a:prstGeom>
+        </p:spPr>
+        <p:txBody>
+          <a:bodyPr lIns="0" rIns="0" tIns="0" bIns="0">
+            <a:normAutofit/>
+          </a:bodyPr>
+          <a:p>
+            <a:endParaRPr b="0" lang="en-GB" sz="3200" spc="-1" strike="noStrike">
+              <a:latin typeface="Nimbus Sans"/>
+            </a:endParaRPr>
+          </a:p>
+        </p:txBody>
+      </p:sp>
+    </p:spTree>
+  </p:cSld>
+</p:sldLayout>
+</file>
+
+<file path=ppt/slideLayouts/slideLayout36.xml><?xml version="1.0" encoding="utf-8"?>
+<p:sldLayout xmlns:a="http://schemas.openxmlformats.org/drawingml/2006/main" xmlns:p="http://schemas.openxmlformats.org/presentationml/2006/main" xmlns:r="http://schemas.openxmlformats.org/officeDocument/2006/relationships" xmlns:p14="http://schemas.microsoft.com/office/powerpoint/2010/main" xmlns:p15="http://schemas.microsoft.com/office/powerpoint/2012/main" xmlns:mc="http://schemas.openxmlformats.org/markup-compatibility/2006" type="blank" preserve="1">
+  <p:cSld name="Title, 6 Content">
+    <p:spTree>
+      <p:nvGrpSpPr>
+        <p:cNvPr id="1" name=""/>
+        <p:cNvGrpSpPr/>
+        <p:nvPr/>
+      </p:nvGrpSpPr>
+      <p:grpSpPr>
+        <a:xfrm>
+          <a:off x="0" y="0"/>
+          <a:ext cx="0" cy="0"/>
+          <a:chOff x="0" y="0"/>
+          <a:chExt cx="0" cy="0"/>
+        </a:xfrm>
+      </p:grpSpPr>
+      <p:sp>
+        <p:nvSpPr>
+          <p:cNvPr id="114" name="PlaceHolder 1"/>
+          <p:cNvSpPr>
+            <a:spLocks noGrp="1"/>
+          </p:cNvSpPr>
+          <p:nvPr>
+            <p:ph type="title"/>
+          </p:nvPr>
+        </p:nvSpPr>
+        <p:spPr>
+          <a:xfrm>
+            <a:off x="0" y="1755360"/>
+            <a:ext cx="9071280" cy="946800"/>
+          </a:xfrm>
+          <a:prstGeom prst="rect">
+            <a:avLst/>
+          </a:prstGeom>
+        </p:spPr>
+        <p:txBody>
+          <a:bodyPr lIns="0" rIns="0" tIns="0" bIns="0" anchor="ctr">
+            <a:spAutoFit/>
+          </a:bodyPr>
+          <a:p>
+            <a:pPr algn="ctr"/>
+            <a:endParaRPr b="0" lang="en-GB" sz="4400" spc="-1" strike="noStrike">
+              <a:latin typeface="Nimbus Sans"/>
+            </a:endParaRPr>
+          </a:p>
+        </p:txBody>
+      </p:sp>
+      <p:sp>
+        <p:nvSpPr>
+          <p:cNvPr id="115" name="PlaceHolder 2"/>
+          <p:cNvSpPr>
+            <a:spLocks noGrp="1"/>
+          </p:cNvSpPr>
+          <p:nvPr>
+            <p:ph type="body"/>
+          </p:nvPr>
+        </p:nvSpPr>
+        <p:spPr>
+          <a:xfrm>
+            <a:off x="504000" y="1326600"/>
+            <a:ext cx="2920680" cy="1568160"/>
+          </a:xfrm>
+          <a:prstGeom prst="rect">
+            <a:avLst/>
+          </a:prstGeom>
+        </p:spPr>
+        <p:txBody>
+          <a:bodyPr lIns="0" rIns="0" tIns="0" bIns="0">
+            <a:normAutofit/>
+          </a:bodyPr>
+          <a:p>
+            <a:endParaRPr b="0" lang="en-GB" sz="3200" spc="-1" strike="noStrike">
+              <a:latin typeface="Nimbus Sans"/>
+            </a:endParaRPr>
+          </a:p>
+        </p:txBody>
+      </p:sp>
+      <p:sp>
+        <p:nvSpPr>
+          <p:cNvPr id="116" name="PlaceHolder 3"/>
+          <p:cNvSpPr>
+            <a:spLocks noGrp="1"/>
+          </p:cNvSpPr>
+          <p:nvPr>
+            <p:ph type="body"/>
+          </p:nvPr>
+        </p:nvSpPr>
+        <p:spPr>
+          <a:xfrm>
+            <a:off x="3571200" y="1326600"/>
+            <a:ext cx="2920680" cy="1568160"/>
+          </a:xfrm>
+          <a:prstGeom prst="rect">
+            <a:avLst/>
+          </a:prstGeom>
+        </p:spPr>
+        <p:txBody>
+          <a:bodyPr lIns="0" rIns="0" tIns="0" bIns="0">
+            <a:normAutofit/>
+          </a:bodyPr>
+          <a:p>
+            <a:endParaRPr b="0" lang="en-GB" sz="3200" spc="-1" strike="noStrike">
+              <a:latin typeface="Nimbus Sans"/>
+            </a:endParaRPr>
+          </a:p>
+        </p:txBody>
+      </p:sp>
+      <p:sp>
+        <p:nvSpPr>
+          <p:cNvPr id="117" name="PlaceHolder 4"/>
+          <p:cNvSpPr>
+            <a:spLocks noGrp="1"/>
+          </p:cNvSpPr>
+          <p:nvPr>
+            <p:ph type="body"/>
+          </p:nvPr>
+        </p:nvSpPr>
+        <p:spPr>
+          <a:xfrm>
+            <a:off x="6638040" y="1326600"/>
+            <a:ext cx="2920680" cy="1568160"/>
+          </a:xfrm>
+          <a:prstGeom prst="rect">
+            <a:avLst/>
+          </a:prstGeom>
+        </p:spPr>
+        <p:txBody>
+          <a:bodyPr lIns="0" rIns="0" tIns="0" bIns="0">
+            <a:normAutofit/>
+          </a:bodyPr>
+          <a:p>
+            <a:endParaRPr b="0" lang="en-GB" sz="3200" spc="-1" strike="noStrike">
+              <a:latin typeface="Nimbus Sans"/>
+            </a:endParaRPr>
+          </a:p>
+        </p:txBody>
+      </p:sp>
+      <p:sp>
+        <p:nvSpPr>
+          <p:cNvPr id="118" name="PlaceHolder 5"/>
+          <p:cNvSpPr>
+            <a:spLocks noGrp="1"/>
+          </p:cNvSpPr>
+          <p:nvPr>
+            <p:ph type="body"/>
+          </p:nvPr>
+        </p:nvSpPr>
+        <p:spPr>
+          <a:xfrm>
+            <a:off x="504000" y="3044160"/>
+            <a:ext cx="2920680" cy="1568160"/>
+          </a:xfrm>
+          <a:prstGeom prst="rect">
+            <a:avLst/>
+          </a:prstGeom>
+        </p:spPr>
+        <p:txBody>
+          <a:bodyPr lIns="0" rIns="0" tIns="0" bIns="0">
+            <a:normAutofit/>
+          </a:bodyPr>
+          <a:p>
+            <a:endParaRPr b="0" lang="en-GB" sz="3200" spc="-1" strike="noStrike">
+              <a:latin typeface="Nimbus Sans"/>
+            </a:endParaRPr>
+          </a:p>
+        </p:txBody>
+      </p:sp>
+      <p:sp>
+        <p:nvSpPr>
+          <p:cNvPr id="119" name="PlaceHolder 6"/>
+          <p:cNvSpPr>
+            <a:spLocks noGrp="1"/>
+          </p:cNvSpPr>
+          <p:nvPr>
+            <p:ph type="body"/>
+          </p:nvPr>
+        </p:nvSpPr>
+        <p:spPr>
+          <a:xfrm>
+            <a:off x="3571200" y="3044160"/>
+            <a:ext cx="2920680" cy="1568160"/>
+          </a:xfrm>
+          <a:prstGeom prst="rect">
+            <a:avLst/>
+          </a:prstGeom>
+        </p:spPr>
+        <p:txBody>
+          <a:bodyPr lIns="0" rIns="0" tIns="0" bIns="0">
+            <a:normAutofit/>
+          </a:bodyPr>
+          <a:p>
+            <a:endParaRPr b="0" lang="en-GB" sz="3200" spc="-1" strike="noStrike">
+              <a:latin typeface="Nimbus Sans"/>
+            </a:endParaRPr>
+          </a:p>
+        </p:txBody>
+      </p:sp>
+      <p:sp>
+        <p:nvSpPr>
+          <p:cNvPr id="120" name="PlaceHolder 7"/>
+          <p:cNvSpPr>
+            <a:spLocks noGrp="1"/>
+          </p:cNvSpPr>
+          <p:nvPr>
+            <p:ph type="body"/>
+          </p:nvPr>
+        </p:nvSpPr>
+        <p:spPr>
+          <a:xfrm>
+            <a:off x="6638040" y="3044160"/>
+            <a:ext cx="2920680" cy="1568160"/>
+          </a:xfrm>
+          <a:prstGeom prst="rect">
+            <a:avLst/>
+          </a:prstGeom>
+        </p:spPr>
+        <p:txBody>
+          <a:bodyPr lIns="0" rIns="0" tIns="0" bIns="0">
+            <a:normAutofit/>
+          </a:bodyPr>
+          <a:p>
+            <a:endParaRPr b="0" lang="en-GB" sz="3200" spc="-1" strike="noStrike">
+              <a:latin typeface="Nimbus Sans"/>
             </a:endParaRPr>
           </a:p>
         </p:txBody>
@@ -2588,7 +3943,7 @@
       </p:grpSpPr>
       <p:sp>
         <p:nvSpPr>
-          <p:cNvPr id="11" name="PlaceHolder 1"/>
+          <p:cNvPr id="8" name="PlaceHolder 1"/>
           <p:cNvSpPr>
             <a:spLocks noGrp="1"/>
           </p:cNvSpPr>
@@ -2598,8 +3953,8 @@
         </p:nvSpPr>
         <p:spPr>
           <a:xfrm>
-            <a:off x="0" y="1755720"/>
-            <a:ext cx="9071640" cy="946440"/>
+            <a:off x="0" y="1755360"/>
+            <a:ext cx="9071280" cy="946800"/>
           </a:xfrm>
           <a:prstGeom prst="rect">
             <a:avLst/>
@@ -2611,18 +3966,15 @@
           </a:bodyPr>
           <a:p>
             <a:pPr algn="ctr"/>
-            <a:endParaRPr b="0" lang="en-GB" sz="3110" spc="-1" strike="noStrike">
-              <a:solidFill>
-                <a:srgbClr val="006699"/>
-              </a:solidFill>
-              <a:latin typeface="Arial"/>
-            </a:endParaRPr>
-          </a:p>
-        </p:txBody>
-      </p:sp>
-      <p:sp>
-        <p:nvSpPr>
-          <p:cNvPr id="12" name="PlaceHolder 2"/>
+            <a:endParaRPr b="0" lang="en-GB" sz="4400" spc="-1" strike="noStrike">
+              <a:latin typeface="Nimbus Sans"/>
+            </a:endParaRPr>
+          </a:p>
+        </p:txBody>
+      </p:sp>
+      <p:sp>
+        <p:nvSpPr>
+          <p:cNvPr id="9" name="PlaceHolder 2"/>
           <p:cNvSpPr>
             <a:spLocks noGrp="1"/>
           </p:cNvSpPr>
@@ -2633,7 +3985,7 @@
         <p:spPr>
           <a:xfrm>
             <a:off x="504000" y="1326600"/>
-            <a:ext cx="4426920" cy="3288240"/>
+            <a:ext cx="4426560" cy="3287880"/>
           </a:xfrm>
           <a:prstGeom prst="rect">
             <a:avLst/>
@@ -2644,15 +3996,15 @@
             <a:normAutofit/>
           </a:bodyPr>
           <a:p>
-            <a:endParaRPr b="0" lang="en-GB" sz="2400" spc="-1" strike="noStrike">
-              <a:latin typeface="Arial"/>
-            </a:endParaRPr>
-          </a:p>
-        </p:txBody>
-      </p:sp>
-      <p:sp>
-        <p:nvSpPr>
-          <p:cNvPr id="13" name="PlaceHolder 3"/>
+            <a:endParaRPr b="0" lang="en-GB" sz="3200" spc="-1" strike="noStrike">
+              <a:latin typeface="Nimbus Sans"/>
+            </a:endParaRPr>
+          </a:p>
+        </p:txBody>
+      </p:sp>
+      <p:sp>
+        <p:nvSpPr>
+          <p:cNvPr id="10" name="PlaceHolder 3"/>
           <p:cNvSpPr>
             <a:spLocks noGrp="1"/>
           </p:cNvSpPr>
@@ -2662,8 +4014,8 @@
         </p:nvSpPr>
         <p:spPr>
           <a:xfrm>
-            <a:off x="5152680" y="1326600"/>
-            <a:ext cx="4426920" cy="3288240"/>
+            <a:off x="5152320" y="1326600"/>
+            <a:ext cx="4426560" cy="3287880"/>
           </a:xfrm>
           <a:prstGeom prst="rect">
             <a:avLst/>
@@ -2674,8 +4026,8 @@
             <a:normAutofit/>
           </a:bodyPr>
           <a:p>
-            <a:endParaRPr b="0" lang="en-GB" sz="2400" spc="-1" strike="noStrike">
-              <a:latin typeface="Arial"/>
+            <a:endParaRPr b="0" lang="en-GB" sz="3200" spc="-1" strike="noStrike">
+              <a:latin typeface="Nimbus Sans"/>
             </a:endParaRPr>
           </a:p>
         </p:txBody>
@@ -2704,7 +4056,7 @@
       </p:grpSpPr>
       <p:sp>
         <p:nvSpPr>
-          <p:cNvPr id="14" name="PlaceHolder 1"/>
+          <p:cNvPr id="11" name="PlaceHolder 1"/>
           <p:cNvSpPr>
             <a:spLocks noGrp="1"/>
           </p:cNvSpPr>
@@ -2714,8 +4066,8 @@
         </p:nvSpPr>
         <p:spPr>
           <a:xfrm>
-            <a:off x="0" y="1755720"/>
-            <a:ext cx="9071640" cy="946440"/>
+            <a:off x="0" y="1755360"/>
+            <a:ext cx="9071280" cy="946800"/>
           </a:xfrm>
           <a:prstGeom prst="rect">
             <a:avLst/>
@@ -2727,11 +4079,8 @@
           </a:bodyPr>
           <a:p>
             <a:pPr algn="ctr"/>
-            <a:endParaRPr b="0" lang="en-GB" sz="3110" spc="-1" strike="noStrike">
-              <a:solidFill>
-                <a:srgbClr val="006699"/>
-              </a:solidFill>
-              <a:latin typeface="Arial"/>
+            <a:endParaRPr b="0" lang="en-GB" sz="4400" spc="-1" strike="noStrike">
+              <a:latin typeface="Nimbus Sans"/>
             </a:endParaRPr>
           </a:p>
         </p:txBody>
@@ -2760,7 +4109,7 @@
       </p:grpSpPr>
       <p:sp>
         <p:nvSpPr>
-          <p:cNvPr id="15" name="PlaceHolder 1"/>
+          <p:cNvPr id="12" name="PlaceHolder 1"/>
           <p:cNvSpPr>
             <a:spLocks noGrp="1"/>
           </p:cNvSpPr>
@@ -2770,8 +4119,8 @@
         </p:nvSpPr>
         <p:spPr>
           <a:xfrm>
-            <a:off x="0" y="1755720"/>
-            <a:ext cx="9071640" cy="4388400"/>
+            <a:off x="0" y="1755360"/>
+            <a:ext cx="9071280" cy="4390200"/>
           </a:xfrm>
           <a:prstGeom prst="rect">
             <a:avLst/>
@@ -2783,8 +4132,8 @@
           </a:bodyPr>
           <a:p>
             <a:pPr algn="ctr"/>
-            <a:endParaRPr b="0" lang="en-GB" sz="1600" spc="-1" strike="noStrike">
-              <a:latin typeface="Arial"/>
+            <a:endParaRPr b="0" lang="en-GB" sz="3200" spc="-1" strike="noStrike">
+              <a:latin typeface="Nimbus Sans"/>
             </a:endParaRPr>
           </a:p>
         </p:txBody>
@@ -2813,7 +4162,7 @@
       </p:grpSpPr>
       <p:sp>
         <p:nvSpPr>
-          <p:cNvPr id="16" name="PlaceHolder 1"/>
+          <p:cNvPr id="13" name="PlaceHolder 1"/>
           <p:cNvSpPr>
             <a:spLocks noGrp="1"/>
           </p:cNvSpPr>
@@ -2823,8 +4172,8 @@
         </p:nvSpPr>
         <p:spPr>
           <a:xfrm>
-            <a:off x="0" y="1755720"/>
-            <a:ext cx="9071640" cy="946440"/>
+            <a:off x="0" y="1755360"/>
+            <a:ext cx="9071280" cy="946800"/>
           </a:xfrm>
           <a:prstGeom prst="rect">
             <a:avLst/>
@@ -2836,18 +4185,15 @@
           </a:bodyPr>
           <a:p>
             <a:pPr algn="ctr"/>
-            <a:endParaRPr b="0" lang="en-GB" sz="3110" spc="-1" strike="noStrike">
-              <a:solidFill>
-                <a:srgbClr val="006699"/>
-              </a:solidFill>
-              <a:latin typeface="Arial"/>
-            </a:endParaRPr>
-          </a:p>
-        </p:txBody>
-      </p:sp>
-      <p:sp>
-        <p:nvSpPr>
-          <p:cNvPr id="17" name="PlaceHolder 2"/>
+            <a:endParaRPr b="0" lang="en-GB" sz="4400" spc="-1" strike="noStrike">
+              <a:latin typeface="Nimbus Sans"/>
+            </a:endParaRPr>
+          </a:p>
+        </p:txBody>
+      </p:sp>
+      <p:sp>
+        <p:nvSpPr>
+          <p:cNvPr id="14" name="PlaceHolder 2"/>
           <p:cNvSpPr>
             <a:spLocks noGrp="1"/>
           </p:cNvSpPr>
@@ -2858,7 +4204,7 @@
         <p:spPr>
           <a:xfrm>
             <a:off x="504000" y="1326600"/>
-            <a:ext cx="4426920" cy="1568160"/>
+            <a:ext cx="4426560" cy="1568160"/>
           </a:xfrm>
           <a:prstGeom prst="rect">
             <a:avLst/>
@@ -2869,15 +4215,15 @@
             <a:normAutofit/>
           </a:bodyPr>
           <a:p>
-            <a:endParaRPr b="0" lang="en-GB" sz="2400" spc="-1" strike="noStrike">
-              <a:latin typeface="Arial"/>
-            </a:endParaRPr>
-          </a:p>
-        </p:txBody>
-      </p:sp>
-      <p:sp>
-        <p:nvSpPr>
-          <p:cNvPr id="18" name="PlaceHolder 3"/>
+            <a:endParaRPr b="0" lang="en-GB" sz="3200" spc="-1" strike="noStrike">
+              <a:latin typeface="Nimbus Sans"/>
+            </a:endParaRPr>
+          </a:p>
+        </p:txBody>
+      </p:sp>
+      <p:sp>
+        <p:nvSpPr>
+          <p:cNvPr id="15" name="PlaceHolder 3"/>
           <p:cNvSpPr>
             <a:spLocks noGrp="1"/>
           </p:cNvSpPr>
@@ -2887,8 +4233,8 @@
         </p:nvSpPr>
         <p:spPr>
           <a:xfrm>
-            <a:off x="5152680" y="1326600"/>
-            <a:ext cx="4426920" cy="3288240"/>
+            <a:off x="5152320" y="1326600"/>
+            <a:ext cx="4426560" cy="3287880"/>
           </a:xfrm>
           <a:prstGeom prst="rect">
             <a:avLst/>
@@ -2899,15 +4245,15 @@
             <a:normAutofit/>
           </a:bodyPr>
           <a:p>
-            <a:endParaRPr b="0" lang="en-GB" sz="2400" spc="-1" strike="noStrike">
-              <a:latin typeface="Arial"/>
-            </a:endParaRPr>
-          </a:p>
-        </p:txBody>
-      </p:sp>
-      <p:sp>
-        <p:nvSpPr>
-          <p:cNvPr id="19" name="PlaceHolder 4"/>
+            <a:endParaRPr b="0" lang="en-GB" sz="3200" spc="-1" strike="noStrike">
+              <a:latin typeface="Nimbus Sans"/>
+            </a:endParaRPr>
+          </a:p>
+        </p:txBody>
+      </p:sp>
+      <p:sp>
+        <p:nvSpPr>
+          <p:cNvPr id="16" name="PlaceHolder 4"/>
           <p:cNvSpPr>
             <a:spLocks noGrp="1"/>
           </p:cNvSpPr>
@@ -2918,7 +4264,7 @@
         <p:spPr>
           <a:xfrm>
             <a:off x="504000" y="3044160"/>
-            <a:ext cx="4426920" cy="1568160"/>
+            <a:ext cx="4426560" cy="1568160"/>
           </a:xfrm>
           <a:prstGeom prst="rect">
             <a:avLst/>
@@ -2929,8 +4275,8 @@
             <a:normAutofit/>
           </a:bodyPr>
           <a:p>
-            <a:endParaRPr b="0" lang="en-GB" sz="2400" spc="-1" strike="noStrike">
-              <a:latin typeface="Arial"/>
+            <a:endParaRPr b="0" lang="en-GB" sz="3200" spc="-1" strike="noStrike">
+              <a:latin typeface="Nimbus Sans"/>
             </a:endParaRPr>
           </a:p>
         </p:txBody>
@@ -2959,7 +4305,7 @@
       </p:grpSpPr>
       <p:sp>
         <p:nvSpPr>
-          <p:cNvPr id="20" name="PlaceHolder 1"/>
+          <p:cNvPr id="17" name="PlaceHolder 1"/>
           <p:cNvSpPr>
             <a:spLocks noGrp="1"/>
           </p:cNvSpPr>
@@ -2969,8 +4315,8 @@
         </p:nvSpPr>
         <p:spPr>
           <a:xfrm>
-            <a:off x="0" y="1755720"/>
-            <a:ext cx="9071640" cy="946440"/>
+            <a:off x="0" y="1755360"/>
+            <a:ext cx="9071280" cy="946800"/>
           </a:xfrm>
           <a:prstGeom prst="rect">
             <a:avLst/>
@@ -2982,18 +4328,15 @@
           </a:bodyPr>
           <a:p>
             <a:pPr algn="ctr"/>
-            <a:endParaRPr b="0" lang="en-GB" sz="3110" spc="-1" strike="noStrike">
-              <a:solidFill>
-                <a:srgbClr val="006699"/>
-              </a:solidFill>
-              <a:latin typeface="Arial"/>
-            </a:endParaRPr>
-          </a:p>
-        </p:txBody>
-      </p:sp>
-      <p:sp>
-        <p:nvSpPr>
-          <p:cNvPr id="21" name="PlaceHolder 2"/>
+            <a:endParaRPr b="0" lang="en-GB" sz="4400" spc="-1" strike="noStrike">
+              <a:latin typeface="Nimbus Sans"/>
+            </a:endParaRPr>
+          </a:p>
+        </p:txBody>
+      </p:sp>
+      <p:sp>
+        <p:nvSpPr>
+          <p:cNvPr id="18" name="PlaceHolder 2"/>
           <p:cNvSpPr>
             <a:spLocks noGrp="1"/>
           </p:cNvSpPr>
@@ -3004,7 +4347,7 @@
         <p:spPr>
           <a:xfrm>
             <a:off x="504000" y="1326600"/>
-            <a:ext cx="4426920" cy="3288240"/>
+            <a:ext cx="4426560" cy="3287880"/>
           </a:xfrm>
           <a:prstGeom prst="rect">
             <a:avLst/>
@@ -3015,15 +4358,15 @@
             <a:normAutofit/>
           </a:bodyPr>
           <a:p>
-            <a:endParaRPr b="0" lang="en-GB" sz="2400" spc="-1" strike="noStrike">
-              <a:latin typeface="Arial"/>
-            </a:endParaRPr>
-          </a:p>
-        </p:txBody>
-      </p:sp>
-      <p:sp>
-        <p:nvSpPr>
-          <p:cNvPr id="22" name="PlaceHolder 3"/>
+            <a:endParaRPr b="0" lang="en-GB" sz="3200" spc="-1" strike="noStrike">
+              <a:latin typeface="Nimbus Sans"/>
+            </a:endParaRPr>
+          </a:p>
+        </p:txBody>
+      </p:sp>
+      <p:sp>
+        <p:nvSpPr>
+          <p:cNvPr id="19" name="PlaceHolder 3"/>
           <p:cNvSpPr>
             <a:spLocks noGrp="1"/>
           </p:cNvSpPr>
@@ -3033,8 +4376,8 @@
         </p:nvSpPr>
         <p:spPr>
           <a:xfrm>
-            <a:off x="5152680" y="1326600"/>
-            <a:ext cx="4426920" cy="1568160"/>
+            <a:off x="5152320" y="1326600"/>
+            <a:ext cx="4426560" cy="1568160"/>
           </a:xfrm>
           <a:prstGeom prst="rect">
             <a:avLst/>
@@ -3045,15 +4388,15 @@
             <a:normAutofit/>
           </a:bodyPr>
           <a:p>
-            <a:endParaRPr b="0" lang="en-GB" sz="2400" spc="-1" strike="noStrike">
-              <a:latin typeface="Arial"/>
-            </a:endParaRPr>
-          </a:p>
-        </p:txBody>
-      </p:sp>
-      <p:sp>
-        <p:nvSpPr>
-          <p:cNvPr id="23" name="PlaceHolder 4"/>
+            <a:endParaRPr b="0" lang="en-GB" sz="3200" spc="-1" strike="noStrike">
+              <a:latin typeface="Nimbus Sans"/>
+            </a:endParaRPr>
+          </a:p>
+        </p:txBody>
+      </p:sp>
+      <p:sp>
+        <p:nvSpPr>
+          <p:cNvPr id="20" name="PlaceHolder 4"/>
           <p:cNvSpPr>
             <a:spLocks noGrp="1"/>
           </p:cNvSpPr>
@@ -3063,8 +4406,8 @@
         </p:nvSpPr>
         <p:spPr>
           <a:xfrm>
-            <a:off x="5152680" y="3044160"/>
-            <a:ext cx="4426920" cy="1568160"/>
+            <a:off x="5152320" y="3044160"/>
+            <a:ext cx="4426560" cy="1568160"/>
           </a:xfrm>
           <a:prstGeom prst="rect">
             <a:avLst/>
@@ -3075,8 +4418,8 @@
             <a:normAutofit/>
           </a:bodyPr>
           <a:p>
-            <a:endParaRPr b="0" lang="en-GB" sz="2400" spc="-1" strike="noStrike">
-              <a:latin typeface="Arial"/>
+            <a:endParaRPr b="0" lang="en-GB" sz="3200" spc="-1" strike="noStrike">
+              <a:latin typeface="Nimbus Sans"/>
             </a:endParaRPr>
           </a:p>
         </p:txBody>
@@ -3105,7 +4448,7 @@
       </p:grpSpPr>
       <p:sp>
         <p:nvSpPr>
-          <p:cNvPr id="24" name="PlaceHolder 1"/>
+          <p:cNvPr id="21" name="PlaceHolder 1"/>
           <p:cNvSpPr>
             <a:spLocks noGrp="1"/>
           </p:cNvSpPr>
@@ -3115,8 +4458,8 @@
         </p:nvSpPr>
         <p:spPr>
           <a:xfrm>
-            <a:off x="0" y="1755720"/>
-            <a:ext cx="9071640" cy="946440"/>
+            <a:off x="0" y="1755360"/>
+            <a:ext cx="9071280" cy="946800"/>
           </a:xfrm>
           <a:prstGeom prst="rect">
             <a:avLst/>
@@ -3128,18 +4471,15 @@
           </a:bodyPr>
           <a:p>
             <a:pPr algn="ctr"/>
-            <a:endParaRPr b="0" lang="en-GB" sz="3110" spc="-1" strike="noStrike">
-              <a:solidFill>
-                <a:srgbClr val="006699"/>
-              </a:solidFill>
-              <a:latin typeface="Arial"/>
-            </a:endParaRPr>
-          </a:p>
-        </p:txBody>
-      </p:sp>
-      <p:sp>
-        <p:nvSpPr>
-          <p:cNvPr id="25" name="PlaceHolder 2"/>
+            <a:endParaRPr b="0" lang="en-GB" sz="4400" spc="-1" strike="noStrike">
+              <a:latin typeface="Nimbus Sans"/>
+            </a:endParaRPr>
+          </a:p>
+        </p:txBody>
+      </p:sp>
+      <p:sp>
+        <p:nvSpPr>
+          <p:cNvPr id="22" name="PlaceHolder 2"/>
           <p:cNvSpPr>
             <a:spLocks noGrp="1"/>
           </p:cNvSpPr>
@@ -3150,7 +4490,7 @@
         <p:spPr>
           <a:xfrm>
             <a:off x="504000" y="1326600"/>
-            <a:ext cx="4426920" cy="1568160"/>
+            <a:ext cx="4426560" cy="1568160"/>
           </a:xfrm>
           <a:prstGeom prst="rect">
             <a:avLst/>
@@ -3161,15 +4501,15 @@
             <a:normAutofit/>
           </a:bodyPr>
           <a:p>
-            <a:endParaRPr b="0" lang="en-GB" sz="2400" spc="-1" strike="noStrike">
-              <a:latin typeface="Arial"/>
-            </a:endParaRPr>
-          </a:p>
-        </p:txBody>
-      </p:sp>
-      <p:sp>
-        <p:nvSpPr>
-          <p:cNvPr id="26" name="PlaceHolder 3"/>
+            <a:endParaRPr b="0" lang="en-GB" sz="3200" spc="-1" strike="noStrike">
+              <a:latin typeface="Nimbus Sans"/>
+            </a:endParaRPr>
+          </a:p>
+        </p:txBody>
+      </p:sp>
+      <p:sp>
+        <p:nvSpPr>
+          <p:cNvPr id="23" name="PlaceHolder 3"/>
           <p:cNvSpPr>
             <a:spLocks noGrp="1"/>
           </p:cNvSpPr>
@@ -3179,8 +4519,8 @@
         </p:nvSpPr>
         <p:spPr>
           <a:xfrm>
-            <a:off x="5152680" y="1326600"/>
-            <a:ext cx="4426920" cy="1568160"/>
+            <a:off x="5152320" y="1326600"/>
+            <a:ext cx="4426560" cy="1568160"/>
           </a:xfrm>
           <a:prstGeom prst="rect">
             <a:avLst/>
@@ -3191,15 +4531,15 @@
             <a:normAutofit/>
           </a:bodyPr>
           <a:p>
-            <a:endParaRPr b="0" lang="en-GB" sz="2400" spc="-1" strike="noStrike">
-              <a:latin typeface="Arial"/>
-            </a:endParaRPr>
-          </a:p>
-        </p:txBody>
-      </p:sp>
-      <p:sp>
-        <p:nvSpPr>
-          <p:cNvPr id="27" name="PlaceHolder 4"/>
+            <a:endParaRPr b="0" lang="en-GB" sz="3200" spc="-1" strike="noStrike">
+              <a:latin typeface="Nimbus Sans"/>
+            </a:endParaRPr>
+          </a:p>
+        </p:txBody>
+      </p:sp>
+      <p:sp>
+        <p:nvSpPr>
+          <p:cNvPr id="24" name="PlaceHolder 4"/>
           <p:cNvSpPr>
             <a:spLocks noGrp="1"/>
           </p:cNvSpPr>
@@ -3210,7 +4550,7 @@
         <p:spPr>
           <a:xfrm>
             <a:off x="504000" y="3044160"/>
-            <a:ext cx="9071640" cy="1568160"/>
+            <a:ext cx="9071280" cy="1568160"/>
           </a:xfrm>
           <a:prstGeom prst="rect">
             <a:avLst/>
@@ -3221,8 +4561,8 @@
             <a:normAutofit/>
           </a:bodyPr>
           <a:p>
-            <a:endParaRPr b="0" lang="en-GB" sz="2400" spc="-1" strike="noStrike">
-              <a:latin typeface="Arial"/>
+            <a:endParaRPr b="0" lang="en-GB" sz="3200" spc="-1" strike="noStrike">
+              <a:latin typeface="Nimbus Sans"/>
             </a:endParaRPr>
           </a:p>
         </p:txBody>
@@ -3262,7 +4602,7 @@
         <p:spPr>
           <a:xfrm>
             <a:off x="0" y="4354560"/>
-            <a:ext cx="10079640" cy="1315800"/>
+            <a:ext cx="10079280" cy="1315440"/>
           </a:xfrm>
           <a:prstGeom prst="rect">
             <a:avLst/>
@@ -3274,57 +4614,14 @@
       </p:pic>
       <p:sp>
         <p:nvSpPr>
-          <p:cNvPr id="1" name="PlaceHolder 1"/>
-          <p:cNvSpPr>
-            <a:spLocks noGrp="1"/>
-          </p:cNvSpPr>
-          <p:nvPr>
-            <p:ph type="title"/>
-          </p:nvPr>
-        </p:nvSpPr>
-        <p:spPr>
-          <a:xfrm>
-            <a:off x="0" y="1755720"/>
-            <a:ext cx="9071640" cy="946440"/>
-          </a:xfrm>
-          <a:prstGeom prst="rect">
-            <a:avLst/>
-          </a:prstGeom>
-        </p:spPr>
-        <p:txBody>
-          <a:bodyPr lIns="0" rIns="0" tIns="0" bIns="0" anchor="ctr">
-            <a:noAutofit/>
-          </a:bodyPr>
-          <a:p>
-            <a:pPr algn="ctr"/>
-            <a:r>
-              <a:rPr b="0" lang="en-GB" sz="3110" spc="-1" strike="noStrike">
-                <a:solidFill>
-                  <a:srgbClr val="006699"/>
-                </a:solidFill>
-                <a:latin typeface="Arial"/>
-              </a:rPr>
-              <a:t>Click to edit the title text format</a:t>
-            </a:r>
-            <a:endParaRPr b="0" lang="en-GB" sz="3110" spc="-1" strike="noStrike">
-              <a:solidFill>
-                <a:srgbClr val="006699"/>
-              </a:solidFill>
-              <a:latin typeface="Arial"/>
-            </a:endParaRPr>
-          </a:p>
-        </p:txBody>
-      </p:sp>
-      <p:sp>
-        <p:nvSpPr>
-          <p:cNvPr id="2" name="TextShape 2"/>
-          <p:cNvSpPr txBox="1"/>
+          <p:cNvPr id="1" name="CustomShape 1"/>
+          <p:cNvSpPr/>
           <p:nvPr/>
         </p:nvSpPr>
         <p:spPr>
           <a:xfrm>
             <a:off x="504000" y="3042000"/>
-            <a:ext cx="9071640" cy="2517840"/>
+            <a:ext cx="9071280" cy="2517480"/>
           </a:xfrm>
           <a:prstGeom prst="rect">
             <a:avLst/>
@@ -3334,6 +4631,48 @@
             <a:noFill/>
           </a:ln>
         </p:spPr>
+        <p:style>
+          <a:lnRef idx="0"/>
+          <a:fillRef idx="0"/>
+          <a:effectRef idx="0"/>
+          <a:fontRef idx="minor"/>
+        </p:style>
+      </p:sp>
+      <p:sp>
+        <p:nvSpPr>
+          <p:cNvPr id="2" name="PlaceHolder 2"/>
+          <p:cNvSpPr>
+            <a:spLocks noGrp="1"/>
+          </p:cNvSpPr>
+          <p:nvPr>
+            <p:ph type="title"/>
+          </p:nvPr>
+        </p:nvSpPr>
+        <p:spPr>
+          <a:xfrm>
+            <a:off x="0" y="1755360"/>
+            <a:ext cx="9071280" cy="946800"/>
+          </a:xfrm>
+          <a:prstGeom prst="rect">
+            <a:avLst/>
+          </a:prstGeom>
+        </p:spPr>
+        <p:txBody>
+          <a:bodyPr lIns="0" rIns="0" tIns="0" bIns="0" anchor="ctr">
+            <a:spAutoFit/>
+          </a:bodyPr>
+          <a:p>
+            <a:r>
+              <a:rPr b="0" lang="en-GB" sz="1800" spc="-1" strike="noStrike">
+                <a:latin typeface="Nimbus Sans"/>
+              </a:rPr>
+              <a:t>Click to edit the title text format</a:t>
+            </a:r>
+            <a:endParaRPr b="0" lang="en-GB" sz="1800" spc="-1" strike="noStrike">
+              <a:latin typeface="Nimbus Sans"/>
+            </a:endParaRPr>
+          </a:p>
+        </p:txBody>
       </p:sp>
       <p:sp>
         <p:nvSpPr>
@@ -3342,123 +4681,13 @@
             <a:spLocks noGrp="1"/>
           </p:cNvSpPr>
           <p:nvPr>
-            <p:ph type="dt"/>
-          </p:nvPr>
-        </p:nvSpPr>
-        <p:spPr>
-          <a:xfrm>
-            <a:off x="504000" y="5165280"/>
-            <a:ext cx="2348280" cy="390960"/>
-          </a:xfrm>
-          <a:prstGeom prst="rect">
-            <a:avLst/>
-          </a:prstGeom>
-        </p:spPr>
-        <p:txBody>
-          <a:bodyPr lIns="0" rIns="0" tIns="0" bIns="0">
-            <a:noAutofit/>
-          </a:bodyPr>
-          <a:p>
-            <a:r>
-              <a:rPr b="0" lang="en-GB" sz="1400" spc="-1" strike="noStrike">
-                <a:latin typeface="Nimbus Roman"/>
-              </a:rPr>
-              <a:t>&lt;date/time&gt;</a:t>
-            </a:r>
-            <a:endParaRPr b="0" lang="en-GB" sz="1400" spc="-1" strike="noStrike">
-              <a:latin typeface="Nimbus Roman"/>
-            </a:endParaRPr>
-          </a:p>
-        </p:txBody>
-      </p:sp>
-      <p:sp>
-        <p:nvSpPr>
-          <p:cNvPr id="4" name="PlaceHolder 4"/>
-          <p:cNvSpPr>
-            <a:spLocks noGrp="1"/>
-          </p:cNvSpPr>
-          <p:nvPr>
-            <p:ph type="ftr"/>
-          </p:nvPr>
-        </p:nvSpPr>
-        <p:spPr>
-          <a:xfrm>
-            <a:off x="3447360" y="5165280"/>
-            <a:ext cx="3195000" cy="390960"/>
-          </a:xfrm>
-          <a:prstGeom prst="rect">
-            <a:avLst/>
-          </a:prstGeom>
-        </p:spPr>
-        <p:txBody>
-          <a:bodyPr lIns="0" rIns="0" tIns="0" bIns="0">
-            <a:noAutofit/>
-          </a:bodyPr>
-          <a:p>
-            <a:pPr algn="ctr"/>
-            <a:r>
-              <a:rPr b="0" lang="en-GB" sz="1400" spc="-1" strike="noStrike">
-                <a:latin typeface="Nimbus Roman"/>
-              </a:rPr>
-              <a:t>&lt;footer&gt;</a:t>
-            </a:r>
-            <a:endParaRPr b="0" lang="en-GB" sz="1400" spc="-1" strike="noStrike">
-              <a:latin typeface="Nimbus Roman"/>
-            </a:endParaRPr>
-          </a:p>
-        </p:txBody>
-      </p:sp>
-      <p:sp>
-        <p:nvSpPr>
-          <p:cNvPr id="5" name="PlaceHolder 5"/>
-          <p:cNvSpPr>
-            <a:spLocks noGrp="1"/>
-          </p:cNvSpPr>
-          <p:nvPr>
-            <p:ph type="sldNum"/>
-          </p:nvPr>
-        </p:nvSpPr>
-        <p:spPr>
-          <a:xfrm>
-            <a:off x="7227360" y="5165280"/>
-            <a:ext cx="2348280" cy="390960"/>
-          </a:xfrm>
-          <a:prstGeom prst="rect">
-            <a:avLst/>
-          </a:prstGeom>
-        </p:spPr>
-        <p:txBody>
-          <a:bodyPr lIns="0" rIns="0" tIns="0" bIns="0">
-            <a:noAutofit/>
-          </a:bodyPr>
-          <a:p>
-            <a:pPr algn="r"/>
-            <a:fld id="{3B885B74-1B4B-4890-B0F8-992F5459E039}" type="slidenum">
-              <a:rPr b="0" lang="en-GB" sz="1400" spc="-1" strike="noStrike">
-                <a:latin typeface="Nimbus Roman"/>
-              </a:rPr>
-              <a:t>&lt;number&gt;</a:t>
-            </a:fld>
-            <a:endParaRPr b="0" lang="en-GB" sz="1400" spc="-1" strike="noStrike">
-              <a:latin typeface="Nimbus Roman"/>
-            </a:endParaRPr>
-          </a:p>
-        </p:txBody>
-      </p:sp>
-      <p:sp>
-        <p:nvSpPr>
-          <p:cNvPr id="6" name="PlaceHolder 6"/>
-          <p:cNvSpPr>
-            <a:spLocks noGrp="1"/>
-          </p:cNvSpPr>
-          <p:nvPr>
             <p:ph type="body"/>
           </p:nvPr>
         </p:nvSpPr>
         <p:spPr>
           <a:xfrm>
             <a:off x="504000" y="1326600"/>
-            <a:ext cx="9071640" cy="3288240"/>
+            <a:ext cx="9072000" cy="3288600"/>
           </a:xfrm>
           <a:prstGeom prst="rect">
             <a:avLst/>
@@ -3471,7 +4700,51 @@
           <a:p>
             <a:pPr marL="432000" indent="-324000">
               <a:spcBef>
-                <a:spcPts val="1060"/>
+                <a:spcPts val="1417"/>
+              </a:spcBef>
+              <a:buClr>
+                <a:srgbClr val="000000"/>
+              </a:buClr>
+              <a:buSzPct val="45000"/>
+              <a:buFont typeface="Wingdings" charset="2"/>
+              <a:buChar char=""/>
+            </a:pPr>
+            <a:r>
+              <a:rPr b="0" lang="en-GB" sz="3200" spc="-1" strike="noStrike">
+                <a:latin typeface="Nimbus Sans"/>
+              </a:rPr>
+              <a:t>Click to edit the outline text format</a:t>
+            </a:r>
+            <a:endParaRPr b="0" lang="en-GB" sz="3200" spc="-1" strike="noStrike">
+              <a:latin typeface="Nimbus Sans"/>
+            </a:endParaRPr>
+          </a:p>
+          <a:p>
+            <a:pPr lvl="1" marL="864000" indent="-324000">
+              <a:spcBef>
+                <a:spcPts val="1134"/>
+              </a:spcBef>
+              <a:buClr>
+                <a:srgbClr val="000000"/>
+              </a:buClr>
+              <a:buSzPct val="75000"/>
+              <a:buFont typeface="Symbol" charset="2"/>
+              <a:buChar char=""/>
+            </a:pPr>
+            <a:r>
+              <a:rPr b="0" lang="en-GB" sz="2800" spc="-1" strike="noStrike">
+                <a:latin typeface="Nimbus Sans"/>
+              </a:rPr>
+              <a:t>Second Outline Level</a:t>
+            </a:r>
+            <a:endParaRPr b="0" lang="en-GB" sz="2800" spc="-1" strike="noStrike">
+              <a:latin typeface="Nimbus Sans"/>
+            </a:endParaRPr>
+          </a:p>
+          <a:p>
+            <a:pPr lvl="2" marL="1296000" indent="-288000">
+              <a:spcBef>
+                <a:spcPts val="850"/>
               </a:spcBef>
               <a:buClr>
                 <a:srgbClr val="000000"/>
@@ -3482,18 +4755,18 @@
             </a:pPr>
             <a:r>
               <a:rPr b="0" lang="en-GB" sz="2400" spc="-1" strike="noStrike">
-                <a:latin typeface="Arial"/>
+                <a:latin typeface="Nimbus Sans"/>
               </a:rPr>
-              <a:t>Click to edit the outline text format</a:t>
+              <a:t>Third Outline Level</a:t>
             </a:r>
             <a:endParaRPr b="0" lang="en-GB" sz="2400" spc="-1" strike="noStrike">
-              <a:latin typeface="Arial"/>
-            </a:endParaRPr>
-          </a:p>
-          <a:p>
-            <a:pPr lvl="1" marL="864000" indent="-324000">
+              <a:latin typeface="Nimbus Sans"/>
+            </a:endParaRPr>
+          </a:p>
+          <a:p>
+            <a:pPr lvl="3" marL="1728000" indent="-216000">
               <a:spcBef>
-                <a:spcPts val="850"/>
+                <a:spcPts val="567"/>
               </a:spcBef>
               <a:buClr>
                 <a:srgbClr val="000000"/>
@@ -3503,19 +4776,19 @@
               <a:buChar char=""/>
             </a:pPr>
             <a:r>
-              <a:rPr b="0" lang="en-GB" sz="2100" spc="-1" strike="noStrike">
-                <a:latin typeface="Arial"/>
+              <a:rPr b="0" lang="en-GB" sz="2000" spc="-1" strike="noStrike">
+                <a:latin typeface="Nimbus Sans"/>
               </a:rPr>
-              <a:t>Second Outline Level</a:t>
+              <a:t>Fourth Outline Level</a:t>
             </a:r>
-            <a:endParaRPr b="0" lang="en-GB" sz="2100" spc="-1" strike="noStrike">
-              <a:latin typeface="Arial"/>
-            </a:endParaRPr>
-          </a:p>
-          <a:p>
-            <a:pPr lvl="2" marL="1296000" indent="-288000">
+            <a:endParaRPr b="0" lang="en-GB" sz="2000" spc="-1" strike="noStrike">
+              <a:latin typeface="Nimbus Sans"/>
+            </a:endParaRPr>
+          </a:p>
+          <a:p>
+            <a:pPr lvl="4" marL="2160000" indent="-216000">
               <a:spcBef>
-                <a:spcPts val="635"/>
+                <a:spcPts val="283"/>
               </a:spcBef>
               <a:buClr>
                 <a:srgbClr val="000000"/>
@@ -3525,41 +4798,19 @@
               <a:buChar char=""/>
             </a:pPr>
             <a:r>
-              <a:rPr b="0" lang="en-GB" sz="1800" spc="-1" strike="noStrike">
-                <a:latin typeface="Arial"/>
+              <a:rPr b="0" lang="en-GB" sz="2000" spc="-1" strike="noStrike">
+                <a:latin typeface="Nimbus Sans"/>
               </a:rPr>
-              <a:t>Third Outline Level</a:t>
+              <a:t>Fifth Outline Level</a:t>
             </a:r>
-            <a:endParaRPr b="0" lang="en-GB" sz="1800" spc="-1" strike="noStrike">
-              <a:latin typeface="Arial"/>
-            </a:endParaRPr>
-          </a:p>
-          <a:p>
-            <a:pPr lvl="3" marL="1728000" indent="-216000">
+            <a:endParaRPr b="0" lang="en-GB" sz="2000" spc="-1" strike="noStrike">
+              <a:latin typeface="Nimbus Sans"/>
+            </a:endParaRPr>
+          </a:p>
+          <a:p>
+            <a:pPr lvl="5" marL="2592000" indent="-216000">
               <a:spcBef>
-                <a:spcPts val="422"/>
-              </a:spcBef>
-              <a:buClr>
-                <a:srgbClr val="000000"/>
-              </a:buClr>
-              <a:buSzPct val="75000"/>
-              <a:buFont typeface="Symbol" charset="2"/>
-              <a:buChar char=""/>
-            </a:pPr>
-            <a:r>
-              <a:rPr b="0" lang="en-GB" sz="1500" spc="-1" strike="noStrike">
-                <a:latin typeface="Arial"/>
-              </a:rPr>
-              <a:t>Fourth Outline Level</a:t>
-            </a:r>
-            <a:endParaRPr b="0" lang="en-GB" sz="1500" spc="-1" strike="noStrike">
-              <a:latin typeface="Arial"/>
-            </a:endParaRPr>
-          </a:p>
-          <a:p>
-            <a:pPr lvl="4" marL="2160000" indent="-216000">
-              <a:spcBef>
-                <a:spcPts val="210"/>
+                <a:spcPts val="283"/>
               </a:spcBef>
               <a:buClr>
                 <a:srgbClr val="000000"/>
@@ -3569,19 +4820,19 @@
               <a:buChar char=""/>
             </a:pPr>
             <a:r>
-              <a:rPr b="0" lang="en-GB" sz="1500" spc="-1" strike="noStrike">
-                <a:latin typeface="Arial"/>
+              <a:rPr b="0" lang="en-GB" sz="2000" spc="-1" strike="noStrike">
+                <a:latin typeface="Nimbus Sans"/>
               </a:rPr>
-              <a:t>Fifth Outline Level</a:t>
+              <a:t>Sixth Outline Level</a:t>
             </a:r>
-            <a:endParaRPr b="0" lang="en-GB" sz="1500" spc="-1" strike="noStrike">
-              <a:latin typeface="Arial"/>
-            </a:endParaRPr>
-          </a:p>
-          <a:p>
-            <a:pPr lvl="5" marL="2592000" indent="-216000">
+            <a:endParaRPr b="0" lang="en-GB" sz="2000" spc="-1" strike="noStrike">
+              <a:latin typeface="Nimbus Sans"/>
+            </a:endParaRPr>
+          </a:p>
+          <a:p>
+            <a:pPr lvl="6" marL="3024000" indent="-216000">
               <a:spcBef>
-                <a:spcPts val="210"/>
+                <a:spcPts val="283"/>
               </a:spcBef>
               <a:buClr>
                 <a:srgbClr val="000000"/>
@@ -3591,35 +4842,13 @@
               <a:buChar char=""/>
             </a:pPr>
             <a:r>
-              <a:rPr b="0" lang="en-GB" sz="1500" spc="-1" strike="noStrike">
-                <a:latin typeface="Arial"/>
-              </a:rPr>
-              <a:t>Sixth Outline Level</a:t>
-            </a:r>
-            <a:endParaRPr b="0" lang="en-GB" sz="1500" spc="-1" strike="noStrike">
-              <a:latin typeface="Arial"/>
-            </a:endParaRPr>
-          </a:p>
-          <a:p>
-            <a:pPr lvl="6" marL="3024000" indent="-216000">
-              <a:spcBef>
-                <a:spcPts val="210"/>
-              </a:spcBef>
-              <a:buClr>
-                <a:srgbClr val="000000"/>
-              </a:buClr>
-              <a:buSzPct val="45000"/>
-              <a:buFont typeface="Wingdings" charset="2"/>
-              <a:buChar char=""/>
-            </a:pPr>
-            <a:r>
-              <a:rPr b="0" lang="en-GB" sz="1500" spc="-1" strike="noStrike">
-                <a:latin typeface="Arial"/>
+              <a:rPr b="0" lang="en-GB" sz="2000" spc="-1" strike="noStrike">
+                <a:latin typeface="Nimbus Sans"/>
               </a:rPr>
               <a:t>Seventh Outline Level</a:t>
             </a:r>
-            <a:endParaRPr b="0" lang="en-GB" sz="1500" spc="-1" strike="noStrike">
-              <a:latin typeface="Arial"/>
+            <a:endParaRPr b="0" lang="en-GB" sz="2000" spc="-1" strike="noStrike">
+              <a:latin typeface="Nimbus Sans"/>
             </a:endParaRPr>
           </a:p>
         </p:txBody>
@@ -3661,9 +4890,58 @@
           <a:chExt cx="0" cy="0"/>
         </a:xfrm>
       </p:grpSpPr>
-      <p:sp>
-        <p:nvSpPr>
-          <p:cNvPr id="43" name="PlaceHolder 1"/>
+      <p:pic>
+        <p:nvPicPr>
+          <p:cNvPr id="40" name="" descr=""/>
+          <p:cNvPicPr/>
+          <p:nvPr/>
+        </p:nvPicPr>
+        <p:blipFill>
+          <a:blip r:embed="rId2"/>
+          <a:stretch/>
+        </p:blipFill>
+        <p:spPr>
+          <a:xfrm>
+            <a:off x="0" y="4354560"/>
+            <a:ext cx="10079280" cy="1315440"/>
+          </a:xfrm>
+          <a:prstGeom prst="rect">
+            <a:avLst/>
+          </a:prstGeom>
+          <a:ln>
+            <a:noFill/>
+          </a:ln>
+        </p:spPr>
+      </p:pic>
+      <p:sp>
+        <p:nvSpPr>
+          <p:cNvPr id="41" name="CustomShape 1"/>
+          <p:cNvSpPr/>
+          <p:nvPr/>
+        </p:nvSpPr>
+        <p:spPr>
+          <a:xfrm>
+            <a:off x="504000" y="3042000"/>
+            <a:ext cx="9071280" cy="2517480"/>
+          </a:xfrm>
+          <a:prstGeom prst="rect">
+            <a:avLst/>
+          </a:prstGeom>
+          <a:noFill/>
+          <a:ln>
+            <a:noFill/>
+          </a:ln>
+        </p:spPr>
+        <p:style>
+          <a:lnRef idx="0"/>
+          <a:fillRef idx="0"/>
+          <a:effectRef idx="0"/>
+          <a:fontRef idx="minor"/>
+        </p:style>
+      </p:sp>
+      <p:sp>
+        <p:nvSpPr>
+          <p:cNvPr id="42" name="PlaceHolder 2"/>
           <p:cNvSpPr>
             <a:spLocks noGrp="1"/>
           </p:cNvSpPr>
@@ -3673,8 +4951,8 @@
         </p:nvSpPr>
         <p:spPr>
           <a:xfrm>
-            <a:off x="504000" y="226080"/>
-            <a:ext cx="9071640" cy="946440"/>
+            <a:off x="0" y="1755360"/>
+            <a:ext cx="9071280" cy="946800"/>
           </a:xfrm>
           <a:prstGeom prst="rect">
             <a:avLst/>
@@ -3682,25 +4960,24 @@
         </p:spPr>
         <p:txBody>
           <a:bodyPr lIns="0" rIns="0" tIns="0" bIns="0" anchor="ctr">
-            <a:noAutofit/>
-          </a:bodyPr>
-          <a:p>
-            <a:pPr algn="ctr"/>
+            <a:spAutoFit/>
+          </a:bodyPr>
+          <a:p>
             <a:r>
-              <a:rPr b="0" lang="en-GB" sz="4400" spc="-1" strike="noStrike">
+              <a:rPr b="0" lang="en-GB" sz="1800" spc="-1" strike="noStrike">
                 <a:latin typeface="Nimbus Sans"/>
               </a:rPr>
               <a:t>Click to edit the title text format</a:t>
             </a:r>
-            <a:endParaRPr b="0" lang="en-GB" sz="4400" spc="-1" strike="noStrike">
-              <a:latin typeface="Nimbus Sans"/>
-            </a:endParaRPr>
-          </a:p>
-        </p:txBody>
-      </p:sp>
-      <p:sp>
-        <p:nvSpPr>
-          <p:cNvPr id="44" name="PlaceHolder 2"/>
+            <a:endParaRPr b="0" lang="en-GB" sz="1800" spc="-1" strike="noStrike">
+              <a:latin typeface="Nimbus Sans"/>
+            </a:endParaRPr>
+          </a:p>
+        </p:txBody>
+      </p:sp>
+      <p:sp>
+        <p:nvSpPr>
+          <p:cNvPr id="43" name="PlaceHolder 3"/>
           <p:cNvSpPr>
             <a:spLocks noGrp="1"/>
           </p:cNvSpPr>
@@ -3711,7 +4988,7 @@
         <p:spPr>
           <a:xfrm>
             <a:off x="504000" y="1326600"/>
-            <a:ext cx="9071640" cy="3288240"/>
+            <a:ext cx="9071280" cy="3287880"/>
           </a:xfrm>
           <a:prstGeom prst="rect">
             <a:avLst/>
@@ -3734,12 +5011,12 @@
               <a:buChar char=""/>
             </a:pPr>
             <a:r>
-              <a:rPr b="0" lang="en-GB" sz="3200" spc="-1" strike="noStrike">
+              <a:rPr b="0" lang="en-GB" sz="1800" spc="-1" strike="noStrike">
                 <a:latin typeface="Nimbus Sans"/>
               </a:rPr>
               <a:t>Click to edit the outline text format</a:t>
             </a:r>
-            <a:endParaRPr b="0" lang="en-GB" sz="3200" spc="-1" strike="noStrike">
+            <a:endParaRPr b="0" lang="en-GB" sz="1800" spc="-1" strike="noStrike">
               <a:latin typeface="Nimbus Sans"/>
             </a:endParaRPr>
           </a:p>
@@ -3756,12 +5033,12 @@
               <a:buChar char=""/>
             </a:pPr>
             <a:r>
-              <a:rPr b="0" lang="en-GB" sz="2800" spc="-1" strike="noStrike">
+              <a:rPr b="0" lang="en-GB" sz="1800" spc="-1" strike="noStrike">
                 <a:latin typeface="Nimbus Sans"/>
               </a:rPr>
               <a:t>Second Outline Level</a:t>
             </a:r>
-            <a:endParaRPr b="0" lang="en-GB" sz="2800" spc="-1" strike="noStrike">
+            <a:endParaRPr b="0" lang="en-GB" sz="1800" spc="-1" strike="noStrike">
               <a:latin typeface="Nimbus Sans"/>
             </a:endParaRPr>
           </a:p>
@@ -3778,12 +5055,12 @@
               <a:buChar char=""/>
             </a:pPr>
             <a:r>
-              <a:rPr b="0" lang="en-GB" sz="2400" spc="-1" strike="noStrike">
+              <a:rPr b="0" lang="en-GB" sz="1800" spc="-1" strike="noStrike">
                 <a:latin typeface="Nimbus Sans"/>
               </a:rPr>
               <a:t>Third Outline Level</a:t>
             </a:r>
-            <a:endParaRPr b="0" lang="en-GB" sz="2400" spc="-1" strike="noStrike">
+            <a:endParaRPr b="0" lang="en-GB" sz="1800" spc="-1" strike="noStrike">
               <a:latin typeface="Nimbus Sans"/>
             </a:endParaRPr>
           </a:p>
@@ -3800,12 +5077,12 @@
               <a:buChar char=""/>
             </a:pPr>
             <a:r>
-              <a:rPr b="0" lang="en-GB" sz="2000" spc="-1" strike="noStrike">
+              <a:rPr b="0" lang="en-GB" sz="1800" spc="-1" strike="noStrike">
                 <a:latin typeface="Nimbus Sans"/>
               </a:rPr>
               <a:t>Fourth Outline Level</a:t>
             </a:r>
-            <a:endParaRPr b="0" lang="en-GB" sz="2000" spc="-1" strike="noStrike">
+            <a:endParaRPr b="0" lang="en-GB" sz="1800" spc="-1" strike="noStrike">
               <a:latin typeface="Nimbus Sans"/>
             </a:endParaRPr>
           </a:p>
@@ -3822,12 +5099,12 @@
               <a:buChar char=""/>
             </a:pPr>
             <a:r>
-              <a:rPr b="0" lang="en-GB" sz="2000" spc="-1" strike="noStrike">
+              <a:rPr b="0" lang="en-GB" sz="1800" spc="-1" strike="noStrike">
                 <a:latin typeface="Nimbus Sans"/>
               </a:rPr>
               <a:t>Fifth Outline Level</a:t>
             </a:r>
-            <a:endParaRPr b="0" lang="en-GB" sz="2000" spc="-1" strike="noStrike">
+            <a:endParaRPr b="0" lang="en-GB" sz="1800" spc="-1" strike="noStrike">
               <a:latin typeface="Nimbus Sans"/>
             </a:endParaRPr>
           </a:p>
@@ -3844,12 +5121,12 @@
               <a:buChar char=""/>
             </a:pPr>
             <a:r>
-              <a:rPr b="0" lang="en-GB" sz="2000" spc="-1" strike="noStrike">
+              <a:rPr b="0" lang="en-GB" sz="1800" spc="-1" strike="noStrike">
                 <a:latin typeface="Nimbus Sans"/>
               </a:rPr>
               <a:t>Sixth Outline Level</a:t>
             </a:r>
-            <a:endParaRPr b="0" lang="en-GB" sz="2000" spc="-1" strike="noStrike">
+            <a:endParaRPr b="0" lang="en-GB" sz="1800" spc="-1" strike="noStrike">
               <a:latin typeface="Nimbus Sans"/>
             </a:endParaRPr>
           </a:p>
@@ -3866,123 +5143,13 @@
               <a:buChar char=""/>
             </a:pPr>
             <a:r>
-              <a:rPr b="0" lang="en-GB" sz="2000" spc="-1" strike="noStrike">
+              <a:rPr b="0" lang="en-GB" sz="1800" spc="-1" strike="noStrike">
                 <a:latin typeface="Nimbus Sans"/>
               </a:rPr>
               <a:t>Seventh Outline Level</a:t>
             </a:r>
-            <a:endParaRPr b="0" lang="en-GB" sz="2000" spc="-1" strike="noStrike">
-              <a:latin typeface="Nimbus Sans"/>
-            </a:endParaRPr>
-          </a:p>
-        </p:txBody>
-      </p:sp>
-      <p:sp>
-        <p:nvSpPr>
-          <p:cNvPr id="45" name="PlaceHolder 3"/>
-          <p:cNvSpPr>
-            <a:spLocks noGrp="1"/>
-          </p:cNvSpPr>
-          <p:nvPr>
-            <p:ph type="dt"/>
-          </p:nvPr>
-        </p:nvSpPr>
-        <p:spPr>
-          <a:xfrm>
-            <a:off x="504000" y="5165280"/>
-            <a:ext cx="2348280" cy="390600"/>
-          </a:xfrm>
-          <a:prstGeom prst="rect">
-            <a:avLst/>
-          </a:prstGeom>
-        </p:spPr>
-        <p:txBody>
-          <a:bodyPr lIns="0" rIns="0" tIns="0" bIns="0">
-            <a:noAutofit/>
-          </a:bodyPr>
-          <a:p>
-            <a:r>
-              <a:rPr b="0" lang="en-GB" sz="1400" spc="-1" strike="noStrike">
-                <a:latin typeface="Nimbus Roman"/>
-              </a:rPr>
-              <a:t>&lt;date/time&gt;</a:t>
-            </a:r>
-            <a:endParaRPr b="0" lang="en-GB" sz="1400" spc="-1" strike="noStrike">
-              <a:latin typeface="Nimbus Roman"/>
-            </a:endParaRPr>
-          </a:p>
-        </p:txBody>
-      </p:sp>
-      <p:sp>
-        <p:nvSpPr>
-          <p:cNvPr id="46" name="PlaceHolder 4"/>
-          <p:cNvSpPr>
-            <a:spLocks noGrp="1"/>
-          </p:cNvSpPr>
-          <p:nvPr>
-            <p:ph type="ftr"/>
-          </p:nvPr>
-        </p:nvSpPr>
-        <p:spPr>
-          <a:xfrm>
-            <a:off x="3447360" y="5165280"/>
-            <a:ext cx="3195000" cy="390600"/>
-          </a:xfrm>
-          <a:prstGeom prst="rect">
-            <a:avLst/>
-          </a:prstGeom>
-        </p:spPr>
-        <p:txBody>
-          <a:bodyPr lIns="0" rIns="0" tIns="0" bIns="0">
-            <a:noAutofit/>
-          </a:bodyPr>
-          <a:p>
-            <a:pPr algn="ctr"/>
-            <a:r>
-              <a:rPr b="0" lang="en-GB" sz="1400" spc="-1" strike="noStrike">
-                <a:latin typeface="Nimbus Roman"/>
-              </a:rPr>
-              <a:t>&lt;footer&gt;</a:t>
-            </a:r>
-            <a:endParaRPr b="0" lang="en-GB" sz="1400" spc="-1" strike="noStrike">
-              <a:latin typeface="Nimbus Roman"/>
-            </a:endParaRPr>
-          </a:p>
-        </p:txBody>
-      </p:sp>
-      <p:sp>
-        <p:nvSpPr>
-          <p:cNvPr id="47" name="PlaceHolder 5"/>
-          <p:cNvSpPr>
-            <a:spLocks noGrp="1"/>
-          </p:cNvSpPr>
-          <p:nvPr>
-            <p:ph type="sldNum"/>
-          </p:nvPr>
-        </p:nvSpPr>
-        <p:spPr>
-          <a:xfrm>
-            <a:off x="7227360" y="5165280"/>
-            <a:ext cx="2348280" cy="390600"/>
-          </a:xfrm>
-          <a:prstGeom prst="rect">
-            <a:avLst/>
-          </a:prstGeom>
-        </p:spPr>
-        <p:txBody>
-          <a:bodyPr lIns="0" rIns="0" tIns="0" bIns="0">
-            <a:noAutofit/>
-          </a:bodyPr>
-          <a:p>
-            <a:pPr algn="r"/>
-            <a:fld id="{96D17AA5-83E1-4524-8910-F751A1FADB15}" type="slidenum">
-              <a:rPr b="0" lang="en-GB" sz="1400" spc="-1" strike="noStrike">
-                <a:latin typeface="Nimbus Roman"/>
-              </a:rPr>
-              <a:t>&lt;number&gt;</a:t>
-            </a:fld>
-            <a:endParaRPr b="0" lang="en-GB" sz="1400" spc="-1" strike="noStrike">
-              <a:latin typeface="Nimbus Roman"/>
+            <a:endParaRPr b="0" lang="en-GB" sz="1800" spc="-1" strike="noStrike">
+              <a:latin typeface="Nimbus Sans"/>
             </a:endParaRPr>
           </a:p>
         </p:txBody>
@@ -3991,18 +5158,498 @@
   </p:cSld>
   <p:clrMap bg1="lt1" bg2="lt2" tx1="dk1" tx2="dk2" accent1="accent1" accent2="accent2" accent3="accent3" accent4="accent4" accent5="accent5" accent6="accent6" hlink="hlink" folHlink="folHlink"/>
   <p:sldLayoutIdLst>
-    <p:sldLayoutId id="2147483662" r:id="rId2"/>
-    <p:sldLayoutId id="2147483663" r:id="rId3"/>
-    <p:sldLayoutId id="2147483664" r:id="rId4"/>
-    <p:sldLayoutId id="2147483665" r:id="rId5"/>
-    <p:sldLayoutId id="2147483666" r:id="rId6"/>
-    <p:sldLayoutId id="2147483667" r:id="rId7"/>
-    <p:sldLayoutId id="2147483668" r:id="rId8"/>
-    <p:sldLayoutId id="2147483669" r:id="rId9"/>
-    <p:sldLayoutId id="2147483670" r:id="rId10"/>
-    <p:sldLayoutId id="2147483671" r:id="rId11"/>
-    <p:sldLayoutId id="2147483672" r:id="rId12"/>
-    <p:sldLayoutId id="2147483673" r:id="rId13"/>
+    <p:sldLayoutId id="2147483662" r:id="rId3"/>
+    <p:sldLayoutId id="2147483663" r:id="rId4"/>
+    <p:sldLayoutId id="2147483664" r:id="rId5"/>
+    <p:sldLayoutId id="2147483665" r:id="rId6"/>
+    <p:sldLayoutId id="2147483666" r:id="rId7"/>
+    <p:sldLayoutId id="2147483667" r:id="rId8"/>
+    <p:sldLayoutId id="2147483668" r:id="rId9"/>
+    <p:sldLayoutId id="2147483669" r:id="rId10"/>
+    <p:sldLayoutId id="2147483670" r:id="rId11"/>
+    <p:sldLayoutId id="2147483671" r:id="rId12"/>
+    <p:sldLayoutId id="2147483672" r:id="rId13"/>
+    <p:sldLayoutId id="2147483673" r:id="rId14"/>
+  </p:sldLayoutIdLst>
+</p:sldMaster>
+</file>
+
+<file path=ppt/slideMasters/slideMaster3.xml><?xml version="1.0" encoding="utf-8"?>
+<p:sldMaster xmlns:a="http://schemas.openxmlformats.org/drawingml/2006/main" xmlns:p="http://schemas.openxmlformats.org/presentationml/2006/main" xmlns:r="http://schemas.openxmlformats.org/officeDocument/2006/relationships" xmlns:p14="http://schemas.microsoft.com/office/powerpoint/2010/main" xmlns:p15="http://schemas.microsoft.com/office/powerpoint/2012/main" xmlns:mc="http://schemas.openxmlformats.org/markup-compatibility/2006">
+  <p:cSld>
+    <p:spTree>
+      <p:nvGrpSpPr>
+        <p:cNvPr id="1" name=""/>
+        <p:cNvGrpSpPr/>
+        <p:nvPr/>
+      </p:nvGrpSpPr>
+      <p:grpSpPr>
+        <a:xfrm>
+          <a:off x="0" y="0"/>
+          <a:ext cx="0" cy="0"/>
+          <a:chOff x="0" y="0"/>
+          <a:chExt cx="0" cy="0"/>
+        </a:xfrm>
+      </p:grpSpPr>
+      <p:pic>
+        <p:nvPicPr>
+          <p:cNvPr id="80" name="" descr=""/>
+          <p:cNvPicPr/>
+          <p:nvPr/>
+        </p:nvPicPr>
+        <p:blipFill>
+          <a:blip r:embed="rId2"/>
+          <a:stretch/>
+        </p:blipFill>
+        <p:spPr>
+          <a:xfrm>
+            <a:off x="0" y="4354560"/>
+            <a:ext cx="10079280" cy="1315440"/>
+          </a:xfrm>
+          <a:prstGeom prst="rect">
+            <a:avLst/>
+          </a:prstGeom>
+          <a:ln>
+            <a:noFill/>
+          </a:ln>
+        </p:spPr>
+      </p:pic>
+      <p:sp>
+        <p:nvSpPr>
+          <p:cNvPr id="81" name="CustomShape 1"/>
+          <p:cNvSpPr/>
+          <p:nvPr/>
+        </p:nvSpPr>
+        <p:spPr>
+          <a:xfrm>
+            <a:off x="504000" y="3042000"/>
+            <a:ext cx="9071280" cy="2517480"/>
+          </a:xfrm>
+          <a:prstGeom prst="rect">
+            <a:avLst/>
+          </a:prstGeom>
+          <a:noFill/>
+          <a:ln>
+            <a:noFill/>
+          </a:ln>
+        </p:spPr>
+        <p:style>
+          <a:lnRef idx="0"/>
+          <a:fillRef idx="0"/>
+          <a:effectRef idx="0"/>
+          <a:fontRef idx="minor"/>
+        </p:style>
+      </p:sp>
+      <p:sp>
+        <p:nvSpPr>
+          <p:cNvPr id="82" name="PlaceHolder 2"/>
+          <p:cNvSpPr>
+            <a:spLocks noGrp="1"/>
+          </p:cNvSpPr>
+          <p:nvPr>
+            <p:ph type="title"/>
+          </p:nvPr>
+        </p:nvSpPr>
+        <p:spPr>
+          <a:xfrm>
+            <a:off x="0" y="1755360"/>
+            <a:ext cx="9071280" cy="946800"/>
+          </a:xfrm>
+          <a:prstGeom prst="rect">
+            <a:avLst/>
+          </a:prstGeom>
+        </p:spPr>
+        <p:txBody>
+          <a:bodyPr lIns="0" rIns="0" tIns="0" bIns="0" anchor="ctr">
+            <a:spAutoFit/>
+          </a:bodyPr>
+          <a:p>
+            <a:r>
+              <a:rPr b="0" lang="en-GB" sz="1800" spc="-1" strike="noStrike">
+                <a:latin typeface="Nimbus Sans"/>
+              </a:rPr>
+              <a:t>Click to edit the title text format</a:t>
+            </a:r>
+            <a:endParaRPr b="0" lang="en-GB" sz="1800" spc="-1" strike="noStrike">
+              <a:latin typeface="Nimbus Sans"/>
+            </a:endParaRPr>
+          </a:p>
+        </p:txBody>
+      </p:sp>
+      <p:sp>
+        <p:nvSpPr>
+          <p:cNvPr id="83" name="PlaceHolder 3"/>
+          <p:cNvSpPr>
+            <a:spLocks noGrp="1"/>
+          </p:cNvSpPr>
+          <p:nvPr>
+            <p:ph type="body"/>
+          </p:nvPr>
+        </p:nvSpPr>
+        <p:spPr>
+          <a:xfrm>
+            <a:off x="504000" y="1326600"/>
+            <a:ext cx="4426560" cy="3287880"/>
+          </a:xfrm>
+          <a:prstGeom prst="rect">
+            <a:avLst/>
+          </a:prstGeom>
+        </p:spPr>
+        <p:txBody>
+          <a:bodyPr lIns="0" rIns="0" tIns="0" bIns="0">
+            <a:normAutofit/>
+          </a:bodyPr>
+          <a:p>
+            <a:pPr marL="432000" indent="-324000">
+              <a:spcBef>
+                <a:spcPts val="1417"/>
+              </a:spcBef>
+              <a:buClr>
+                <a:srgbClr val="000000"/>
+              </a:buClr>
+              <a:buSzPct val="45000"/>
+              <a:buFont typeface="Wingdings" charset="2"/>
+              <a:buChar char=""/>
+            </a:pPr>
+            <a:r>
+              <a:rPr b="0" lang="en-GB" sz="1800" spc="-1" strike="noStrike">
+                <a:latin typeface="Nimbus Sans"/>
+              </a:rPr>
+              <a:t>Click to edit the outline text format</a:t>
+            </a:r>
+            <a:endParaRPr b="0" lang="en-GB" sz="1800" spc="-1" strike="noStrike">
+              <a:latin typeface="Nimbus Sans"/>
+            </a:endParaRPr>
+          </a:p>
+          <a:p>
+            <a:pPr lvl="1" marL="864000" indent="-324000">
+              <a:spcBef>
+                <a:spcPts val="1134"/>
+              </a:spcBef>
+              <a:buClr>
+                <a:srgbClr val="000000"/>
+              </a:buClr>
+              <a:buSzPct val="75000"/>
+              <a:buFont typeface="Symbol" charset="2"/>
+              <a:buChar char=""/>
+            </a:pPr>
+            <a:r>
+              <a:rPr b="0" lang="en-GB" sz="1800" spc="-1" strike="noStrike">
+                <a:latin typeface="Nimbus Sans"/>
+              </a:rPr>
+              <a:t>Second Outline Level</a:t>
+            </a:r>
+            <a:endParaRPr b="0" lang="en-GB" sz="1800" spc="-1" strike="noStrike">
+              <a:latin typeface="Nimbus Sans"/>
+            </a:endParaRPr>
+          </a:p>
+          <a:p>
+            <a:pPr lvl="2" marL="1296000" indent="-288000">
+              <a:spcBef>
+                <a:spcPts val="850"/>
+              </a:spcBef>
+              <a:buClr>
+                <a:srgbClr val="000000"/>
+              </a:buClr>
+              <a:buSzPct val="45000"/>
+              <a:buFont typeface="Wingdings" charset="2"/>
+              <a:buChar char=""/>
+            </a:pPr>
+            <a:r>
+              <a:rPr b="0" lang="en-GB" sz="1800" spc="-1" strike="noStrike">
+                <a:latin typeface="Nimbus Sans"/>
+              </a:rPr>
+              <a:t>Third Outline Level</a:t>
+            </a:r>
+            <a:endParaRPr b="0" lang="en-GB" sz="1800" spc="-1" strike="noStrike">
+              <a:latin typeface="Nimbus Sans"/>
+            </a:endParaRPr>
+          </a:p>
+          <a:p>
+            <a:pPr lvl="3" marL="1728000" indent="-216000">
+              <a:spcBef>
+                <a:spcPts val="567"/>
+              </a:spcBef>
+              <a:buClr>
+                <a:srgbClr val="000000"/>
+              </a:buClr>
+              <a:buSzPct val="75000"/>
+              <a:buFont typeface="Symbol" charset="2"/>
+              <a:buChar char=""/>
+            </a:pPr>
+            <a:r>
+              <a:rPr b="0" lang="en-GB" sz="1800" spc="-1" strike="noStrike">
+                <a:latin typeface="Nimbus Sans"/>
+              </a:rPr>
+              <a:t>Fourth Outline Level</a:t>
+            </a:r>
+            <a:endParaRPr b="0" lang="en-GB" sz="1800" spc="-1" strike="noStrike">
+              <a:latin typeface="Nimbus Sans"/>
+            </a:endParaRPr>
+          </a:p>
+          <a:p>
+            <a:pPr lvl="4" marL="2160000" indent="-216000">
+              <a:spcBef>
+                <a:spcPts val="283"/>
+              </a:spcBef>
+              <a:buClr>
+                <a:srgbClr val="000000"/>
+              </a:buClr>
+              <a:buSzPct val="45000"/>
+              <a:buFont typeface="Wingdings" charset="2"/>
+              <a:buChar char=""/>
+            </a:pPr>
+            <a:r>
+              <a:rPr b="0" lang="en-GB" sz="1800" spc="-1" strike="noStrike">
+                <a:latin typeface="Nimbus Sans"/>
+              </a:rPr>
+              <a:t>Fifth Outline Level</a:t>
+            </a:r>
+            <a:endParaRPr b="0" lang="en-GB" sz="1800" spc="-1" strike="noStrike">
+              <a:latin typeface="Nimbus Sans"/>
+            </a:endParaRPr>
+          </a:p>
+          <a:p>
+            <a:pPr lvl="5" marL="2592000" indent="-216000">
+              <a:spcBef>
+                <a:spcPts val="283"/>
+              </a:spcBef>
+              <a:buClr>
+                <a:srgbClr val="000000"/>
+              </a:buClr>
+              <a:buSzPct val="45000"/>
+              <a:buFont typeface="Wingdings" charset="2"/>
+              <a:buChar char=""/>
+            </a:pPr>
+            <a:r>
+              <a:rPr b="0" lang="en-GB" sz="1800" spc="-1" strike="noStrike">
+                <a:latin typeface="Nimbus Sans"/>
+              </a:rPr>
+              <a:t>Sixth Outline Level</a:t>
+            </a:r>
+            <a:endParaRPr b="0" lang="en-GB" sz="1800" spc="-1" strike="noStrike">
+              <a:latin typeface="Nimbus Sans"/>
+            </a:endParaRPr>
+          </a:p>
+          <a:p>
+            <a:pPr lvl="6" marL="3024000" indent="-216000">
+              <a:spcBef>
+                <a:spcPts val="283"/>
+              </a:spcBef>
+              <a:buClr>
+                <a:srgbClr val="000000"/>
+              </a:buClr>
+              <a:buSzPct val="45000"/>
+              <a:buFont typeface="Wingdings" charset="2"/>
+              <a:buChar char=""/>
+            </a:pPr>
+            <a:r>
+              <a:rPr b="0" lang="en-GB" sz="1800" spc="-1" strike="noStrike">
+                <a:latin typeface="Nimbus Sans"/>
+              </a:rPr>
+              <a:t>Seventh Outline Level</a:t>
+            </a:r>
+            <a:endParaRPr b="0" lang="en-GB" sz="1800" spc="-1" strike="noStrike">
+              <a:latin typeface="Nimbus Sans"/>
+            </a:endParaRPr>
+          </a:p>
+        </p:txBody>
+      </p:sp>
+      <p:sp>
+        <p:nvSpPr>
+          <p:cNvPr id="84" name="PlaceHolder 4"/>
+          <p:cNvSpPr>
+            <a:spLocks noGrp="1"/>
+          </p:cNvSpPr>
+          <p:nvPr>
+            <p:ph type="body"/>
+          </p:nvPr>
+        </p:nvSpPr>
+        <p:spPr>
+          <a:xfrm>
+            <a:off x="5152680" y="1326600"/>
+            <a:ext cx="4426560" cy="3287880"/>
+          </a:xfrm>
+          <a:prstGeom prst="rect">
+            <a:avLst/>
+          </a:prstGeom>
+        </p:spPr>
+        <p:txBody>
+          <a:bodyPr lIns="0" rIns="0" tIns="0" bIns="0">
+            <a:normAutofit/>
+          </a:bodyPr>
+          <a:p>
+            <a:pPr marL="432000" indent="-324000">
+              <a:spcBef>
+                <a:spcPts val="1417"/>
+              </a:spcBef>
+              <a:buClr>
+                <a:srgbClr val="000000"/>
+              </a:buClr>
+              <a:buSzPct val="45000"/>
+              <a:buFont typeface="Wingdings" charset="2"/>
+              <a:buChar char=""/>
+            </a:pPr>
+            <a:r>
+              <a:rPr b="0" lang="en-GB" sz="1800" spc="-1" strike="noStrike">
+                <a:latin typeface="Nimbus Sans"/>
+              </a:rPr>
+              <a:t>Click to edit the outline text format</a:t>
+            </a:r>
+            <a:endParaRPr b="0" lang="en-GB" sz="1800" spc="-1" strike="noStrike">
+              <a:latin typeface="Nimbus Sans"/>
+            </a:endParaRPr>
+          </a:p>
+          <a:p>
+            <a:pPr lvl="1" marL="864000" indent="-324000">
+              <a:spcBef>
+                <a:spcPts val="1134"/>
+              </a:spcBef>
+              <a:buClr>
+                <a:srgbClr val="000000"/>
+              </a:buClr>
+              <a:buSzPct val="75000"/>
+              <a:buFont typeface="Symbol" charset="2"/>
+              <a:buChar char=""/>
+            </a:pPr>
+            <a:r>
+              <a:rPr b="0" lang="en-GB" sz="1800" spc="-1" strike="noStrike">
+                <a:latin typeface="Nimbus Sans"/>
+              </a:rPr>
+              <a:t>Second Outline Level</a:t>
+            </a:r>
+            <a:endParaRPr b="0" lang="en-GB" sz="1800" spc="-1" strike="noStrike">
+              <a:latin typeface="Nimbus Sans"/>
+            </a:endParaRPr>
+          </a:p>
+          <a:p>
+            <a:pPr lvl="2" marL="1296000" indent="-288000">
+              <a:spcBef>
+                <a:spcPts val="850"/>
+              </a:spcBef>
+              <a:buClr>
+                <a:srgbClr val="000000"/>
+              </a:buClr>
+              <a:buSzPct val="45000"/>
+              <a:buFont typeface="Wingdings" charset="2"/>
+              <a:buChar char=""/>
+            </a:pPr>
+            <a:r>
+              <a:rPr b="0" lang="en-GB" sz="1800" spc="-1" strike="noStrike">
+                <a:latin typeface="Nimbus Sans"/>
+              </a:rPr>
+              <a:t>Third Outline Level</a:t>
+            </a:r>
+            <a:endParaRPr b="0" lang="en-GB" sz="1800" spc="-1" strike="noStrike">
+              <a:latin typeface="Nimbus Sans"/>
+            </a:endParaRPr>
+          </a:p>
+          <a:p>
+            <a:pPr lvl="3" marL="1728000" indent="-216000">
+              <a:spcBef>
+                <a:spcPts val="567"/>
+              </a:spcBef>
+              <a:buClr>
+                <a:srgbClr val="000000"/>
+              </a:buClr>
+              <a:buSzPct val="75000"/>
+              <a:buFont typeface="Symbol" charset="2"/>
+              <a:buChar char=""/>
+            </a:pPr>
+            <a:r>
+              <a:rPr b="0" lang="en-GB" sz="1800" spc="-1" strike="noStrike">
+                <a:latin typeface="Nimbus Sans"/>
+              </a:rPr>
+              <a:t>Fourth Outline Level</a:t>
+            </a:r>
+            <a:endParaRPr b="0" lang="en-GB" sz="1800" spc="-1" strike="noStrike">
+              <a:latin typeface="Nimbus Sans"/>
+            </a:endParaRPr>
+          </a:p>
+          <a:p>
+            <a:pPr lvl="4" marL="2160000" indent="-216000">
+              <a:spcBef>
+                <a:spcPts val="283"/>
+              </a:spcBef>
+              <a:buClr>
+                <a:srgbClr val="000000"/>
+              </a:buClr>
+              <a:buSzPct val="45000"/>
+              <a:buFont typeface="Wingdings" charset="2"/>
+              <a:buChar char=""/>
+            </a:pPr>
+            <a:r>
+              <a:rPr b="0" lang="en-GB" sz="1800" spc="-1" strike="noStrike">
+                <a:latin typeface="Nimbus Sans"/>
+              </a:rPr>
+              <a:t>Fifth Outline Level</a:t>
+            </a:r>
+            <a:endParaRPr b="0" lang="en-GB" sz="1800" spc="-1" strike="noStrike">
+              <a:latin typeface="Nimbus Sans"/>
+            </a:endParaRPr>
+          </a:p>
+          <a:p>
+            <a:pPr lvl="5" marL="2592000" indent="-216000">
+              <a:spcBef>
+                <a:spcPts val="283"/>
+              </a:spcBef>
+              <a:buClr>
+                <a:srgbClr val="000000"/>
+              </a:buClr>
+              <a:buSzPct val="45000"/>
+              <a:buFont typeface="Wingdings" charset="2"/>
+              <a:buChar char=""/>
+            </a:pPr>
+            <a:r>
+              <a:rPr b="0" lang="en-GB" sz="1800" spc="-1" strike="noStrike">
+                <a:latin typeface="Nimbus Sans"/>
+              </a:rPr>
+              <a:t>Sixth Outline Level</a:t>
+            </a:r>
+            <a:endParaRPr b="0" lang="en-GB" sz="1800" spc="-1" strike="noStrike">
+              <a:latin typeface="Nimbus Sans"/>
+            </a:endParaRPr>
+          </a:p>
+          <a:p>
+            <a:pPr lvl="6" marL="3024000" indent="-216000">
+              <a:spcBef>
+                <a:spcPts val="283"/>
+              </a:spcBef>
+              <a:buClr>
+                <a:srgbClr val="000000"/>
+              </a:buClr>
+              <a:buSzPct val="45000"/>
+              <a:buFont typeface="Wingdings" charset="2"/>
+              <a:buChar char=""/>
+            </a:pPr>
+            <a:r>
+              <a:rPr b="0" lang="en-GB" sz="1800" spc="-1" strike="noStrike">
+                <a:latin typeface="Nimbus Sans"/>
+              </a:rPr>
+              <a:t>Seventh Outline Level</a:t>
+            </a:r>
+            <a:endParaRPr b="0" lang="en-GB" sz="1800" spc="-1" strike="noStrike">
+              <a:latin typeface="Nimbus Sans"/>
+            </a:endParaRPr>
+          </a:p>
+        </p:txBody>
+      </p:sp>
+    </p:spTree>
+  </p:cSld>
+  <p:clrMap bg1="lt1" bg2="lt2" tx1="dk1" tx2="dk2" accent1="accent1" accent2="accent2" accent3="accent3" accent4="accent4" accent5="accent5" accent6="accent6" hlink="hlink" folHlink="folHlink"/>
+  <p:sldLayoutIdLst>
+    <p:sldLayoutId id="2147483675" r:id="rId3"/>
+    <p:sldLayoutId id="2147483676" r:id="rId4"/>
+    <p:sldLayoutId id="2147483677" r:id="rId5"/>
+    <p:sldLayoutId id="2147483678" r:id="rId6"/>
+    <p:sldLayoutId id="2147483679" r:id="rId7"/>
+    <p:sldLayoutId id="2147483680" r:id="rId8"/>
+    <p:sldLayoutId id="2147483681" r:id="rId9"/>
+    <p:sldLayoutId id="2147483682" r:id="rId10"/>
+    <p:sldLayoutId id="2147483683" r:id="rId11"/>
+    <p:sldLayoutId id="2147483684" r:id="rId12"/>
+    <p:sldLayoutId id="2147483685" r:id="rId13"/>
+    <p:sldLayoutId id="2147483686" r:id="rId14"/>
   </p:sldLayoutIdLst>
 </p:sldMaster>
 </file>
@@ -4026,14 +5673,14 @@
       </p:grpSpPr>
       <p:sp>
         <p:nvSpPr>
-          <p:cNvPr id="84" name="TextShape 1"/>
-          <p:cNvSpPr txBox="1"/>
+          <p:cNvPr id="121" name="CustomShape 1"/>
+          <p:cNvSpPr/>
           <p:nvPr/>
         </p:nvSpPr>
         <p:spPr>
           <a:xfrm>
-            <a:off x="504000" y="216000"/>
-            <a:ext cx="9071640" cy="946440"/>
+            <a:off x="504000" y="451800"/>
+            <a:ext cx="9071280" cy="474480"/>
           </a:xfrm>
           <a:prstGeom prst="rect">
             <a:avLst/>
@@ -4043,12 +5690,22 @@
             <a:noFill/>
           </a:ln>
         </p:spPr>
+        <p:style>
+          <a:lnRef idx="0"/>
+          <a:fillRef idx="0"/>
+          <a:effectRef idx="0"/>
+          <a:fontRef idx="minor"/>
+        </p:style>
         <p:txBody>
           <a:bodyPr lIns="0" rIns="0" tIns="0" bIns="0" anchor="ctr">
             <a:spAutoFit/>
           </a:bodyPr>
           <a:p>
-            <a:pPr algn="ctr"/>
+            <a:pPr algn="ctr">
+              <a:lnSpc>
+                <a:spcPct val="100000"/>
+              </a:lnSpc>
+            </a:pPr>
             <a:r>
               <a:rPr b="0" lang="en-GB" sz="3110" spc="-1" strike="noStrike">
                 <a:solidFill>
@@ -4068,24 +5725,21 @@
               <a:t>	</a:t>
             </a:r>
             <a:endParaRPr b="0" lang="en-GB" sz="3110" spc="-1" strike="noStrike">
-              <a:solidFill>
-                <a:srgbClr val="006699"/>
-              </a:solidFill>
-              <a:latin typeface="Arial"/>
-            </a:endParaRPr>
-          </a:p>
-        </p:txBody>
-      </p:sp>
-      <p:sp>
-        <p:nvSpPr>
-          <p:cNvPr id="85" name="TextShape 2"/>
-          <p:cNvSpPr txBox="1"/>
+              <a:latin typeface="Nimbus Sans"/>
+            </a:endParaRPr>
+          </a:p>
+        </p:txBody>
+      </p:sp>
+      <p:sp>
+        <p:nvSpPr>
+          <p:cNvPr id="122" name="CustomShape 2"/>
+          <p:cNvSpPr/>
           <p:nvPr/>
         </p:nvSpPr>
         <p:spPr>
           <a:xfrm>
-            <a:off x="504000" y="1326600"/>
-            <a:ext cx="4320000" cy="3288240"/>
+            <a:off x="504000" y="2726640"/>
+            <a:ext cx="4319640" cy="487440"/>
           </a:xfrm>
           <a:prstGeom prst="rect">
             <a:avLst/>
@@ -4095,12 +5749,22 @@
             <a:noFill/>
           </a:ln>
         </p:spPr>
+        <p:style>
+          <a:lnRef idx="0"/>
+          <a:fillRef idx="0"/>
+          <a:effectRef idx="0"/>
+          <a:fontRef idx="minor"/>
+        </p:style>
         <p:txBody>
           <a:bodyPr lIns="0" rIns="0" tIns="0" bIns="0" anchor="ctr">
             <a:spAutoFit/>
           </a:bodyPr>
           <a:p>
-            <a:pPr algn="ctr"/>
+            <a:pPr algn="ctr">
+              <a:lnSpc>
+                <a:spcPct val="100000"/>
+              </a:lnSpc>
+            </a:pPr>
             <a:r>
               <a:rPr b="0" lang="en-GB" sz="1600" spc="-1" strike="noStrike">
                 <a:latin typeface="Arial"/>
@@ -4108,11 +5772,15 @@
               <a:t>Project owner:</a:t>
             </a:r>
             <a:endParaRPr b="0" lang="en-GB" sz="1600" spc="-1" strike="noStrike">
-              <a:latin typeface="Arial"/>
-            </a:endParaRPr>
-          </a:p>
-          <a:p>
-            <a:pPr algn="ctr"/>
+              <a:latin typeface="Nimbus Sans"/>
+            </a:endParaRPr>
+          </a:p>
+          <a:p>
+            <a:pPr algn="ctr">
+              <a:lnSpc>
+                <a:spcPct val="100000"/>
+              </a:lnSpc>
+            </a:pPr>
             <a:r>
               <a:rPr b="0" lang="en-GB" sz="1600" spc="-1" strike="noStrike">
                 <a:latin typeface="Arial"/>
@@ -4120,21 +5788,21 @@
               <a:t>Sebestyén Bence</a:t>
             </a:r>
             <a:endParaRPr b="0" lang="en-GB" sz="1600" spc="-1" strike="noStrike">
-              <a:latin typeface="Arial"/>
-            </a:endParaRPr>
-          </a:p>
-        </p:txBody>
-      </p:sp>
-      <p:sp>
-        <p:nvSpPr>
-          <p:cNvPr id="86" name="TextShape 3"/>
-          <p:cNvSpPr txBox="1"/>
+              <a:latin typeface="Nimbus Sans"/>
+            </a:endParaRPr>
+          </a:p>
+        </p:txBody>
+      </p:sp>
+      <p:sp>
+        <p:nvSpPr>
+          <p:cNvPr id="123" name="CustomShape 3"/>
+          <p:cNvSpPr/>
           <p:nvPr/>
         </p:nvSpPr>
         <p:spPr>
           <a:xfrm>
-            <a:off x="504000" y="1326600"/>
-            <a:ext cx="4320000" cy="3288240"/>
+            <a:off x="504000" y="2726640"/>
+            <a:ext cx="4319640" cy="487440"/>
           </a:xfrm>
           <a:prstGeom prst="rect">
             <a:avLst/>
@@ -4144,12 +5812,22 @@
             <a:noFill/>
           </a:ln>
         </p:spPr>
+        <p:style>
+          <a:lnRef idx="0"/>
+          <a:fillRef idx="0"/>
+          <a:effectRef idx="0"/>
+          <a:fontRef idx="minor"/>
+        </p:style>
         <p:txBody>
           <a:bodyPr lIns="0" rIns="0" tIns="0" bIns="0" anchor="ctr">
             <a:spAutoFit/>
           </a:bodyPr>
           <a:p>
-            <a:pPr algn="ctr"/>
+            <a:pPr algn="ctr">
+              <a:lnSpc>
+                <a:spcPct val="100000"/>
+              </a:lnSpc>
+            </a:pPr>
             <a:r>
               <a:rPr b="0" lang="en-GB" sz="1600" spc="-1" strike="noStrike">
                 <a:latin typeface="Arial"/>
@@ -4157,11 +5835,15 @@
               <a:t>Project owner:</a:t>
             </a:r>
             <a:endParaRPr b="0" lang="en-GB" sz="1600" spc="-1" strike="noStrike">
-              <a:latin typeface="Arial"/>
-            </a:endParaRPr>
-          </a:p>
-          <a:p>
-            <a:pPr algn="ctr"/>
+              <a:latin typeface="Nimbus Sans"/>
+            </a:endParaRPr>
+          </a:p>
+          <a:p>
+            <a:pPr algn="ctr">
+              <a:lnSpc>
+                <a:spcPct val="100000"/>
+              </a:lnSpc>
+            </a:pPr>
             <a:r>
               <a:rPr b="0" lang="en-GB" sz="1600" spc="-1" strike="noStrike">
                 <a:latin typeface="Arial"/>
@@ -4169,21 +5851,21 @@
               <a:t>Sebestyén Bence</a:t>
             </a:r>
             <a:endParaRPr b="0" lang="en-GB" sz="1600" spc="-1" strike="noStrike">
-              <a:latin typeface="Arial"/>
-            </a:endParaRPr>
-          </a:p>
-        </p:txBody>
-      </p:sp>
-      <p:sp>
-        <p:nvSpPr>
-          <p:cNvPr id="87" name="TextShape 4"/>
-          <p:cNvSpPr txBox="1"/>
+              <a:latin typeface="Nimbus Sans"/>
+            </a:endParaRPr>
+          </a:p>
+        </p:txBody>
+      </p:sp>
+      <p:sp>
+        <p:nvSpPr>
+          <p:cNvPr id="124" name="CustomShape 4"/>
+          <p:cNvSpPr/>
           <p:nvPr/>
         </p:nvSpPr>
         <p:spPr>
           <a:xfrm>
-            <a:off x="504000" y="1326600"/>
-            <a:ext cx="4320000" cy="3288240"/>
+            <a:off x="504000" y="2726640"/>
+            <a:ext cx="4319640" cy="487440"/>
           </a:xfrm>
           <a:prstGeom prst="rect">
             <a:avLst/>
@@ -4193,12 +5875,22 @@
             <a:noFill/>
           </a:ln>
         </p:spPr>
+        <p:style>
+          <a:lnRef idx="0"/>
+          <a:fillRef idx="0"/>
+          <a:effectRef idx="0"/>
+          <a:fontRef idx="minor"/>
+        </p:style>
         <p:txBody>
           <a:bodyPr lIns="0" rIns="0" tIns="0" bIns="0" anchor="ctr">
             <a:spAutoFit/>
           </a:bodyPr>
           <a:p>
-            <a:pPr algn="ctr"/>
+            <a:pPr algn="ctr">
+              <a:lnSpc>
+                <a:spcPct val="100000"/>
+              </a:lnSpc>
+            </a:pPr>
             <a:r>
               <a:rPr b="0" lang="en-GB" sz="1600" spc="-1" strike="noStrike">
                 <a:latin typeface="Arial"/>
@@ -4206,11 +5898,15 @@
               <a:t>Project owner:</a:t>
             </a:r>
             <a:endParaRPr b="0" lang="en-GB" sz="1600" spc="-1" strike="noStrike">
-              <a:latin typeface="Arial"/>
-            </a:endParaRPr>
-          </a:p>
-          <a:p>
-            <a:pPr algn="ctr"/>
+              <a:latin typeface="Nimbus Sans"/>
+            </a:endParaRPr>
+          </a:p>
+          <a:p>
+            <a:pPr algn="ctr">
+              <a:lnSpc>
+                <a:spcPct val="100000"/>
+              </a:lnSpc>
+            </a:pPr>
             <a:r>
               <a:rPr b="0" lang="en-GB" sz="1600" spc="-1" strike="noStrike">
                 <a:latin typeface="Arial"/>
@@ -4218,21 +5914,21 @@
               <a:t>Sebestyén Bence</a:t>
             </a:r>
             <a:endParaRPr b="0" lang="en-GB" sz="1600" spc="-1" strike="noStrike">
-              <a:latin typeface="Arial"/>
-            </a:endParaRPr>
-          </a:p>
-        </p:txBody>
-      </p:sp>
-      <p:sp>
-        <p:nvSpPr>
-          <p:cNvPr id="88" name="TextShape 5"/>
-          <p:cNvSpPr txBox="1"/>
+              <a:latin typeface="Nimbus Sans"/>
+            </a:endParaRPr>
+          </a:p>
+        </p:txBody>
+      </p:sp>
+      <p:sp>
+        <p:nvSpPr>
+          <p:cNvPr id="125" name="CustomShape 5"/>
+          <p:cNvSpPr/>
           <p:nvPr/>
         </p:nvSpPr>
         <p:spPr>
           <a:xfrm>
-            <a:off x="504000" y="1326600"/>
-            <a:ext cx="4320000" cy="3288240"/>
+            <a:off x="504000" y="2726640"/>
+            <a:ext cx="4319640" cy="487440"/>
           </a:xfrm>
           <a:prstGeom prst="rect">
             <a:avLst/>
@@ -4242,12 +5938,22 @@
             <a:noFill/>
           </a:ln>
         </p:spPr>
+        <p:style>
+          <a:lnRef idx="0"/>
+          <a:fillRef idx="0"/>
+          <a:effectRef idx="0"/>
+          <a:fontRef idx="minor"/>
+        </p:style>
         <p:txBody>
           <a:bodyPr lIns="0" rIns="0" tIns="0" bIns="0" anchor="ctr">
             <a:spAutoFit/>
           </a:bodyPr>
           <a:p>
-            <a:pPr algn="ctr"/>
+            <a:pPr algn="ctr">
+              <a:lnSpc>
+                <a:spcPct val="100000"/>
+              </a:lnSpc>
+            </a:pPr>
             <a:r>
               <a:rPr b="0" lang="en-GB" sz="1600" spc="-1" strike="noStrike">
                 <a:latin typeface="Arial"/>
@@ -4255,11 +5961,15 @@
               <a:t>Project owner:</a:t>
             </a:r>
             <a:endParaRPr b="0" lang="en-GB" sz="1600" spc="-1" strike="noStrike">
-              <a:latin typeface="Arial"/>
-            </a:endParaRPr>
-          </a:p>
-          <a:p>
-            <a:pPr algn="ctr"/>
+              <a:latin typeface="Nimbus Sans"/>
+            </a:endParaRPr>
+          </a:p>
+          <a:p>
+            <a:pPr algn="ctr">
+              <a:lnSpc>
+                <a:spcPct val="100000"/>
+              </a:lnSpc>
+            </a:pPr>
             <a:r>
               <a:rPr b="0" lang="en-GB" sz="1600" spc="-1" strike="noStrike">
                 <a:latin typeface="Arial"/>
@@ -4267,21 +5977,21 @@
               <a:t>Sebestyén Bence</a:t>
             </a:r>
             <a:endParaRPr b="0" lang="en-GB" sz="1600" spc="-1" strike="noStrike">
-              <a:latin typeface="Arial"/>
-            </a:endParaRPr>
-          </a:p>
-        </p:txBody>
-      </p:sp>
-      <p:sp>
-        <p:nvSpPr>
-          <p:cNvPr id="89" name="TextShape 6"/>
-          <p:cNvSpPr txBox="1"/>
+              <a:latin typeface="Nimbus Sans"/>
+            </a:endParaRPr>
+          </a:p>
+        </p:txBody>
+      </p:sp>
+      <p:sp>
+        <p:nvSpPr>
+          <p:cNvPr id="126" name="CustomShape 6"/>
+          <p:cNvSpPr/>
           <p:nvPr/>
         </p:nvSpPr>
         <p:spPr>
           <a:xfrm>
-            <a:off x="504000" y="1326600"/>
-            <a:ext cx="4320000" cy="3288240"/>
+            <a:off x="504000" y="2726640"/>
+            <a:ext cx="4319640" cy="487440"/>
           </a:xfrm>
           <a:prstGeom prst="rect">
             <a:avLst/>
@@ -4291,12 +6001,22 @@
             <a:noFill/>
           </a:ln>
         </p:spPr>
+        <p:style>
+          <a:lnRef idx="0"/>
+          <a:fillRef idx="0"/>
+          <a:effectRef idx="0"/>
+          <a:fontRef idx="minor"/>
+        </p:style>
         <p:txBody>
           <a:bodyPr lIns="0" rIns="0" tIns="0" bIns="0" anchor="ctr">
             <a:spAutoFit/>
           </a:bodyPr>
           <a:p>
-            <a:pPr algn="ctr"/>
+            <a:pPr algn="ctr">
+              <a:lnSpc>
+                <a:spcPct val="100000"/>
+              </a:lnSpc>
+            </a:pPr>
             <a:r>
               <a:rPr b="0" lang="en-GB" sz="1600" spc="-1" strike="noStrike">
                 <a:latin typeface="Arial"/>
@@ -4304,11 +6024,15 @@
               <a:t>Project owner:</a:t>
             </a:r>
             <a:endParaRPr b="0" lang="en-GB" sz="1600" spc="-1" strike="noStrike">
-              <a:latin typeface="Arial"/>
-            </a:endParaRPr>
-          </a:p>
-          <a:p>
-            <a:pPr algn="ctr"/>
+              <a:latin typeface="Nimbus Sans"/>
+            </a:endParaRPr>
+          </a:p>
+          <a:p>
+            <a:pPr algn="ctr">
+              <a:lnSpc>
+                <a:spcPct val="100000"/>
+              </a:lnSpc>
+            </a:pPr>
             <a:r>
               <a:rPr b="0" lang="en-GB" sz="1600" spc="-1" strike="noStrike">
                 <a:latin typeface="Arial"/>
@@ -4316,21 +6040,21 @@
               <a:t>Sebestyén Bence</a:t>
             </a:r>
             <a:endParaRPr b="0" lang="en-GB" sz="1600" spc="-1" strike="noStrike">
-              <a:latin typeface="Arial"/>
-            </a:endParaRPr>
-          </a:p>
-        </p:txBody>
-      </p:sp>
-      <p:sp>
-        <p:nvSpPr>
-          <p:cNvPr id="90" name="TextShape 7"/>
-          <p:cNvSpPr txBox="1"/>
+              <a:latin typeface="Nimbus Sans"/>
+            </a:endParaRPr>
+          </a:p>
+        </p:txBody>
+      </p:sp>
+      <p:sp>
+        <p:nvSpPr>
+          <p:cNvPr id="127" name="CustomShape 7"/>
+          <p:cNvSpPr/>
           <p:nvPr/>
         </p:nvSpPr>
         <p:spPr>
           <a:xfrm>
-            <a:off x="5400000" y="1463760"/>
-            <a:ext cx="4320000" cy="3288240"/>
+            <a:off x="5400000" y="2498760"/>
+            <a:ext cx="4319640" cy="1217520"/>
           </a:xfrm>
           <a:prstGeom prst="rect">
             <a:avLst/>
@@ -4340,12 +6064,22 @@
             <a:noFill/>
           </a:ln>
         </p:spPr>
+        <p:style>
+          <a:lnRef idx="0"/>
+          <a:fillRef idx="0"/>
+          <a:effectRef idx="0"/>
+          <a:fontRef idx="minor"/>
+        </p:style>
         <p:txBody>
           <a:bodyPr lIns="0" rIns="0" tIns="0" bIns="0" anchor="ctr">
             <a:spAutoFit/>
           </a:bodyPr>
           <a:p>
-            <a:pPr algn="ctr"/>
+            <a:pPr algn="ctr">
+              <a:lnSpc>
+                <a:spcPct val="100000"/>
+              </a:lnSpc>
+            </a:pPr>
             <a:r>
               <a:rPr b="0" lang="en-GB" sz="1600" spc="-1" strike="noStrike">
                 <a:latin typeface="Arial"/>
@@ -4353,11 +6087,15 @@
               <a:t>Project supervisor:</a:t>
             </a:r>
             <a:endParaRPr b="0" lang="en-GB" sz="1600" spc="-1" strike="noStrike">
-              <a:latin typeface="Arial"/>
-            </a:endParaRPr>
-          </a:p>
-          <a:p>
-            <a:pPr algn="ctr"/>
+              <a:latin typeface="Nimbus Sans"/>
+            </a:endParaRPr>
+          </a:p>
+          <a:p>
+            <a:pPr algn="ctr">
+              <a:lnSpc>
+                <a:spcPct val="100000"/>
+              </a:lnSpc>
+            </a:pPr>
             <a:r>
               <a:rPr b="0" lang="en-GB" sz="1600" spc="-1" strike="noStrike">
                 <a:latin typeface="Arial"/>
@@ -4365,17 +6103,25 @@
               <a:t>Robert Atkey </a:t>
             </a:r>
             <a:endParaRPr b="0" lang="en-GB" sz="1600" spc="-1" strike="noStrike">
-              <a:latin typeface="Arial"/>
-            </a:endParaRPr>
-          </a:p>
-          <a:p>
-            <a:pPr algn="ctr"/>
+              <a:latin typeface="Nimbus Sans"/>
+            </a:endParaRPr>
+          </a:p>
+          <a:p>
+            <a:pPr algn="ctr">
+              <a:lnSpc>
+                <a:spcPct val="100000"/>
+              </a:lnSpc>
+            </a:pPr>
             <a:endParaRPr b="0" lang="en-GB" sz="1600" spc="-1" strike="noStrike">
-              <a:latin typeface="Arial"/>
-            </a:endParaRPr>
-          </a:p>
-          <a:p>
-            <a:pPr algn="ctr"/>
+              <a:latin typeface="Nimbus Sans"/>
+            </a:endParaRPr>
+          </a:p>
+          <a:p>
+            <a:pPr algn="ctr">
+              <a:lnSpc>
+                <a:spcPct val="100000"/>
+              </a:lnSpc>
+            </a:pPr>
             <a:r>
               <a:rPr b="0" lang="en-GB" sz="1600" spc="-1" strike="noStrike">
                 <a:latin typeface="Arial"/>
@@ -4383,11 +6129,15 @@
               <a:t>Second marker:</a:t>
             </a:r>
             <a:endParaRPr b="0" lang="en-GB" sz="1600" spc="-1" strike="noStrike">
-              <a:latin typeface="Arial"/>
-            </a:endParaRPr>
-          </a:p>
-          <a:p>
-            <a:pPr algn="ctr"/>
+              <a:latin typeface="Nimbus Sans"/>
+            </a:endParaRPr>
+          </a:p>
+          <a:p>
+            <a:pPr algn="ctr">
+              <a:lnSpc>
+                <a:spcPct val="100000"/>
+              </a:lnSpc>
+            </a:pPr>
             <a:r>
               <a:rPr b="0" lang="en-GB" sz="1600" spc="-1" strike="noStrike">
                 <a:latin typeface="Arial"/>
@@ -4395,7 +6145,7 @@
               <a:t>Yashar Moshfeghi</a:t>
             </a:r>
             <a:endParaRPr b="0" lang="en-GB" sz="1600" spc="-1" strike="noStrike">
-              <a:latin typeface="Arial"/>
+              <a:latin typeface="Nimbus Sans"/>
             </a:endParaRPr>
           </a:p>
         </p:txBody>
@@ -4410,6 +6160,33 @@
       <p:transition spd="slow"/>
     </mc:Fallback>
   </mc:AlternateContent>
+  <p:timing>
+    <p:tnLst>
+      <p:par>
+        <p:cTn id="1" dur="indefinite" restart="never" nodeType="tmRoot">
+          <p:childTnLst>
+            <p:seq>
+              <p:cTn id="2" dur="indefinite" nodeType="mainSeq"/>
+              <p:prevCondLst>
+                <p:cond delay="0" evt="onPrev">
+                  <p:tgtEl>
+                    <p:sldTgt/>
+                  </p:tgtEl>
+                </p:cond>
+              </p:prevCondLst>
+              <p:nextCondLst>
+                <p:cond delay="0" evt="onNext">
+                  <p:tgtEl>
+                    <p:sldTgt/>
+                  </p:tgtEl>
+                </p:cond>
+              </p:nextCondLst>
+            </p:seq>
+          </p:childTnLst>
+        </p:cTn>
+      </p:par>
+    </p:tnLst>
+  </p:timing>
 </p:sld>
 </file>
 
@@ -4432,14 +6209,14 @@
       </p:grpSpPr>
       <p:sp>
         <p:nvSpPr>
-          <p:cNvPr id="91" name="TextShape 1"/>
-          <p:cNvSpPr txBox="1"/>
+          <p:cNvPr id="128" name="CustomShape 1"/>
+          <p:cNvSpPr/>
           <p:nvPr/>
         </p:nvSpPr>
         <p:spPr>
           <a:xfrm>
-            <a:off x="504000" y="226080"/>
-            <a:ext cx="9071640" cy="946440"/>
+            <a:off x="504000" y="461880"/>
+            <a:ext cx="9071280" cy="474480"/>
           </a:xfrm>
           <a:prstGeom prst="rect">
             <a:avLst/>
@@ -4449,12 +6226,22 @@
             <a:noFill/>
           </a:ln>
         </p:spPr>
+        <p:style>
+          <a:lnRef idx="0"/>
+          <a:fillRef idx="0"/>
+          <a:effectRef idx="0"/>
+          <a:fontRef idx="minor"/>
+        </p:style>
         <p:txBody>
           <a:bodyPr lIns="0" rIns="0" tIns="0" bIns="0" anchor="ctr">
             <a:spAutoFit/>
           </a:bodyPr>
           <a:p>
-            <a:pPr algn="ctr"/>
+            <a:pPr algn="ctr">
+              <a:lnSpc>
+                <a:spcPct val="100000"/>
+              </a:lnSpc>
+            </a:pPr>
             <a:r>
               <a:rPr b="0" lang="en-GB" sz="3110" spc="-1" strike="noStrike">
                 <a:solidFill>
@@ -4465,24 +6252,21 @@
               <a:t>Overall aim of the project</a:t>
             </a:r>
             <a:endParaRPr b="0" lang="en-GB" sz="3110" spc="-1" strike="noStrike">
-              <a:solidFill>
-                <a:srgbClr val="006699"/>
-              </a:solidFill>
-              <a:latin typeface="Arial"/>
-            </a:endParaRPr>
-          </a:p>
-        </p:txBody>
-      </p:sp>
-      <p:sp>
-        <p:nvSpPr>
-          <p:cNvPr id="92" name="TextShape 2"/>
-          <p:cNvSpPr txBox="1"/>
+              <a:latin typeface="Nimbus Sans"/>
+            </a:endParaRPr>
+          </a:p>
+        </p:txBody>
+      </p:sp>
+      <p:sp>
+        <p:nvSpPr>
+          <p:cNvPr id="129" name="CustomShape 2"/>
+          <p:cNvSpPr/>
           <p:nvPr/>
         </p:nvSpPr>
         <p:spPr>
           <a:xfrm>
             <a:off x="432360" y="1103760"/>
-            <a:ext cx="9071640" cy="4152240"/>
+            <a:ext cx="9071280" cy="4151880"/>
           </a:xfrm>
           <a:prstGeom prst="rect">
             <a:avLst/>
@@ -4492,28 +6276,34 @@
             <a:noFill/>
           </a:ln>
         </p:spPr>
+        <p:style>
+          <a:lnRef idx="0"/>
+          <a:fillRef idx="0"/>
+          <a:effectRef idx="0"/>
+          <a:fontRef idx="minor"/>
+        </p:style>
         <p:txBody>
           <a:bodyPr lIns="0" rIns="0" tIns="0" bIns="0">
             <a:normAutofit/>
           </a:bodyPr>
           <a:p>
-            <a:pPr marL="432000" indent="-324000">
+            <a:pPr>
+              <a:lnSpc>
+                <a:spcPct val="100000"/>
+              </a:lnSpc>
               <a:spcBef>
                 <a:spcPts val="1060"/>
               </a:spcBef>
-              <a:buClr>
-                <a:srgbClr val="000000"/>
-              </a:buClr>
-              <a:buSzPct val="45000"/>
-              <a:buFont typeface="Wingdings" charset="2"/>
-              <a:buChar char=""/>
             </a:pPr>
-            <a:endParaRPr b="0" lang="en-GB" sz="2400" spc="-1" strike="noStrike">
-              <a:latin typeface="Arial"/>
-            </a:endParaRPr>
-          </a:p>
-          <a:p>
-            <a:pPr marL="432000" indent="-324000">
+            <a:endParaRPr b="0" lang="en-GB" sz="1800" spc="-1" strike="noStrike">
+              <a:latin typeface="Nimbus Sans"/>
+            </a:endParaRPr>
+          </a:p>
+          <a:p>
+            <a:pPr marL="432000" indent="-323640">
+              <a:lnSpc>
+                <a:spcPct val="100000"/>
+              </a:lnSpc>
               <a:spcBef>
                 <a:spcPts val="1060"/>
               </a:spcBef>
@@ -4531,11 +6321,14 @@
               <a:t>Main Goal:</a:t>
             </a:r>
             <a:endParaRPr b="0" lang="en-GB" sz="2400" spc="-1" strike="noStrike">
-              <a:latin typeface="Arial"/>
-            </a:endParaRPr>
-          </a:p>
-          <a:p>
-            <a:pPr lvl="1" marL="864000" indent="-324000">
+              <a:latin typeface="Nimbus Sans"/>
+            </a:endParaRPr>
+          </a:p>
+          <a:p>
+            <a:pPr lvl="1" marL="864000" indent="-323640">
+              <a:lnSpc>
+                <a:spcPct val="100000"/>
+              </a:lnSpc>
               <a:spcBef>
                 <a:spcPts val="850"/>
               </a:spcBef>
@@ -4543,21 +6336,24 @@
                 <a:srgbClr val="000000"/>
               </a:buClr>
               <a:buSzPct val="75000"/>
-              <a:buFont typeface="Symbol" charset="2"/>
+              <a:buFont typeface="Symbol"/>
               <a:buChar char=""/>
             </a:pPr>
             <a:r>
               <a:rPr b="0" lang="en-GB" sz="2100" spc="-1" strike="noStrike">
                 <a:latin typeface="Arial"/>
               </a:rPr>
-              <a:t>Run atleast one NES game </a:t>
+              <a:t>Run at least one NES game </a:t>
             </a:r>
             <a:endParaRPr b="0" lang="en-GB" sz="2100" spc="-1" strike="noStrike">
-              <a:latin typeface="Arial"/>
-            </a:endParaRPr>
-          </a:p>
-          <a:p>
-            <a:pPr marL="432000" indent="-324000">
+              <a:latin typeface="Nimbus Sans"/>
+            </a:endParaRPr>
+          </a:p>
+          <a:p>
+            <a:pPr marL="432000" indent="-323640">
+              <a:lnSpc>
+                <a:spcPct val="100000"/>
+              </a:lnSpc>
               <a:spcBef>
                 <a:spcPts val="1060"/>
               </a:spcBef>
@@ -4575,11 +6371,14 @@
               <a:t>Additional Goals:</a:t>
             </a:r>
             <a:endParaRPr b="0" lang="en-GB" sz="2400" spc="-1" strike="noStrike">
-              <a:latin typeface="Arial"/>
-            </a:endParaRPr>
-          </a:p>
-          <a:p>
-            <a:pPr lvl="1" marL="864000" indent="-324000">
+              <a:latin typeface="Nimbus Sans"/>
+            </a:endParaRPr>
+          </a:p>
+          <a:p>
+            <a:pPr lvl="1" marL="864000" indent="-323640">
+              <a:lnSpc>
+                <a:spcPct val="100000"/>
+              </a:lnSpc>
               <a:spcBef>
                 <a:spcPts val="850"/>
               </a:spcBef>
@@ -4587,7 +6386,7 @@
                 <a:srgbClr val="000000"/>
               </a:buClr>
               <a:buSzPct val="75000"/>
-              <a:buFont typeface="Symbol" charset="2"/>
+              <a:buFont typeface="Symbol"/>
               <a:buChar char=""/>
             </a:pPr>
             <a:r>
@@ -4597,11 +6396,14 @@
               <a:t>Pixelperfect emulation</a:t>
             </a:r>
             <a:endParaRPr b="0" lang="en-GB" sz="2100" spc="-1" strike="noStrike">
-              <a:latin typeface="Arial"/>
-            </a:endParaRPr>
-          </a:p>
-          <a:p>
-            <a:pPr lvl="1" marL="864000" indent="-324000">
+              <a:latin typeface="Nimbus Sans"/>
+            </a:endParaRPr>
+          </a:p>
+          <a:p>
+            <a:pPr lvl="1" marL="864000" indent="-323640">
+              <a:lnSpc>
+                <a:spcPct val="100000"/>
+              </a:lnSpc>
               <a:spcBef>
                 <a:spcPts val="850"/>
               </a:spcBef>
@@ -4609,7 +6411,7 @@
                 <a:srgbClr val="000000"/>
               </a:buClr>
               <a:buSzPct val="75000"/>
-              <a:buFont typeface="Symbol" charset="2"/>
+              <a:buFont typeface="Symbol"/>
               <a:buChar char=""/>
             </a:pPr>
             <a:r>
@@ -4619,11 +6421,14 @@
               <a:t>Implementing multiple mappers for multiple games</a:t>
             </a:r>
             <a:endParaRPr b="0" lang="en-GB" sz="2100" spc="-1" strike="noStrike">
-              <a:latin typeface="Arial"/>
-            </a:endParaRPr>
-          </a:p>
-          <a:p>
-            <a:pPr lvl="1" marL="864000" indent="-324000">
+              <a:latin typeface="Nimbus Sans"/>
+            </a:endParaRPr>
+          </a:p>
+          <a:p>
+            <a:pPr lvl="1" marL="864000" indent="-323640">
+              <a:lnSpc>
+                <a:spcPct val="100000"/>
+              </a:lnSpc>
               <a:spcBef>
                 <a:spcPts val="850"/>
               </a:spcBef>
@@ -4631,7 +6436,7 @@
                 <a:srgbClr val="000000"/>
               </a:buClr>
               <a:buSzPct val="75000"/>
-              <a:buFont typeface="Symbol" charset="2"/>
+              <a:buFont typeface="Symbol"/>
               <a:buChar char=""/>
             </a:pPr>
             <a:r>
@@ -4641,7 +6446,7 @@
               <a:t>Different platform support (android? Actual tv as a console?)</a:t>
             </a:r>
             <a:endParaRPr b="0" lang="en-GB" sz="2100" spc="-1" strike="noStrike">
-              <a:latin typeface="Arial"/>
+              <a:latin typeface="Nimbus Sans"/>
             </a:endParaRPr>
           </a:p>
         </p:txBody>
@@ -4656,6 +6461,33 @@
       <p:transition spd="slow"/>
     </mc:Fallback>
   </mc:AlternateContent>
+  <p:timing>
+    <p:tnLst>
+      <p:par>
+        <p:cTn id="3" dur="indefinite" restart="never" nodeType="tmRoot">
+          <p:childTnLst>
+            <p:seq>
+              <p:cTn id="4" dur="indefinite" nodeType="mainSeq"/>
+              <p:prevCondLst>
+                <p:cond delay="0" evt="onPrev">
+                  <p:tgtEl>
+                    <p:sldTgt/>
+                  </p:tgtEl>
+                </p:cond>
+              </p:prevCondLst>
+              <p:nextCondLst>
+                <p:cond delay="0" evt="onNext">
+                  <p:tgtEl>
+                    <p:sldTgt/>
+                  </p:tgtEl>
+                </p:cond>
+              </p:nextCondLst>
+            </p:seq>
+          </p:childTnLst>
+        </p:cTn>
+      </p:par>
+    </p:tnLst>
+  </p:timing>
 </p:sld>
 </file>
 
@@ -4678,14 +6510,14 @@
       </p:grpSpPr>
       <p:sp>
         <p:nvSpPr>
-          <p:cNvPr id="93" name="TextShape 1"/>
-          <p:cNvSpPr txBox="1"/>
+          <p:cNvPr id="130" name="CustomShape 1"/>
+          <p:cNvSpPr/>
           <p:nvPr/>
         </p:nvSpPr>
         <p:spPr>
           <a:xfrm>
-            <a:off x="504000" y="226080"/>
-            <a:ext cx="9071640" cy="946440"/>
+            <a:off x="504000" y="461880"/>
+            <a:ext cx="9071280" cy="474480"/>
           </a:xfrm>
           <a:prstGeom prst="rect">
             <a:avLst/>
@@ -4695,12 +6527,22 @@
             <a:noFill/>
           </a:ln>
         </p:spPr>
+        <p:style>
+          <a:lnRef idx="0"/>
+          <a:fillRef idx="0"/>
+          <a:effectRef idx="0"/>
+          <a:fontRef idx="minor"/>
+        </p:style>
         <p:txBody>
           <a:bodyPr lIns="0" rIns="0" tIns="0" bIns="0" anchor="ctr">
             <a:spAutoFit/>
           </a:bodyPr>
           <a:p>
-            <a:pPr algn="ctr"/>
+            <a:pPr algn="ctr">
+              <a:lnSpc>
+                <a:spcPct val="100000"/>
+              </a:lnSpc>
+            </a:pPr>
             <a:r>
               <a:rPr b="0" lang="en-GB" sz="3110" spc="-1" strike="noStrike">
                 <a:solidFill>
@@ -4711,24 +6553,21 @@
               <a:t>Overall project plan</a:t>
             </a:r>
             <a:endParaRPr b="0" lang="en-GB" sz="3110" spc="-1" strike="noStrike">
-              <a:solidFill>
-                <a:srgbClr val="006699"/>
-              </a:solidFill>
-              <a:latin typeface="Arial"/>
-            </a:endParaRPr>
-          </a:p>
-        </p:txBody>
-      </p:sp>
-      <p:sp>
-        <p:nvSpPr>
-          <p:cNvPr id="94" name="TextShape 2"/>
-          <p:cNvSpPr txBox="1"/>
+              <a:latin typeface="Nimbus Sans"/>
+            </a:endParaRPr>
+          </a:p>
+        </p:txBody>
+      </p:sp>
+      <p:sp>
+        <p:nvSpPr>
+          <p:cNvPr id="131" name="CustomShape 2"/>
+          <p:cNvSpPr/>
           <p:nvPr/>
         </p:nvSpPr>
         <p:spPr>
           <a:xfrm>
             <a:off x="504360" y="1296000"/>
-            <a:ext cx="9071640" cy="4032000"/>
+            <a:ext cx="9071280" cy="4031640"/>
           </a:xfrm>
           <a:prstGeom prst="rect">
             <a:avLst/>
@@ -4738,12 +6577,21 @@
             <a:noFill/>
           </a:ln>
         </p:spPr>
+        <p:style>
+          <a:lnRef idx="0"/>
+          <a:fillRef idx="0"/>
+          <a:effectRef idx="0"/>
+          <a:fontRef idx="minor"/>
+        </p:style>
         <p:txBody>
           <a:bodyPr lIns="0" rIns="0" tIns="0" bIns="0">
             <a:normAutofit/>
           </a:bodyPr>
           <a:p>
-            <a:pPr marL="432000" indent="-324000">
+            <a:pPr marL="432000" indent="-323640">
+              <a:lnSpc>
+                <a:spcPct val="100000"/>
+              </a:lnSpc>
               <a:spcBef>
                 <a:spcPts val="1060"/>
               </a:spcBef>
@@ -4758,14 +6606,17 @@
               <a:rPr b="0" lang="en-GB" sz="2400" spc="-1" strike="noStrike">
                 <a:latin typeface="Arial"/>
               </a:rPr>
-              <a:t>Implement the main core compnents</a:t>
+              <a:t>Implement the main core components</a:t>
             </a:r>
             <a:endParaRPr b="0" lang="en-GB" sz="2400" spc="-1" strike="noStrike">
-              <a:latin typeface="Arial"/>
-            </a:endParaRPr>
-          </a:p>
-          <a:p>
-            <a:pPr lvl="1" marL="864000" indent="-324000">
+              <a:latin typeface="Nimbus Sans"/>
+            </a:endParaRPr>
+          </a:p>
+          <a:p>
+            <a:pPr lvl="1" marL="864000" indent="-323640">
+              <a:lnSpc>
+                <a:spcPct val="100000"/>
+              </a:lnSpc>
               <a:spcBef>
                 <a:spcPts val="850"/>
               </a:spcBef>
@@ -4773,7 +6624,7 @@
                 <a:srgbClr val="000000"/>
               </a:buClr>
               <a:buSzPct val="75000"/>
-              <a:buFont typeface="Symbol" charset="2"/>
+              <a:buFont typeface="Symbol"/>
               <a:buChar char=""/>
             </a:pPr>
             <a:r>
@@ -4783,11 +6634,14 @@
               <a:t>RAM</a:t>
             </a:r>
             <a:endParaRPr b="0" lang="en-GB" sz="2100" spc="-1" strike="noStrike">
-              <a:latin typeface="Arial"/>
-            </a:endParaRPr>
-          </a:p>
-          <a:p>
-            <a:pPr lvl="1" marL="864000" indent="-324000">
+              <a:latin typeface="Nimbus Sans"/>
+            </a:endParaRPr>
+          </a:p>
+          <a:p>
+            <a:pPr lvl="1" marL="864000" indent="-323640">
+              <a:lnSpc>
+                <a:spcPct val="100000"/>
+              </a:lnSpc>
               <a:spcBef>
                 <a:spcPts val="850"/>
               </a:spcBef>
@@ -4795,7 +6649,7 @@
                 <a:srgbClr val="000000"/>
               </a:buClr>
               <a:buSzPct val="75000"/>
-              <a:buFont typeface="Symbol" charset="2"/>
+              <a:buFont typeface="Symbol"/>
               <a:buChar char=""/>
             </a:pPr>
             <a:r>
@@ -4805,11 +6659,14 @@
               <a:t>ROM</a:t>
             </a:r>
             <a:endParaRPr b="0" lang="en-GB" sz="2100" spc="-1" strike="noStrike">
-              <a:latin typeface="Arial"/>
-            </a:endParaRPr>
-          </a:p>
-          <a:p>
-            <a:pPr lvl="1" marL="864000" indent="-324000">
+              <a:latin typeface="Nimbus Sans"/>
+            </a:endParaRPr>
+          </a:p>
+          <a:p>
+            <a:pPr lvl="1" marL="864000" indent="-323640">
+              <a:lnSpc>
+                <a:spcPct val="100000"/>
+              </a:lnSpc>
               <a:spcBef>
                 <a:spcPts val="850"/>
               </a:spcBef>
@@ -4817,7 +6674,7 @@
                 <a:srgbClr val="000000"/>
               </a:buClr>
               <a:buSzPct val="75000"/>
-              <a:buFont typeface="Symbol" charset="2"/>
+              <a:buFont typeface="Symbol"/>
               <a:buChar char=""/>
             </a:pPr>
             <a:r>
@@ -4827,11 +6684,14 @@
               <a:t>CPU</a:t>
             </a:r>
             <a:endParaRPr b="0" lang="en-GB" sz="2100" spc="-1" strike="noStrike">
-              <a:latin typeface="Arial"/>
-            </a:endParaRPr>
-          </a:p>
-          <a:p>
-            <a:pPr lvl="1" marL="864000" indent="-324000">
+              <a:latin typeface="Nimbus Sans"/>
+            </a:endParaRPr>
+          </a:p>
+          <a:p>
+            <a:pPr lvl="1" marL="864000" indent="-323640">
+              <a:lnSpc>
+                <a:spcPct val="100000"/>
+              </a:lnSpc>
               <a:spcBef>
                 <a:spcPts val="850"/>
               </a:spcBef>
@@ -4839,7 +6699,7 @@
                 <a:srgbClr val="000000"/>
               </a:buClr>
               <a:buSzPct val="75000"/>
-              <a:buFont typeface="Symbol" charset="2"/>
+              <a:buFont typeface="Symbol"/>
               <a:buChar char=""/>
             </a:pPr>
             <a:r>
@@ -4849,11 +6709,14 @@
               <a:t>PPU</a:t>
             </a:r>
             <a:endParaRPr b="0" lang="en-GB" sz="2100" spc="-1" strike="noStrike">
-              <a:latin typeface="Arial"/>
-            </a:endParaRPr>
-          </a:p>
-          <a:p>
-            <a:pPr marL="432000" indent="-324000">
+              <a:latin typeface="Nimbus Sans"/>
+            </a:endParaRPr>
+          </a:p>
+          <a:p>
+            <a:pPr marL="432000" indent="-323640">
+              <a:lnSpc>
+                <a:spcPct val="100000"/>
+              </a:lnSpc>
               <a:spcBef>
                 <a:spcPts val="1060"/>
               </a:spcBef>
@@ -4871,11 +6734,14 @@
               <a:t>Plan → Implement → test → document cycle</a:t>
             </a:r>
             <a:endParaRPr b="0" lang="en-GB" sz="2400" spc="-1" strike="noStrike">
-              <a:latin typeface="Arial"/>
-            </a:endParaRPr>
-          </a:p>
-          <a:p>
-            <a:pPr marL="432000" indent="-324000">
+              <a:latin typeface="Nimbus Sans"/>
+            </a:endParaRPr>
+          </a:p>
+          <a:p>
+            <a:pPr marL="432000" indent="-323640">
+              <a:lnSpc>
+                <a:spcPct val="100000"/>
+              </a:lnSpc>
               <a:spcBef>
                 <a:spcPts val="1060"/>
               </a:spcBef>
@@ -4893,11 +6759,14 @@
               <a:t>Additional features: (Depends on time)</a:t>
             </a:r>
             <a:endParaRPr b="0" lang="en-GB" sz="2400" spc="-1" strike="noStrike">
-              <a:latin typeface="Arial"/>
-            </a:endParaRPr>
-          </a:p>
-          <a:p>
-            <a:pPr lvl="1" marL="864000" indent="-324000">
+              <a:latin typeface="Nimbus Sans"/>
+            </a:endParaRPr>
+          </a:p>
+          <a:p>
+            <a:pPr lvl="1" marL="864000" indent="-323640">
+              <a:lnSpc>
+                <a:spcPct val="100000"/>
+              </a:lnSpc>
               <a:spcBef>
                 <a:spcPts val="850"/>
               </a:spcBef>
@@ -4905,7 +6774,7 @@
                 <a:srgbClr val="000000"/>
               </a:buClr>
               <a:buSzPct val="75000"/>
-              <a:buFont typeface="Symbol" charset="2"/>
+              <a:buFont typeface="Symbol"/>
               <a:buChar char=""/>
             </a:pPr>
             <a:r>
@@ -4915,7 +6784,7 @@
               <a:t>Multiplayer, Android support, etc..</a:t>
             </a:r>
             <a:endParaRPr b="0" lang="en-GB" sz="2100" spc="-1" strike="noStrike">
-              <a:latin typeface="Arial"/>
+              <a:latin typeface="Nimbus Sans"/>
             </a:endParaRPr>
           </a:p>
         </p:txBody>
@@ -4930,6 +6799,33 @@
       <p:transition spd="slow"/>
     </mc:Fallback>
   </mc:AlternateContent>
+  <p:timing>
+    <p:tnLst>
+      <p:par>
+        <p:cTn id="5" dur="indefinite" restart="never" nodeType="tmRoot">
+          <p:childTnLst>
+            <p:seq>
+              <p:cTn id="6" dur="indefinite" nodeType="mainSeq"/>
+              <p:prevCondLst>
+                <p:cond delay="0" evt="onPrev">
+                  <p:tgtEl>
+                    <p:sldTgt/>
+                  </p:tgtEl>
+                </p:cond>
+              </p:prevCondLst>
+              <p:nextCondLst>
+                <p:cond delay="0" evt="onNext">
+                  <p:tgtEl>
+                    <p:sldTgt/>
+                  </p:tgtEl>
+                </p:cond>
+              </p:nextCondLst>
+            </p:seq>
+          </p:childTnLst>
+        </p:cTn>
+      </p:par>
+    </p:tnLst>
+  </p:timing>
 </p:sld>
 </file>
 
@@ -4952,14 +6848,14 @@
       </p:grpSpPr>
       <p:sp>
         <p:nvSpPr>
-          <p:cNvPr id="95" name="TextShape 1"/>
-          <p:cNvSpPr txBox="1"/>
+          <p:cNvPr id="132" name="CustomShape 1"/>
+          <p:cNvSpPr/>
           <p:nvPr/>
         </p:nvSpPr>
         <p:spPr>
           <a:xfrm>
-            <a:off x="216360" y="205560"/>
-            <a:ext cx="9071640" cy="946440"/>
+            <a:off x="216360" y="441360"/>
+            <a:ext cx="9071280" cy="474480"/>
           </a:xfrm>
           <a:prstGeom prst="rect">
             <a:avLst/>
@@ -4969,12 +6865,22 @@
             <a:noFill/>
           </a:ln>
         </p:spPr>
+        <p:style>
+          <a:lnRef idx="0"/>
+          <a:fillRef idx="0"/>
+          <a:effectRef idx="0"/>
+          <a:fontRef idx="minor"/>
+        </p:style>
         <p:txBody>
           <a:bodyPr lIns="0" rIns="0" tIns="0" bIns="0" anchor="ctr">
             <a:spAutoFit/>
           </a:bodyPr>
           <a:p>
-            <a:pPr algn="ctr"/>
+            <a:pPr algn="ctr">
+              <a:lnSpc>
+                <a:spcPct val="100000"/>
+              </a:lnSpc>
+            </a:pPr>
             <a:r>
               <a:rPr b="0" lang="en-GB" sz="3110" spc="-1" strike="noStrike">
                 <a:solidFill>
@@ -4985,23 +6891,20 @@
               <a:t>Current project state</a:t>
             </a:r>
             <a:endParaRPr b="0" lang="en-GB" sz="3110" spc="-1" strike="noStrike">
-              <a:solidFill>
-                <a:srgbClr val="006699"/>
-              </a:solidFill>
-              <a:latin typeface="Arial"/>
+              <a:latin typeface="Nimbus Sans"/>
             </a:endParaRPr>
           </a:p>
         </p:txBody>
       </p:sp>
       <p:graphicFrame>
         <p:nvGraphicFramePr>
-          <p:cNvPr id="96" name=""/>
+          <p:cNvPr id="133" name=""/>
           <p:cNvGraphicFramePr/>
           <p:nvPr/>
         </p:nvGraphicFramePr>
         <p:xfrm>
           <a:off x="200880" y="1088640"/>
-          <a:ext cx="9790560" cy="4386600"/>
+          <a:ext cx="9790200" cy="4386240"/>
         </p:xfrm>
         <a:graphic>
           <a:graphicData uri="http://schemas.openxmlformats.org/drawingml/2006/chart">
@@ -5019,6 +6922,33 @@
       <p:transition spd="slow"/>
     </mc:Fallback>
   </mc:AlternateContent>
+  <p:timing>
+    <p:tnLst>
+      <p:par>
+        <p:cTn id="7" dur="indefinite" restart="never" nodeType="tmRoot">
+          <p:childTnLst>
+            <p:seq>
+              <p:cTn id="8" dur="indefinite" nodeType="mainSeq"/>
+              <p:prevCondLst>
+                <p:cond delay="0" evt="onPrev">
+                  <p:tgtEl>
+                    <p:sldTgt/>
+                  </p:tgtEl>
+                </p:cond>
+              </p:prevCondLst>
+              <p:nextCondLst>
+                <p:cond delay="0" evt="onNext">
+                  <p:tgtEl>
+                    <p:sldTgt/>
+                  </p:tgtEl>
+                </p:cond>
+              </p:nextCondLst>
+            </p:seq>
+          </p:childTnLst>
+        </p:cTn>
+      </p:par>
+    </p:tnLst>
+  </p:timing>
 </p:sld>
 </file>
 
@@ -5041,14 +6971,14 @@
       </p:grpSpPr>
       <p:sp>
         <p:nvSpPr>
-          <p:cNvPr id="97" name="TextShape 1"/>
-          <p:cNvSpPr txBox="1"/>
+          <p:cNvPr id="134" name="CustomShape 1"/>
+          <p:cNvSpPr/>
           <p:nvPr/>
         </p:nvSpPr>
         <p:spPr>
           <a:xfrm>
-            <a:off x="360360" y="288000"/>
-            <a:ext cx="9071640" cy="946440"/>
+            <a:off x="360360" y="523800"/>
+            <a:ext cx="9071280" cy="474480"/>
           </a:xfrm>
           <a:prstGeom prst="rect">
             <a:avLst/>
@@ -5058,12 +6988,22 @@
             <a:noFill/>
           </a:ln>
         </p:spPr>
+        <p:style>
+          <a:lnRef idx="0"/>
+          <a:fillRef idx="0"/>
+          <a:effectRef idx="0"/>
+          <a:fontRef idx="minor"/>
+        </p:style>
         <p:txBody>
           <a:bodyPr lIns="0" rIns="0" tIns="0" bIns="0" anchor="ctr">
             <a:spAutoFit/>
           </a:bodyPr>
           <a:p>
-            <a:pPr algn="ctr"/>
+            <a:pPr algn="ctr">
+              <a:lnSpc>
+                <a:spcPct val="100000"/>
+              </a:lnSpc>
+            </a:pPr>
             <a:r>
               <a:rPr b="0" lang="en-GB" sz="3110" spc="-1" strike="noStrike">
                 <a:solidFill>
@@ -5074,24 +7014,21 @@
               <a:t>Current project state</a:t>
             </a:r>
             <a:endParaRPr b="0" lang="en-GB" sz="3110" spc="-1" strike="noStrike">
-              <a:solidFill>
-                <a:srgbClr val="006699"/>
-              </a:solidFill>
-              <a:latin typeface="Arial"/>
-            </a:endParaRPr>
-          </a:p>
-        </p:txBody>
-      </p:sp>
-      <p:sp>
-        <p:nvSpPr>
-          <p:cNvPr id="98" name="TextShape 2"/>
-          <p:cNvSpPr txBox="1"/>
+              <a:latin typeface="Nimbus Sans"/>
+            </a:endParaRPr>
+          </a:p>
+        </p:txBody>
+      </p:sp>
+      <p:sp>
+        <p:nvSpPr>
+          <p:cNvPr id="135" name="CustomShape 2"/>
+          <p:cNvSpPr/>
           <p:nvPr/>
         </p:nvSpPr>
         <p:spPr>
           <a:xfrm>
             <a:off x="504000" y="1326600"/>
-            <a:ext cx="4426920" cy="3288240"/>
+            <a:ext cx="4426560" cy="3287880"/>
           </a:xfrm>
           <a:prstGeom prst="rect">
             <a:avLst/>
@@ -5101,12 +7038,21 @@
             <a:noFill/>
           </a:ln>
         </p:spPr>
+        <p:style>
+          <a:lnRef idx="0"/>
+          <a:fillRef idx="0"/>
+          <a:effectRef idx="0"/>
+          <a:fontRef idx="minor"/>
+        </p:style>
         <p:txBody>
           <a:bodyPr lIns="0" rIns="0" tIns="0" bIns="0">
             <a:normAutofit/>
           </a:bodyPr>
           <a:p>
-            <a:pPr marL="432000" indent="-324000">
+            <a:pPr marL="432000" indent="-323640">
+              <a:lnSpc>
+                <a:spcPct val="100000"/>
+              </a:lnSpc>
               <a:spcBef>
                 <a:spcPts val="1060"/>
               </a:spcBef>
@@ -5124,11 +7070,14 @@
               <a:t>Done:</a:t>
             </a:r>
             <a:endParaRPr b="0" lang="en-GB" sz="2400" spc="-1" strike="noStrike">
-              <a:latin typeface="Arial"/>
-            </a:endParaRPr>
-          </a:p>
-          <a:p>
-            <a:pPr lvl="1" marL="864000" indent="-324000">
+              <a:latin typeface="Nimbus Sans"/>
+            </a:endParaRPr>
+          </a:p>
+          <a:p>
+            <a:pPr lvl="1" marL="864000" indent="-323640">
+              <a:lnSpc>
+                <a:spcPct val="100000"/>
+              </a:lnSpc>
               <a:spcBef>
                 <a:spcPts val="850"/>
               </a:spcBef>
@@ -5136,21 +7085,24 @@
                 <a:srgbClr val="000000"/>
               </a:buClr>
               <a:buSzPct val="75000"/>
-              <a:buFont typeface="Symbol" charset="2"/>
+              <a:buFont typeface="Symbol"/>
               <a:buChar char=""/>
             </a:pPr>
             <a:r>
               <a:rPr b="0" lang="en-GB" sz="2100" spc="-1" strike="noStrike">
                 <a:latin typeface="Arial"/>
               </a:rPr>
-              <a:t>RAM Planing, impl</a:t>
+              <a:t>RAM Planning, impl</a:t>
             </a:r>
             <a:endParaRPr b="0" lang="en-GB" sz="2100" spc="-1" strike="noStrike">
-              <a:latin typeface="Arial"/>
-            </a:endParaRPr>
-          </a:p>
-          <a:p>
-            <a:pPr lvl="1" marL="864000" indent="-324000">
+              <a:latin typeface="Nimbus Sans"/>
+            </a:endParaRPr>
+          </a:p>
+          <a:p>
+            <a:pPr lvl="1" marL="864000" indent="-323640">
+              <a:lnSpc>
+                <a:spcPct val="100000"/>
+              </a:lnSpc>
               <a:spcBef>
                 <a:spcPts val="850"/>
               </a:spcBef>
@@ -5158,31 +7110,31 @@
                 <a:srgbClr val="000000"/>
               </a:buClr>
               <a:buSzPct val="75000"/>
-              <a:buFont typeface="Symbol" charset="2"/>
+              <a:buFont typeface="Symbol"/>
               <a:buChar char=""/>
             </a:pPr>
             <a:r>
               <a:rPr b="0" lang="en-GB" sz="2100" spc="-1" strike="noStrike">
                 <a:latin typeface="Arial"/>
               </a:rPr>
-              <a:t>CPU Planing,</a:t>
+              <a:t>CPU Planning,</a:t>
             </a:r>
             <a:endParaRPr b="0" lang="en-GB" sz="2100" spc="-1" strike="noStrike">
-              <a:latin typeface="Arial"/>
-            </a:endParaRPr>
-          </a:p>
-        </p:txBody>
-      </p:sp>
-      <p:sp>
-        <p:nvSpPr>
-          <p:cNvPr id="99" name="TextShape 3"/>
-          <p:cNvSpPr txBox="1"/>
+              <a:latin typeface="Nimbus Sans"/>
+            </a:endParaRPr>
+          </a:p>
+        </p:txBody>
+      </p:sp>
+      <p:sp>
+        <p:nvSpPr>
+          <p:cNvPr id="136" name="CustomShape 3"/>
+          <p:cNvSpPr/>
           <p:nvPr/>
         </p:nvSpPr>
         <p:spPr>
           <a:xfrm>
             <a:off x="5112000" y="1234440"/>
-            <a:ext cx="4426920" cy="2517840"/>
+            <a:ext cx="4426560" cy="2517480"/>
           </a:xfrm>
           <a:prstGeom prst="rect">
             <a:avLst/>
@@ -5192,12 +7144,21 @@
             <a:noFill/>
           </a:ln>
         </p:spPr>
+        <p:style>
+          <a:lnRef idx="0"/>
+          <a:fillRef idx="0"/>
+          <a:effectRef idx="0"/>
+          <a:fontRef idx="minor"/>
+        </p:style>
         <p:txBody>
           <a:bodyPr lIns="0" rIns="0" tIns="0" bIns="0">
             <a:normAutofit/>
           </a:bodyPr>
           <a:p>
-            <a:pPr marL="432000" indent="-324000">
+            <a:pPr marL="432000" indent="-323640">
+              <a:lnSpc>
+                <a:spcPct val="100000"/>
+              </a:lnSpc>
               <a:spcBef>
                 <a:spcPts val="1060"/>
               </a:spcBef>
@@ -5215,11 +7176,14 @@
               <a:t>On-going:</a:t>
             </a:r>
             <a:endParaRPr b="0" lang="en-GB" sz="2400" spc="-1" strike="noStrike">
-              <a:latin typeface="Arial"/>
-            </a:endParaRPr>
-          </a:p>
-          <a:p>
-            <a:pPr lvl="1" marL="864000" indent="-324000">
+              <a:latin typeface="Nimbus Sans"/>
+            </a:endParaRPr>
+          </a:p>
+          <a:p>
+            <a:pPr lvl="1" marL="864000" indent="-323640">
+              <a:lnSpc>
+                <a:spcPct val="100000"/>
+              </a:lnSpc>
               <a:spcBef>
                 <a:spcPts val="850"/>
               </a:spcBef>
@@ -5227,7 +7191,7 @@
                 <a:srgbClr val="000000"/>
               </a:buClr>
               <a:buSzPct val="75000"/>
-              <a:buFont typeface="Symbol" charset="2"/>
+              <a:buFont typeface="Symbol"/>
               <a:buChar char=""/>
             </a:pPr>
             <a:r>
@@ -5237,11 +7201,14 @@
               <a:t>RAM Testing</a:t>
             </a:r>
             <a:endParaRPr b="0" lang="en-GB" sz="2100" spc="-1" strike="noStrike">
-              <a:latin typeface="Arial"/>
-            </a:endParaRPr>
-          </a:p>
-          <a:p>
-            <a:pPr lvl="1" marL="864000" indent="-324000">
+              <a:latin typeface="Nimbus Sans"/>
+            </a:endParaRPr>
+          </a:p>
+          <a:p>
+            <a:pPr lvl="1" marL="864000" indent="-323640">
+              <a:lnSpc>
+                <a:spcPct val="100000"/>
+              </a:lnSpc>
               <a:spcBef>
                 <a:spcPts val="850"/>
               </a:spcBef>
@@ -5249,7 +7216,7 @@
                 <a:srgbClr val="000000"/>
               </a:buClr>
               <a:buSzPct val="75000"/>
-              <a:buFont typeface="Symbol" charset="2"/>
+              <a:buFont typeface="Symbol"/>
               <a:buChar char=""/>
             </a:pPr>
             <a:r>
@@ -5259,11 +7226,14 @@
               <a:t>PPU research</a:t>
             </a:r>
             <a:endParaRPr b="0" lang="en-GB" sz="2100" spc="-1" strike="noStrike">
-              <a:latin typeface="Arial"/>
-            </a:endParaRPr>
-          </a:p>
-          <a:p>
-            <a:pPr lvl="1" marL="864000" indent="-324000">
+              <a:latin typeface="Nimbus Sans"/>
+            </a:endParaRPr>
+          </a:p>
+          <a:p>
+            <a:pPr lvl="1" marL="864000" indent="-323640">
+              <a:lnSpc>
+                <a:spcPct val="100000"/>
+              </a:lnSpc>
               <a:spcBef>
                 <a:spcPts val="850"/>
               </a:spcBef>
@@ -5271,7 +7241,7 @@
                 <a:srgbClr val="000000"/>
               </a:buClr>
               <a:buSzPct val="75000"/>
-              <a:buFont typeface="Symbol" charset="2"/>
+              <a:buFont typeface="Symbol"/>
               <a:buChar char=""/>
             </a:pPr>
             <a:r>
@@ -5281,7 +7251,7 @@
               <a:t>UI lib research (SDL)</a:t>
             </a:r>
             <a:endParaRPr b="0" lang="en-GB" sz="2100" spc="-1" strike="noStrike">
-              <a:latin typeface="Arial"/>
+              <a:latin typeface="Nimbus Sans"/>
             </a:endParaRPr>
           </a:p>
         </p:txBody>
@@ -5296,6 +7266,33 @@
       <p:transition spd="slow"/>
     </mc:Fallback>
   </mc:AlternateContent>
+  <p:timing>
+    <p:tnLst>
+      <p:par>
+        <p:cTn id="9" dur="indefinite" restart="never" nodeType="tmRoot">
+          <p:childTnLst>
+            <p:seq>
+              <p:cTn id="10" dur="indefinite" nodeType="mainSeq"/>
+              <p:prevCondLst>
+                <p:cond delay="0" evt="onPrev">
+                  <p:tgtEl>
+                    <p:sldTgt/>
+                  </p:tgtEl>
+                </p:cond>
+              </p:prevCondLst>
+              <p:nextCondLst>
+                <p:cond delay="0" evt="onNext">
+                  <p:tgtEl>
+                    <p:sldTgt/>
+                  </p:tgtEl>
+                </p:cond>
+              </p:nextCondLst>
+            </p:seq>
+          </p:childTnLst>
+        </p:cTn>
+      </p:par>
+    </p:tnLst>
+  </p:timing>
 </p:sld>
 </file>
 
@@ -5318,14 +7315,14 @@
       </p:grpSpPr>
       <p:sp>
         <p:nvSpPr>
-          <p:cNvPr id="100" name="TextShape 1"/>
-          <p:cNvSpPr txBox="1"/>
+          <p:cNvPr id="137" name="CustomShape 1"/>
+          <p:cNvSpPr/>
           <p:nvPr/>
         </p:nvSpPr>
         <p:spPr>
           <a:xfrm>
-            <a:off x="360360" y="288000"/>
-            <a:ext cx="9071640" cy="946440"/>
+            <a:off x="360360" y="523800"/>
+            <a:ext cx="9071280" cy="474480"/>
           </a:xfrm>
           <a:prstGeom prst="rect">
             <a:avLst/>
@@ -5335,12 +7332,22 @@
             <a:noFill/>
           </a:ln>
         </p:spPr>
+        <p:style>
+          <a:lnRef idx="0"/>
+          <a:fillRef idx="0"/>
+          <a:effectRef idx="0"/>
+          <a:fontRef idx="minor"/>
+        </p:style>
         <p:txBody>
           <a:bodyPr lIns="0" rIns="0" tIns="0" bIns="0" anchor="ctr">
             <a:spAutoFit/>
           </a:bodyPr>
           <a:p>
-            <a:pPr algn="ctr"/>
+            <a:pPr algn="ctr">
+              <a:lnSpc>
+                <a:spcPct val="100000"/>
+              </a:lnSpc>
+            </a:pPr>
             <a:r>
               <a:rPr b="0" lang="en-GB" sz="3110" spc="-1" strike="noStrike">
                 <a:solidFill>
@@ -5351,24 +7358,21 @@
               <a:t>Upcoming tasks(in order)</a:t>
             </a:r>
             <a:endParaRPr b="0" lang="en-GB" sz="3110" spc="-1" strike="noStrike">
-              <a:solidFill>
-                <a:srgbClr val="006699"/>
-              </a:solidFill>
-              <a:latin typeface="Arial"/>
-            </a:endParaRPr>
-          </a:p>
-        </p:txBody>
-      </p:sp>
-      <p:sp>
-        <p:nvSpPr>
-          <p:cNvPr id="101" name="TextShape 2"/>
-          <p:cNvSpPr txBox="1"/>
+              <a:latin typeface="Nimbus Sans"/>
+            </a:endParaRPr>
+          </a:p>
+        </p:txBody>
+      </p:sp>
+      <p:sp>
+        <p:nvSpPr>
+          <p:cNvPr id="138" name="CustomShape 2"/>
+          <p:cNvSpPr/>
           <p:nvPr/>
         </p:nvSpPr>
         <p:spPr>
           <a:xfrm>
             <a:off x="504000" y="1607760"/>
-            <a:ext cx="9071640" cy="3288240"/>
+            <a:ext cx="9071280" cy="3287880"/>
           </a:xfrm>
           <a:prstGeom prst="rect">
             <a:avLst/>
@@ -5378,12 +7382,21 @@
             <a:noFill/>
           </a:ln>
         </p:spPr>
+        <p:style>
+          <a:lnRef idx="0"/>
+          <a:fillRef idx="0"/>
+          <a:effectRef idx="0"/>
+          <a:fontRef idx="minor"/>
+        </p:style>
         <p:txBody>
           <a:bodyPr lIns="0" rIns="0" tIns="0" bIns="0">
             <a:normAutofit/>
           </a:bodyPr>
           <a:p>
-            <a:pPr marL="432000" indent="-324000">
+            <a:pPr marL="432000" indent="-323640">
+              <a:lnSpc>
+                <a:spcPct val="100000"/>
+              </a:lnSpc>
               <a:spcBef>
                 <a:spcPts val="1060"/>
               </a:spcBef>
@@ -5401,11 +7414,14 @@
               <a:t>RAM Documentation &amp;&amp; PPU Research</a:t>
             </a:r>
             <a:endParaRPr b="0" lang="en-GB" sz="2400" spc="-1" strike="noStrike">
-              <a:latin typeface="Arial"/>
-            </a:endParaRPr>
-          </a:p>
-          <a:p>
-            <a:pPr marL="432000" indent="-324000">
+              <a:latin typeface="Nimbus Sans"/>
+            </a:endParaRPr>
+          </a:p>
+          <a:p>
+            <a:pPr marL="432000" indent="-323640">
+              <a:lnSpc>
+                <a:spcPct val="100000"/>
+              </a:lnSpc>
               <a:spcBef>
                 <a:spcPts val="1060"/>
               </a:spcBef>
@@ -5423,11 +7439,14 @@
               <a:t>CPU impl, Test Document &amp;&amp; PPU / UI Research</a:t>
             </a:r>
             <a:endParaRPr b="0" lang="en-GB" sz="2400" spc="-1" strike="noStrike">
-              <a:latin typeface="Arial"/>
-            </a:endParaRPr>
-          </a:p>
-          <a:p>
-            <a:pPr marL="432000" indent="-324000">
+              <a:latin typeface="Nimbus Sans"/>
+            </a:endParaRPr>
+          </a:p>
+          <a:p>
+            <a:pPr marL="432000" indent="-323640">
+              <a:lnSpc>
+                <a:spcPct val="100000"/>
+              </a:lnSpc>
               <a:spcBef>
                 <a:spcPts val="1060"/>
               </a:spcBef>
@@ -5445,11 +7464,14 @@
               <a:t>PPU impl, test, document </a:t>
             </a:r>
             <a:endParaRPr b="0" lang="en-GB" sz="2400" spc="-1" strike="noStrike">
-              <a:latin typeface="Arial"/>
-            </a:endParaRPr>
-          </a:p>
-          <a:p>
-            <a:pPr marL="432000" indent="-324000">
+              <a:latin typeface="Nimbus Sans"/>
+            </a:endParaRPr>
+          </a:p>
+          <a:p>
+            <a:pPr marL="432000" indent="-323640">
+              <a:lnSpc>
+                <a:spcPct val="100000"/>
+              </a:lnSpc>
               <a:spcBef>
                 <a:spcPts val="1060"/>
               </a:spcBef>
@@ -5467,11 +7489,14 @@
               <a:t>UI / IO impl</a:t>
             </a:r>
             <a:endParaRPr b="0" lang="en-GB" sz="2400" spc="-1" strike="noStrike">
-              <a:latin typeface="Arial"/>
-            </a:endParaRPr>
-          </a:p>
-          <a:p>
-            <a:pPr marL="432000" indent="-324000">
+              <a:latin typeface="Nimbus Sans"/>
+            </a:endParaRPr>
+          </a:p>
+          <a:p>
+            <a:pPr marL="432000" indent="-323640">
+              <a:lnSpc>
+                <a:spcPct val="100000"/>
+              </a:lnSpc>
               <a:spcBef>
                 <a:spcPts val="1060"/>
               </a:spcBef>
@@ -5486,10 +7511,10 @@
               <a:rPr b="0" lang="en-GB" sz="2400" spc="-1" strike="noStrike">
                 <a:latin typeface="Arial"/>
               </a:rPr>
-              <a:t>Additinal Features</a:t>
+              <a:t>Additional Features</a:t>
             </a:r>
             <a:endParaRPr b="0" lang="en-GB" sz="2400" spc="-1" strike="noStrike">
-              <a:latin typeface="Arial"/>
+              <a:latin typeface="Nimbus Sans"/>
             </a:endParaRPr>
           </a:p>
         </p:txBody>
@@ -5504,6 +7529,33 @@
       <p:transition spd="slow"/>
     </mc:Fallback>
   </mc:AlternateContent>
+  <p:timing>
+    <p:tnLst>
+      <p:par>
+        <p:cTn id="11" dur="indefinite" restart="never" nodeType="tmRoot">
+          <p:childTnLst>
+            <p:seq>
+              <p:cTn id="12" dur="indefinite" nodeType="mainSeq"/>
+              <p:prevCondLst>
+                <p:cond delay="0" evt="onPrev">
+                  <p:tgtEl>
+                    <p:sldTgt/>
+                  </p:tgtEl>
+                </p:cond>
+              </p:prevCondLst>
+              <p:nextCondLst>
+                <p:cond delay="0" evt="onNext">
+                  <p:tgtEl>
+                    <p:sldTgt/>
+                  </p:tgtEl>
+                </p:cond>
+              </p:nextCondLst>
+            </p:seq>
+          </p:childTnLst>
+        </p:cTn>
+      </p:par>
+    </p:tnLst>
+  </p:timing>
 </p:sld>
 </file>
 
@@ -5951,4 +8003,227 @@
     </a:fmtScheme>
   </a:themeElements>
 </a:theme>
+</file>
+
+<file path=ppt/theme/theme3.xml><?xml version="1.0" encoding="utf-8"?>
+<a:theme xmlns:a="http://schemas.openxmlformats.org/drawingml/2006/main" name="Office Theme">
+  <a:themeElements>
+    <a:clrScheme name="Office">
+      <a:dk1>
+        <a:sysClr val="windowText" lastClr="000000"/>
+      </a:dk1>
+      <a:lt1>
+        <a:sysClr val="window" lastClr="FFFFFF"/>
+      </a:lt1>
+      <a:dk2>
+        <a:srgbClr val="1f497d"/>
+      </a:dk2>
+      <a:lt2>
+        <a:srgbClr val="eeece1"/>
+      </a:lt2>
+      <a:accent1>
+        <a:srgbClr val="4f81bd"/>
+      </a:accent1>
+      <a:accent2>
+        <a:srgbClr val="c0504d"/>
+      </a:accent2>
+      <a:accent3>
+        <a:srgbClr val="9bbb59"/>
+      </a:accent3>
+      <a:accent4>
+        <a:srgbClr val="8064a2"/>
+      </a:accent4>
+      <a:accent5>
+        <a:srgbClr val="4bacc6"/>
+      </a:accent5>
+      <a:accent6>
+        <a:srgbClr val="f79646"/>
+      </a:accent6>
+      <a:hlink>
+        <a:srgbClr val="0000ff"/>
+      </a:hlink>
+      <a:folHlink>
+        <a:srgbClr val="800080"/>
+      </a:folHlink>
+    </a:clrScheme>
+    <a:fontScheme name="Office">
+      <a:majorFont>
+        <a:latin typeface="Arial"/>
+        <a:ea typeface="DejaVu Sans"/>
+        <a:cs typeface="DejaVu Sans"/>
+      </a:majorFont>
+      <a:minorFont>
+        <a:latin typeface="Arial"/>
+        <a:ea typeface="DejaVu Sans"/>
+        <a:cs typeface="DejaVu Sans"/>
+      </a:minorFont>
+    </a:fontScheme>
+    <a:fmtScheme name="Office">
+      <a:fillStyleLst>
+        <a:solidFill>
+          <a:schemeClr val="phClr"/>
+        </a:solidFill>
+        <a:gradFill rotWithShape="1">
+          <a:gsLst>
+            <a:gs pos="0">
+              <a:schemeClr val="phClr">
+                <a:tint val="50000"/>
+                <a:satMod val="300000"/>
+              </a:schemeClr>
+            </a:gs>
+            <a:gs pos="35000">
+              <a:schemeClr val="phClr">
+                <a:tint val="37000"/>
+                <a:satMod val="300000"/>
+              </a:schemeClr>
+            </a:gs>
+            <a:gs pos="100000">
+              <a:schemeClr val="phClr">
+                <a:tint val="15000"/>
+                <a:satMod val="350000"/>
+              </a:schemeClr>
+            </a:gs>
+          </a:gsLst>
+          <a:lin ang="16200000" scaled="1"/>
+        </a:gradFill>
+        <a:gradFill rotWithShape="1">
+          <a:gsLst>
+            <a:gs pos="0">
+              <a:schemeClr val="phClr">
+                <a:shade val="51000"/>
+                <a:satMod val="130000"/>
+              </a:schemeClr>
+            </a:gs>
+            <a:gs pos="80000">
+              <a:schemeClr val="phClr">
+                <a:shade val="93000"/>
+                <a:satMod val="130000"/>
+              </a:schemeClr>
+            </a:gs>
+            <a:gs pos="100000">
+              <a:schemeClr val="phClr">
+                <a:shade val="94000"/>
+                <a:satMod val="135000"/>
+              </a:schemeClr>
+            </a:gs>
+          </a:gsLst>
+          <a:lin ang="16200000" scaled="0"/>
+        </a:gradFill>
+      </a:fillStyleLst>
+      <a:lnStyleLst>
+        <a:ln w="9525" cap="flat" cmpd="sng" algn="ctr">
+          <a:solidFill>
+            <a:schemeClr val="phClr">
+              <a:shade val="95000"/>
+              <a:satMod val="105000"/>
+            </a:schemeClr>
+          </a:solidFill>
+          <a:prstDash val="solid"/>
+        </a:ln>
+        <a:ln w="25400" cap="flat" cmpd="sng" algn="ctr">
+          <a:solidFill>
+            <a:schemeClr val="phClr"/>
+          </a:solidFill>
+          <a:prstDash val="solid"/>
+        </a:ln>
+        <a:ln w="38100" cap="flat" cmpd="sng" algn="ctr">
+          <a:solidFill>
+            <a:schemeClr val="phClr"/>
+          </a:solidFill>
+          <a:prstDash val="solid"/>
+        </a:ln>
+      </a:lnStyleLst>
+      <a:effectStyleLst>
+        <a:effectStyle>
+          <a:effectLst>
+            <a:outerShdw blurRad="40000" dist="20000" dir="5400000" rotWithShape="0">
+              <a:srgbClr val="000000">
+                <a:alpha val="38000"/>
+              </a:srgbClr>
+            </a:outerShdw>
+          </a:effectLst>
+        </a:effectStyle>
+        <a:effectStyle>
+          <a:effectLst>
+            <a:outerShdw blurRad="40000" dist="23000" dir="5400000" rotWithShape="0">
+              <a:srgbClr val="000000">
+                <a:alpha val="35000"/>
+              </a:srgbClr>
+            </a:outerShdw>
+          </a:effectLst>
+        </a:effectStyle>
+        <a:effectStyle>
+          <a:effectLst>
+            <a:outerShdw blurRad="40000" dist="23000" dir="5400000" rotWithShape="0">
+              <a:srgbClr val="000000">
+                <a:alpha val="35000"/>
+              </a:srgbClr>
+            </a:outerShdw>
+          </a:effectLst>
+          <a:scene3d>
+            <a:camera prst="orthographicFront">
+              <a:rot lat="0" lon="0" rev="0"/>
+            </a:camera>
+            <a:lightRig rig="threePt" dir="t">
+              <a:rot lat="0" lon="0" rev="1200000"/>
+            </a:lightRig>
+          </a:scene3d>
+          <a:sp3d>
+            <a:bevelT w="63500" h="25400"/>
+          </a:sp3d>
+        </a:effectStyle>
+      </a:effectStyleLst>
+      <a:bgFillStyleLst>
+        <a:solidFill>
+          <a:schemeClr val="phClr"/>
+        </a:solidFill>
+        <a:gradFill rotWithShape="1">
+          <a:gsLst>
+            <a:gs pos="0">
+              <a:schemeClr val="phClr">
+                <a:tint val="40000"/>
+                <a:satMod val="350000"/>
+              </a:schemeClr>
+            </a:gs>
+            <a:gs pos="40000">
+              <a:schemeClr val="phClr">
+                <a:tint val="45000"/>
+                <a:shade val="99000"/>
+                <a:satMod val="350000"/>
+              </a:schemeClr>
+            </a:gs>
+            <a:gs pos="100000">
+              <a:schemeClr val="phClr">
+                <a:shade val="20000"/>
+                <a:satMod val="255000"/>
+              </a:schemeClr>
+            </a:gs>
+          </a:gsLst>
+          <a:path path="circle">
+            <a:fillToRect l="50000" t="-80000" r="50000" b="180000"/>
+          </a:path>
+        </a:gradFill>
+        <a:gradFill rotWithShape="1">
+          <a:gsLst>
+            <a:gs pos="0">
+              <a:schemeClr val="phClr">
+                <a:tint val="80000"/>
+                <a:satMod val="300000"/>
+              </a:schemeClr>
+            </a:gs>
+            <a:gs pos="100000">
+              <a:schemeClr val="phClr">
+                <a:shade val="30000"/>
+                <a:satMod val="200000"/>
+              </a:schemeClr>
+            </a:gs>
+          </a:gsLst>
+          <a:path path="circle">
+            <a:fillToRect l="50000" t="50000" r="50000" b="50000"/>
+          </a:path>
+        </a:gradFill>
+      </a:bgFillStyleLst>
+    </a:fmtScheme>
+  </a:themeElements>
+</a:theme>
 </file>